--- a/document/ppt/ch9-扩展开发/2-经济学设计-Loyalty支持.pptx
+++ b/document/ppt/ch9-扩展开发/2-经济学设计-Loyalty支持.pptx
@@ -8,18 +8,22 @@
     <p:sldMasterId id="2147483684" r:id="rId4"/>
   </p:sldMasterIdLst>
   <p:notesMasterIdLst>
-    <p:notesMasterId r:id="rId14"/>
+    <p:notesMasterId r:id="rId18"/>
   </p:notesMasterIdLst>
   <p:sldIdLst>
     <p:sldId id="342" r:id="rId5"/>
     <p:sldId id="356" r:id="rId6"/>
-    <p:sldId id="372" r:id="rId7"/>
-    <p:sldId id="374" r:id="rId8"/>
-    <p:sldId id="375" r:id="rId9"/>
-    <p:sldId id="376" r:id="rId10"/>
-    <p:sldId id="377" r:id="rId11"/>
-    <p:sldId id="378" r:id="rId12"/>
-    <p:sldId id="379" r:id="rId13"/>
+    <p:sldId id="382" r:id="rId7"/>
+    <p:sldId id="384" r:id="rId8"/>
+    <p:sldId id="381" r:id="rId9"/>
+    <p:sldId id="380" r:id="rId10"/>
+    <p:sldId id="387" r:id="rId11"/>
+    <p:sldId id="386" r:id="rId12"/>
+    <p:sldId id="375" r:id="rId13"/>
+    <p:sldId id="376" r:id="rId14"/>
+    <p:sldId id="377" r:id="rId15"/>
+    <p:sldId id="378" r:id="rId16"/>
+    <p:sldId id="388" r:id="rId17"/>
   </p:sldIdLst>
   <p:sldSz cx="9144000" cy="5143500" type="screen16x9"/>
   <p:notesSz cx="6858000" cy="9144000"/>
@@ -327,7 +331,7 @@
                 <a:ea typeface="宋体" panose="02010600030101010101" pitchFamily="2" charset="-122"/>
                 <a:cs typeface="Calibri" panose="020F0502020204030204" pitchFamily="34" charset="0"/>
               </a:rPr>
-              <a:t>25</a:t>
+              <a:t>29</a:t>
             </a:fld>
             <a:endParaRPr lang="zh-CN" altLang="en-US" sz="1200">
               <a:latin typeface="Calibri" panose="020F0502020204030204" pitchFamily="34" charset="0"/>
@@ -807,6 +811,528 @@
 </p:notes>
 </file>
 
+<file path=ppt/notesSlides/notesSlide10.xml><?xml version="1.0" encoding="utf-8"?>
+<p:notes xmlns:a="http://schemas.openxmlformats.org/drawingml/2006/main" xmlns:r="http://schemas.openxmlformats.org/officeDocument/2006/relationships" xmlns:p="http://schemas.openxmlformats.org/presentationml/2006/main">
+  <p:cSld>
+    <p:bg>
+      <p:bgPr>
+        <a:solidFill>
+          <a:schemeClr val="bg1"/>
+        </a:solidFill>
+        <a:effectLst/>
+      </p:bgPr>
+    </p:bg>
+    <p:spTree>
+      <p:nvGrpSpPr>
+        <p:cNvPr id="1" name=""/>
+        <p:cNvGrpSpPr/>
+        <p:nvPr/>
+      </p:nvGrpSpPr>
+      <p:grpSpPr>
+        <a:xfrm>
+          <a:off x="0" y="0"/>
+          <a:ext cx="0" cy="0"/>
+          <a:chOff x="0" y="0"/>
+          <a:chExt cx="0" cy="0"/>
+        </a:xfrm>
+      </p:grpSpPr>
+      <p:sp>
+        <p:nvSpPr>
+          <p:cNvPr id="6" name="文本框"/>
+          <p:cNvSpPr>
+            <a:spLocks noGrp="1"/>
+          </p:cNvSpPr>
+          <p:nvPr>
+            <p:ph type="sldNum" idx="5"/>
+          </p:nvPr>
+        </p:nvSpPr>
+        <p:spPr>
+          <a:xfrm>
+            <a:off x="3884613" y="8685213"/>
+            <a:ext cx="2971800" cy="457200"/>
+          </a:xfrm>
+          <a:prstGeom prst="rect">
+            <a:avLst/>
+          </a:prstGeom>
+          <a:noFill/>
+          <a:ln w="9525" cap="flat" cmpd="sng">
+            <a:noFill/>
+            <a:prstDash val="solid"/>
+            <a:round/>
+          </a:ln>
+        </p:spPr>
+        <p:txBody>
+          <a:bodyPr vert="horz" wrap="square" lIns="91440" tIns="45720" rIns="91440" bIns="45720" anchor="b" anchorCtr="0"/>
+          <a:lstStyle/>
+          <a:p>
+            <a:pPr algn="r"/>
+            <a:fld id="{CAD2D6BD-DE1B-4B5F-8B41-2702339687B9}" type="slidenum">
+              <a:rPr lang="en-US" altLang="zh-CN" sz="1800" u="none" strike="noStrike" kern="1200" cap="none" spc="0" baseline="0">
+                <a:solidFill>
+                  <a:schemeClr val="tx1"/>
+                </a:solidFill>
+                <a:latin typeface="Calibri" panose="020F0502020204030204" pitchFamily="34" charset="0"/>
+                <a:ea typeface="宋体" panose="02010600030101010101" pitchFamily="2" charset="-122"/>
+                <a:cs typeface="Calibri" panose="020F0502020204030204" pitchFamily="34" charset="0"/>
+              </a:rPr>
+              <a:t>10</a:t>
+            </a:fld>
+            <a:endParaRPr lang="zh-CN" altLang="en-US" sz="1200">
+              <a:latin typeface="Calibri" panose="020F0502020204030204" pitchFamily="34" charset="0"/>
+              <a:ea typeface="宋体" panose="02010600030101010101" pitchFamily="2" charset="-122"/>
+              <a:cs typeface="Calibri" panose="020F0502020204030204" pitchFamily="34" charset="0"/>
+            </a:endParaRPr>
+          </a:p>
+        </p:txBody>
+      </p:sp>
+      <p:sp>
+        <p:nvSpPr>
+          <p:cNvPr id="95" name="对象"/>
+          <p:cNvSpPr>
+            <a:spLocks noGrp="1" noRot="1" noChangeAspect="1"/>
+          </p:cNvSpPr>
+          <p:nvPr>
+            <p:ph type="sldImg"/>
+          </p:nvPr>
+        </p:nvSpPr>
+        <p:spPr>
+          <a:xfrm>
+            <a:off x="381000" y="685800"/>
+            <a:ext cx="6096000" cy="3429000"/>
+          </a:xfrm>
+          <a:prstGeom prst="rect">
+            <a:avLst/>
+          </a:prstGeom>
+          <a:noFill/>
+          <a:ln w="9525" cap="flat" cmpd="sng">
+            <a:noFill/>
+            <a:prstDash val="solid"/>
+            <a:miter/>
+          </a:ln>
+        </p:spPr>
+      </p:sp>
+      <p:sp>
+        <p:nvSpPr>
+          <p:cNvPr id="96" name="文本框"/>
+          <p:cNvSpPr>
+            <a:spLocks noGrp="1"/>
+          </p:cNvSpPr>
+          <p:nvPr>
+            <p:ph type="body" idx="1"/>
+          </p:nvPr>
+        </p:nvSpPr>
+        <p:spPr>
+          <a:xfrm>
+            <a:off x="0" y="0"/>
+            <a:ext cx="0" cy="0"/>
+          </a:xfrm>
+          <a:prstGeom prst="rect">
+            <a:avLst/>
+          </a:prstGeom>
+          <a:noFill/>
+          <a:ln w="9525" cap="flat" cmpd="sng">
+            <a:noFill/>
+            <a:prstDash val="solid"/>
+            <a:miter/>
+          </a:ln>
+        </p:spPr>
+        <p:txBody>
+          <a:bodyPr vert="horz" wrap="square" lIns="91440" tIns="45720" rIns="91440" bIns="45720" anchor="t" anchorCtr="0"/>
+          <a:lstStyle/>
+          <a:p>
+            <a:endParaRPr lang="zh-CN" altLang="en-US"/>
+          </a:p>
+        </p:txBody>
+      </p:sp>
+    </p:spTree>
+    <p:extLst>
+      <p:ext uri="{BB962C8B-B14F-4D97-AF65-F5344CB8AC3E}">
+        <p14:creationId xmlns:p14="http://schemas.microsoft.com/office/powerpoint/2010/main" val="759283200"/>
+      </p:ext>
+    </p:extLst>
+  </p:cSld>
+  <p:clrMapOvr>
+    <a:masterClrMapping/>
+  </p:clrMapOvr>
+</p:notes>
+</file>
+
+<file path=ppt/notesSlides/notesSlide11.xml><?xml version="1.0" encoding="utf-8"?>
+<p:notes xmlns:a="http://schemas.openxmlformats.org/drawingml/2006/main" xmlns:r="http://schemas.openxmlformats.org/officeDocument/2006/relationships" xmlns:p="http://schemas.openxmlformats.org/presentationml/2006/main">
+  <p:cSld>
+    <p:spTree>
+      <p:nvGrpSpPr>
+        <p:cNvPr id="1" name=""/>
+        <p:cNvGrpSpPr/>
+        <p:nvPr/>
+      </p:nvGrpSpPr>
+      <p:grpSpPr>
+        <a:xfrm>
+          <a:off x="0" y="0"/>
+          <a:ext cx="0" cy="0"/>
+          <a:chOff x="0" y="0"/>
+          <a:chExt cx="0" cy="0"/>
+        </a:xfrm>
+      </p:grpSpPr>
+      <p:sp>
+        <p:nvSpPr>
+          <p:cNvPr id="2" name="幻灯片图像占位符 1"/>
+          <p:cNvSpPr>
+            <a:spLocks noGrp="1" noRot="1" noChangeAspect="1"/>
+          </p:cNvSpPr>
+          <p:nvPr>
+            <p:ph type="sldImg"/>
+          </p:nvPr>
+        </p:nvSpPr>
+        <p:spPr/>
+      </p:sp>
+      <p:sp>
+        <p:nvSpPr>
+          <p:cNvPr id="3" name="备注占位符 2"/>
+          <p:cNvSpPr>
+            <a:spLocks noGrp="1"/>
+          </p:cNvSpPr>
+          <p:nvPr>
+            <p:ph type="body" idx="1"/>
+          </p:nvPr>
+        </p:nvSpPr>
+        <p:spPr/>
+        <p:txBody>
+          <a:bodyPr/>
+          <a:lstStyle/>
+          <a:p>
+            <a:endParaRPr lang="zh-CN" altLang="en-US" dirty="0"/>
+          </a:p>
+        </p:txBody>
+      </p:sp>
+      <p:sp>
+        <p:nvSpPr>
+          <p:cNvPr id="4" name="灯片编号占位符 3"/>
+          <p:cNvSpPr>
+            <a:spLocks noGrp="1"/>
+          </p:cNvSpPr>
+          <p:nvPr>
+            <p:ph type="sldNum" sz="quarter" idx="10"/>
+          </p:nvPr>
+        </p:nvSpPr>
+        <p:spPr/>
+        <p:txBody>
+          <a:bodyPr/>
+          <a:lstStyle/>
+          <a:p>
+            <a:fld id="{3849D3E0-124D-4DFF-AE99-4EA4CC201DB4}" type="slidenum">
+              <a:rPr lang="zh-CN" altLang="en-US" smtClean="0"/>
+              <a:t>11</a:t>
+            </a:fld>
+            <a:endParaRPr lang="zh-CN" altLang="en-US"/>
+          </a:p>
+        </p:txBody>
+      </p:sp>
+    </p:spTree>
+    <p:extLst>
+      <p:ext uri="{BB962C8B-B14F-4D97-AF65-F5344CB8AC3E}">
+        <p14:creationId xmlns:p14="http://schemas.microsoft.com/office/powerpoint/2010/main" val="3202269408"/>
+      </p:ext>
+    </p:extLst>
+  </p:cSld>
+  <p:clrMapOvr>
+    <a:masterClrMapping/>
+  </p:clrMapOvr>
+</p:notes>
+</file>
+
+<file path=ppt/notesSlides/notesSlide12.xml><?xml version="1.0" encoding="utf-8"?>
+<p:notes xmlns:a="http://schemas.openxmlformats.org/drawingml/2006/main" xmlns:r="http://schemas.openxmlformats.org/officeDocument/2006/relationships" xmlns:p="http://schemas.openxmlformats.org/presentationml/2006/main">
+  <p:cSld>
+    <p:bg>
+      <p:bgPr>
+        <a:solidFill>
+          <a:schemeClr val="bg1"/>
+        </a:solidFill>
+        <a:effectLst/>
+      </p:bgPr>
+    </p:bg>
+    <p:spTree>
+      <p:nvGrpSpPr>
+        <p:cNvPr id="1" name=""/>
+        <p:cNvGrpSpPr/>
+        <p:nvPr/>
+      </p:nvGrpSpPr>
+      <p:grpSpPr>
+        <a:xfrm>
+          <a:off x="0" y="0"/>
+          <a:ext cx="0" cy="0"/>
+          <a:chOff x="0" y="0"/>
+          <a:chExt cx="0" cy="0"/>
+        </a:xfrm>
+      </p:grpSpPr>
+      <p:sp>
+        <p:nvSpPr>
+          <p:cNvPr id="6" name="文本框"/>
+          <p:cNvSpPr>
+            <a:spLocks noGrp="1"/>
+          </p:cNvSpPr>
+          <p:nvPr>
+            <p:ph type="sldNum" idx="5"/>
+          </p:nvPr>
+        </p:nvSpPr>
+        <p:spPr>
+          <a:xfrm>
+            <a:off x="3884613" y="8685213"/>
+            <a:ext cx="2971800" cy="457200"/>
+          </a:xfrm>
+          <a:prstGeom prst="rect">
+            <a:avLst/>
+          </a:prstGeom>
+          <a:noFill/>
+          <a:ln w="9525" cap="flat" cmpd="sng">
+            <a:noFill/>
+            <a:prstDash val="solid"/>
+            <a:round/>
+          </a:ln>
+        </p:spPr>
+        <p:txBody>
+          <a:bodyPr vert="horz" wrap="square" lIns="91440" tIns="45720" rIns="91440" bIns="45720" anchor="b" anchorCtr="0"/>
+          <a:lstStyle/>
+          <a:p>
+            <a:pPr algn="r"/>
+            <a:fld id="{CAD2D6BD-DE1B-4B5F-8B41-2702339687B9}" type="slidenum">
+              <a:rPr lang="en-US" altLang="zh-CN" sz="1800" u="none" strike="noStrike" kern="1200" cap="none" spc="0" baseline="0">
+                <a:solidFill>
+                  <a:schemeClr val="tx1"/>
+                </a:solidFill>
+                <a:latin typeface="Calibri" panose="020F0502020204030204" pitchFamily="34" charset="0"/>
+                <a:ea typeface="宋体" panose="02010600030101010101" pitchFamily="2" charset="-122"/>
+                <a:cs typeface="Calibri" panose="020F0502020204030204" pitchFamily="34" charset="0"/>
+              </a:rPr>
+              <a:t>12</a:t>
+            </a:fld>
+            <a:endParaRPr lang="zh-CN" altLang="en-US" sz="1200">
+              <a:latin typeface="Calibri" panose="020F0502020204030204" pitchFamily="34" charset="0"/>
+              <a:ea typeface="宋体" panose="02010600030101010101" pitchFamily="2" charset="-122"/>
+              <a:cs typeface="Calibri" panose="020F0502020204030204" pitchFamily="34" charset="0"/>
+            </a:endParaRPr>
+          </a:p>
+        </p:txBody>
+      </p:sp>
+      <p:sp>
+        <p:nvSpPr>
+          <p:cNvPr id="95" name="对象"/>
+          <p:cNvSpPr>
+            <a:spLocks noGrp="1" noRot="1" noChangeAspect="1"/>
+          </p:cNvSpPr>
+          <p:nvPr>
+            <p:ph type="sldImg"/>
+          </p:nvPr>
+        </p:nvSpPr>
+        <p:spPr>
+          <a:xfrm>
+            <a:off x="381000" y="685800"/>
+            <a:ext cx="6096000" cy="3429000"/>
+          </a:xfrm>
+          <a:prstGeom prst="rect">
+            <a:avLst/>
+          </a:prstGeom>
+          <a:noFill/>
+          <a:ln w="9525" cap="flat" cmpd="sng">
+            <a:noFill/>
+            <a:prstDash val="solid"/>
+            <a:miter/>
+          </a:ln>
+        </p:spPr>
+      </p:sp>
+      <p:sp>
+        <p:nvSpPr>
+          <p:cNvPr id="96" name="文本框"/>
+          <p:cNvSpPr>
+            <a:spLocks noGrp="1"/>
+          </p:cNvSpPr>
+          <p:nvPr>
+            <p:ph type="body" idx="1"/>
+          </p:nvPr>
+        </p:nvSpPr>
+        <p:spPr>
+          <a:xfrm>
+            <a:off x="0" y="0"/>
+            <a:ext cx="0" cy="0"/>
+          </a:xfrm>
+          <a:prstGeom prst="rect">
+            <a:avLst/>
+          </a:prstGeom>
+          <a:noFill/>
+          <a:ln w="9525" cap="flat" cmpd="sng">
+            <a:noFill/>
+            <a:prstDash val="solid"/>
+            <a:miter/>
+          </a:ln>
+        </p:spPr>
+        <p:txBody>
+          <a:bodyPr vert="horz" wrap="square" lIns="91440" tIns="45720" rIns="91440" bIns="45720" anchor="t" anchorCtr="0"/>
+          <a:lstStyle/>
+          <a:p>
+            <a:endParaRPr lang="zh-CN" altLang="en-US"/>
+          </a:p>
+        </p:txBody>
+      </p:sp>
+    </p:spTree>
+    <p:extLst>
+      <p:ext uri="{BB962C8B-B14F-4D97-AF65-F5344CB8AC3E}">
+        <p14:creationId xmlns:p14="http://schemas.microsoft.com/office/powerpoint/2010/main" val="2059750309"/>
+      </p:ext>
+    </p:extLst>
+  </p:cSld>
+  <p:clrMapOvr>
+    <a:masterClrMapping/>
+  </p:clrMapOvr>
+</p:notes>
+</file>
+
+<file path=ppt/notesSlides/notesSlide13.xml><?xml version="1.0" encoding="utf-8"?>
+<p:notes xmlns:a="http://schemas.openxmlformats.org/drawingml/2006/main" xmlns:r="http://schemas.openxmlformats.org/officeDocument/2006/relationships" xmlns:p="http://schemas.openxmlformats.org/presentationml/2006/main">
+  <p:cSld>
+    <p:bg>
+      <p:bgPr>
+        <a:solidFill>
+          <a:schemeClr val="bg1"/>
+        </a:solidFill>
+        <a:effectLst/>
+      </p:bgPr>
+    </p:bg>
+    <p:spTree>
+      <p:nvGrpSpPr>
+        <p:cNvPr id="1" name=""/>
+        <p:cNvGrpSpPr/>
+        <p:nvPr/>
+      </p:nvGrpSpPr>
+      <p:grpSpPr>
+        <a:xfrm>
+          <a:off x="0" y="0"/>
+          <a:ext cx="0" cy="0"/>
+          <a:chOff x="0" y="0"/>
+          <a:chExt cx="0" cy="0"/>
+        </a:xfrm>
+      </p:grpSpPr>
+      <p:sp>
+        <p:nvSpPr>
+          <p:cNvPr id="6" name="文本框"/>
+          <p:cNvSpPr>
+            <a:spLocks noGrp="1"/>
+          </p:cNvSpPr>
+          <p:nvPr>
+            <p:ph type="sldNum" idx="5"/>
+          </p:nvPr>
+        </p:nvSpPr>
+        <p:spPr>
+          <a:xfrm>
+            <a:off x="3884613" y="8685213"/>
+            <a:ext cx="2971800" cy="457200"/>
+          </a:xfrm>
+          <a:prstGeom prst="rect">
+            <a:avLst/>
+          </a:prstGeom>
+          <a:noFill/>
+          <a:ln w="9525" cap="flat" cmpd="sng">
+            <a:noFill/>
+            <a:prstDash val="solid"/>
+            <a:round/>
+          </a:ln>
+        </p:spPr>
+        <p:txBody>
+          <a:bodyPr vert="horz" wrap="square" lIns="91440" tIns="45720" rIns="91440" bIns="45720" anchor="b" anchorCtr="0"/>
+          <a:lstStyle/>
+          <a:p>
+            <a:pPr algn="r"/>
+            <a:fld id="{CAD2D6BD-DE1B-4B5F-8B41-2702339687B9}" type="slidenum">
+              <a:rPr lang="en-US" altLang="zh-CN" sz="1800" u="none" strike="noStrike" kern="1200" cap="none" spc="0" baseline="0">
+                <a:solidFill>
+                  <a:schemeClr val="tx1"/>
+                </a:solidFill>
+                <a:latin typeface="Calibri" panose="020F0502020204030204" pitchFamily="34" charset="0"/>
+                <a:ea typeface="宋体" panose="02010600030101010101" pitchFamily="2" charset="-122"/>
+                <a:cs typeface="Calibri" panose="020F0502020204030204" pitchFamily="34" charset="0"/>
+              </a:rPr>
+              <a:t>13</a:t>
+            </a:fld>
+            <a:endParaRPr lang="zh-CN" altLang="en-US" sz="1200">
+              <a:latin typeface="Calibri" panose="020F0502020204030204" pitchFamily="34" charset="0"/>
+              <a:ea typeface="宋体" panose="02010600030101010101" pitchFamily="2" charset="-122"/>
+              <a:cs typeface="Calibri" panose="020F0502020204030204" pitchFamily="34" charset="0"/>
+            </a:endParaRPr>
+          </a:p>
+        </p:txBody>
+      </p:sp>
+      <p:sp>
+        <p:nvSpPr>
+          <p:cNvPr id="95" name="对象"/>
+          <p:cNvSpPr>
+            <a:spLocks noGrp="1" noRot="1" noChangeAspect="1"/>
+          </p:cNvSpPr>
+          <p:nvPr>
+            <p:ph type="sldImg"/>
+          </p:nvPr>
+        </p:nvSpPr>
+        <p:spPr>
+          <a:xfrm>
+            <a:off x="381000" y="685800"/>
+            <a:ext cx="6096000" cy="3429000"/>
+          </a:xfrm>
+          <a:prstGeom prst="rect">
+            <a:avLst/>
+          </a:prstGeom>
+          <a:noFill/>
+          <a:ln w="9525" cap="flat" cmpd="sng">
+            <a:noFill/>
+            <a:prstDash val="solid"/>
+            <a:miter/>
+          </a:ln>
+        </p:spPr>
+      </p:sp>
+      <p:sp>
+        <p:nvSpPr>
+          <p:cNvPr id="96" name="文本框"/>
+          <p:cNvSpPr>
+            <a:spLocks noGrp="1"/>
+          </p:cNvSpPr>
+          <p:nvPr>
+            <p:ph type="body" idx="1"/>
+          </p:nvPr>
+        </p:nvSpPr>
+        <p:spPr>
+          <a:xfrm>
+            <a:off x="0" y="0"/>
+            <a:ext cx="0" cy="0"/>
+          </a:xfrm>
+          <a:prstGeom prst="rect">
+            <a:avLst/>
+          </a:prstGeom>
+          <a:noFill/>
+          <a:ln w="9525" cap="flat" cmpd="sng">
+            <a:noFill/>
+            <a:prstDash val="solid"/>
+            <a:miter/>
+          </a:ln>
+        </p:spPr>
+        <p:txBody>
+          <a:bodyPr vert="horz" wrap="square" lIns="91440" tIns="45720" rIns="91440" bIns="45720" anchor="t" anchorCtr="0"/>
+          <a:lstStyle/>
+          <a:p>
+            <a:endParaRPr lang="zh-CN" altLang="en-US"/>
+          </a:p>
+        </p:txBody>
+      </p:sp>
+    </p:spTree>
+    <p:extLst>
+      <p:ext uri="{BB962C8B-B14F-4D97-AF65-F5344CB8AC3E}">
+        <p14:creationId xmlns:p14="http://schemas.microsoft.com/office/powerpoint/2010/main" val="2827064991"/>
+      </p:ext>
+    </p:extLst>
+  </p:cSld>
+  <p:clrMapOvr>
+    <a:masterClrMapping/>
+  </p:clrMapOvr>
+</p:notes>
+</file>
+
 <file path=ppt/notesSlides/notesSlide2.xml><?xml version="1.0" encoding="utf-8"?>
 <p:notes xmlns:a="http://schemas.openxmlformats.org/drawingml/2006/main" xmlns:r="http://schemas.openxmlformats.org/officeDocument/2006/relationships" xmlns:p="http://schemas.openxmlformats.org/presentationml/2006/main">
   <p:cSld>
@@ -956,14 +1482,6 @@
 <file path=ppt/notesSlides/notesSlide3.xml><?xml version="1.0" encoding="utf-8"?>
 <p:notes xmlns:a="http://schemas.openxmlformats.org/drawingml/2006/main" xmlns:r="http://schemas.openxmlformats.org/officeDocument/2006/relationships" xmlns:p="http://schemas.openxmlformats.org/presentationml/2006/main">
   <p:cSld>
-    <p:bg>
-      <p:bgPr>
-        <a:solidFill>
-          <a:schemeClr val="bg1"/>
-        </a:solidFill>
-        <a:effectLst/>
-      </p:bgPr>
-    </p:bg>
     <p:spTree>
       <p:nvGrpSpPr>
         <p:cNvPr id="1" name=""/>
@@ -980,56 +1498,7 @@
       </p:grpSpPr>
       <p:sp>
         <p:nvSpPr>
-          <p:cNvPr id="6" name="文本框"/>
-          <p:cNvSpPr>
-            <a:spLocks noGrp="1"/>
-          </p:cNvSpPr>
-          <p:nvPr>
-            <p:ph type="sldNum" idx="5"/>
-          </p:nvPr>
-        </p:nvSpPr>
-        <p:spPr>
-          <a:xfrm>
-            <a:off x="3884613" y="8685213"/>
-            <a:ext cx="2971800" cy="457200"/>
-          </a:xfrm>
-          <a:prstGeom prst="rect">
-            <a:avLst/>
-          </a:prstGeom>
-          <a:noFill/>
-          <a:ln w="9525" cap="flat" cmpd="sng">
-            <a:noFill/>
-            <a:prstDash val="solid"/>
-            <a:round/>
-          </a:ln>
-        </p:spPr>
-        <p:txBody>
-          <a:bodyPr vert="horz" wrap="square" lIns="91440" tIns="45720" rIns="91440" bIns="45720" anchor="b" anchorCtr="0"/>
-          <a:lstStyle/>
-          <a:p>
-            <a:pPr algn="r"/>
-            <a:fld id="{CAD2D6BD-DE1B-4B5F-8B41-2702339687B9}" type="slidenum">
-              <a:rPr lang="en-US" altLang="zh-CN" sz="1800" u="none" strike="noStrike" kern="1200" cap="none" spc="0" baseline="0">
-                <a:solidFill>
-                  <a:schemeClr val="tx1"/>
-                </a:solidFill>
-                <a:latin typeface="Calibri" panose="020F0502020204030204" pitchFamily="34" charset="0"/>
-                <a:ea typeface="宋体" panose="02010600030101010101" pitchFamily="2" charset="-122"/>
-                <a:cs typeface="Calibri" panose="020F0502020204030204" pitchFamily="34" charset="0"/>
-              </a:rPr>
-              <a:t>3</a:t>
-            </a:fld>
-            <a:endParaRPr lang="zh-CN" altLang="en-US" sz="1200">
-              <a:latin typeface="Calibri" panose="020F0502020204030204" pitchFamily="34" charset="0"/>
-              <a:ea typeface="宋体" panose="02010600030101010101" pitchFamily="2" charset="-122"/>
-              <a:cs typeface="Calibri" panose="020F0502020204030204" pitchFamily="34" charset="0"/>
-            </a:endParaRPr>
-          </a:p>
-        </p:txBody>
-      </p:sp>
-      <p:sp>
-        <p:nvSpPr>
-          <p:cNvPr id="95" name="对象"/>
+          <p:cNvPr id="2" name="幻灯片图像占位符 1"/>
           <p:cNvSpPr>
             <a:spLocks noGrp="1" noRot="1" noChangeAspect="1"/>
           </p:cNvSpPr>
@@ -1037,25 +1506,11 @@
             <p:ph type="sldImg"/>
           </p:nvPr>
         </p:nvSpPr>
-        <p:spPr>
-          <a:xfrm>
-            <a:off x="381000" y="685800"/>
-            <a:ext cx="6096000" cy="3429000"/>
-          </a:xfrm>
-          <a:prstGeom prst="rect">
-            <a:avLst/>
-          </a:prstGeom>
-          <a:noFill/>
-          <a:ln w="9525" cap="flat" cmpd="sng">
-            <a:noFill/>
-            <a:prstDash val="solid"/>
-            <a:miter/>
-          </a:ln>
-        </p:spPr>
-      </p:sp>
-      <p:sp>
-        <p:nvSpPr>
-          <p:cNvPr id="96" name="文本框"/>
+        <p:spPr/>
+      </p:sp>
+      <p:sp>
+        <p:nvSpPr>
+          <p:cNvPr id="3" name="备注占位符 2"/>
           <p:cNvSpPr>
             <a:spLocks noGrp="1"/>
           </p:cNvSpPr>
@@ -1063,25 +1518,34 @@
             <p:ph type="body" idx="1"/>
           </p:nvPr>
         </p:nvSpPr>
-        <p:spPr>
-          <a:xfrm>
-            <a:off x="0" y="0"/>
-            <a:ext cx="0" cy="0"/>
-          </a:xfrm>
-          <a:prstGeom prst="rect">
-            <a:avLst/>
-          </a:prstGeom>
-          <a:noFill/>
-          <a:ln w="9525" cap="flat" cmpd="sng">
-            <a:noFill/>
-            <a:prstDash val="solid"/>
-            <a:miter/>
-          </a:ln>
-        </p:spPr>
-        <p:txBody>
-          <a:bodyPr vert="horz" wrap="square" lIns="91440" tIns="45720" rIns="91440" bIns="45720" anchor="t" anchorCtr="0"/>
+        <p:spPr/>
+        <p:txBody>
+          <a:bodyPr/>
           <a:lstStyle/>
           <a:p>
+            <a:endParaRPr lang="zh-CN" altLang="en-US" dirty="0"/>
+          </a:p>
+        </p:txBody>
+      </p:sp>
+      <p:sp>
+        <p:nvSpPr>
+          <p:cNvPr id="4" name="灯片编号占位符 3"/>
+          <p:cNvSpPr>
+            <a:spLocks noGrp="1"/>
+          </p:cNvSpPr>
+          <p:nvPr>
+            <p:ph type="sldNum" sz="quarter" idx="10"/>
+          </p:nvPr>
+        </p:nvSpPr>
+        <p:spPr/>
+        <p:txBody>
+          <a:bodyPr/>
+          <a:lstStyle/>
+          <a:p>
+            <a:fld id="{3849D3E0-124D-4DFF-AE99-4EA4CC201DB4}" type="slidenum">
+              <a:rPr lang="zh-CN" altLang="en-US" smtClean="0"/>
+              <a:t>3</a:t>
+            </a:fld>
             <a:endParaRPr lang="zh-CN" altLang="en-US"/>
           </a:p>
         </p:txBody>
@@ -1089,7 +1553,7 @@
     </p:spTree>
     <p:extLst>
       <p:ext uri="{BB962C8B-B14F-4D97-AF65-F5344CB8AC3E}">
-        <p14:creationId xmlns:p14="http://schemas.microsoft.com/office/powerpoint/2010/main" val="211477132"/>
+        <p14:creationId xmlns:p14="http://schemas.microsoft.com/office/powerpoint/2010/main" val="3901853779"/>
       </p:ext>
     </p:extLst>
   </p:cSld>
@@ -1235,7 +1699,7 @@
     </p:spTree>
     <p:extLst>
       <p:ext uri="{BB962C8B-B14F-4D97-AF65-F5344CB8AC3E}">
-        <p14:creationId xmlns:p14="http://schemas.microsoft.com/office/powerpoint/2010/main" val="1518432171"/>
+        <p14:creationId xmlns:p14="http://schemas.microsoft.com/office/powerpoint/2010/main" val="2315407134"/>
       </p:ext>
     </p:extLst>
   </p:cSld>
@@ -1248,6 +1712,14 @@
 <file path=ppt/notesSlides/notesSlide5.xml><?xml version="1.0" encoding="utf-8"?>
 <p:notes xmlns:a="http://schemas.openxmlformats.org/drawingml/2006/main" xmlns:r="http://schemas.openxmlformats.org/officeDocument/2006/relationships" xmlns:p="http://schemas.openxmlformats.org/presentationml/2006/main">
   <p:cSld>
+    <p:bg>
+      <p:bgPr>
+        <a:solidFill>
+          <a:schemeClr val="bg1"/>
+        </a:solidFill>
+        <a:effectLst/>
+      </p:bgPr>
+    </p:bg>
     <p:spTree>
       <p:nvGrpSpPr>
         <p:cNvPr id="1" name=""/>
@@ -1264,7 +1736,56 @@
       </p:grpSpPr>
       <p:sp>
         <p:nvSpPr>
-          <p:cNvPr id="2" name="幻灯片图像占位符 1"/>
+          <p:cNvPr id="6" name="文本框"/>
+          <p:cNvSpPr>
+            <a:spLocks noGrp="1"/>
+          </p:cNvSpPr>
+          <p:nvPr>
+            <p:ph type="sldNum" idx="5"/>
+          </p:nvPr>
+        </p:nvSpPr>
+        <p:spPr>
+          <a:xfrm>
+            <a:off x="3884613" y="8685213"/>
+            <a:ext cx="2971800" cy="457200"/>
+          </a:xfrm>
+          <a:prstGeom prst="rect">
+            <a:avLst/>
+          </a:prstGeom>
+          <a:noFill/>
+          <a:ln w="9525" cap="flat" cmpd="sng">
+            <a:noFill/>
+            <a:prstDash val="solid"/>
+            <a:round/>
+          </a:ln>
+        </p:spPr>
+        <p:txBody>
+          <a:bodyPr vert="horz" wrap="square" lIns="91440" tIns="45720" rIns="91440" bIns="45720" anchor="b" anchorCtr="0"/>
+          <a:lstStyle/>
+          <a:p>
+            <a:pPr algn="r"/>
+            <a:fld id="{CAD2D6BD-DE1B-4B5F-8B41-2702339687B9}" type="slidenum">
+              <a:rPr lang="en-US" altLang="zh-CN" sz="1800" u="none" strike="noStrike" kern="1200" cap="none" spc="0" baseline="0">
+                <a:solidFill>
+                  <a:schemeClr val="tx1"/>
+                </a:solidFill>
+                <a:latin typeface="Calibri" panose="020F0502020204030204" pitchFamily="34" charset="0"/>
+                <a:ea typeface="宋体" panose="02010600030101010101" pitchFamily="2" charset="-122"/>
+                <a:cs typeface="Calibri" panose="020F0502020204030204" pitchFamily="34" charset="0"/>
+              </a:rPr>
+              <a:t>5</a:t>
+            </a:fld>
+            <a:endParaRPr lang="zh-CN" altLang="en-US" sz="1200">
+              <a:latin typeface="Calibri" panose="020F0502020204030204" pitchFamily="34" charset="0"/>
+              <a:ea typeface="宋体" panose="02010600030101010101" pitchFamily="2" charset="-122"/>
+              <a:cs typeface="Calibri" panose="020F0502020204030204" pitchFamily="34" charset="0"/>
+            </a:endParaRPr>
+          </a:p>
+        </p:txBody>
+      </p:sp>
+      <p:sp>
+        <p:nvSpPr>
+          <p:cNvPr id="95" name="对象"/>
           <p:cNvSpPr>
             <a:spLocks noGrp="1" noRot="1" noChangeAspect="1"/>
           </p:cNvSpPr>
@@ -1272,11 +1793,25 @@
             <p:ph type="sldImg"/>
           </p:nvPr>
         </p:nvSpPr>
-        <p:spPr/>
-      </p:sp>
-      <p:sp>
-        <p:nvSpPr>
-          <p:cNvPr id="3" name="备注占位符 2"/>
+        <p:spPr>
+          <a:xfrm>
+            <a:off x="381000" y="685800"/>
+            <a:ext cx="6096000" cy="3429000"/>
+          </a:xfrm>
+          <a:prstGeom prst="rect">
+            <a:avLst/>
+          </a:prstGeom>
+          <a:noFill/>
+          <a:ln w="9525" cap="flat" cmpd="sng">
+            <a:noFill/>
+            <a:prstDash val="solid"/>
+            <a:miter/>
+          </a:ln>
+        </p:spPr>
+      </p:sp>
+      <p:sp>
+        <p:nvSpPr>
+          <p:cNvPr id="96" name="文本框"/>
           <p:cNvSpPr>
             <a:spLocks noGrp="1"/>
           </p:cNvSpPr>
@@ -1284,34 +1819,25 @@
             <p:ph type="body" idx="1"/>
           </p:nvPr>
         </p:nvSpPr>
-        <p:spPr/>
-        <p:txBody>
-          <a:bodyPr/>
+        <p:spPr>
+          <a:xfrm>
+            <a:off x="0" y="0"/>
+            <a:ext cx="0" cy="0"/>
+          </a:xfrm>
+          <a:prstGeom prst="rect">
+            <a:avLst/>
+          </a:prstGeom>
+          <a:noFill/>
+          <a:ln w="9525" cap="flat" cmpd="sng">
+            <a:noFill/>
+            <a:prstDash val="solid"/>
+            <a:miter/>
+          </a:ln>
+        </p:spPr>
+        <p:txBody>
+          <a:bodyPr vert="horz" wrap="square" lIns="91440" tIns="45720" rIns="91440" bIns="45720" anchor="t" anchorCtr="0"/>
           <a:lstStyle/>
           <a:p>
-            <a:endParaRPr lang="zh-CN" altLang="en-US" dirty="0"/>
-          </a:p>
-        </p:txBody>
-      </p:sp>
-      <p:sp>
-        <p:nvSpPr>
-          <p:cNvPr id="4" name="灯片编号占位符 3"/>
-          <p:cNvSpPr>
-            <a:spLocks noGrp="1"/>
-          </p:cNvSpPr>
-          <p:nvPr>
-            <p:ph type="sldNum" sz="quarter" idx="10"/>
-          </p:nvPr>
-        </p:nvSpPr>
-        <p:spPr/>
-        <p:txBody>
-          <a:bodyPr/>
-          <a:lstStyle/>
-          <a:p>
-            <a:fld id="{3849D3E0-124D-4DFF-AE99-4EA4CC201DB4}" type="slidenum">
-              <a:rPr lang="zh-CN" altLang="en-US" smtClean="0"/>
-              <a:t>5</a:t>
-            </a:fld>
             <a:endParaRPr lang="zh-CN" altLang="en-US"/>
           </a:p>
         </p:txBody>
@@ -1319,7 +1845,7 @@
     </p:spTree>
     <p:extLst>
       <p:ext uri="{BB962C8B-B14F-4D97-AF65-F5344CB8AC3E}">
-        <p14:creationId xmlns:p14="http://schemas.microsoft.com/office/powerpoint/2010/main" val="113501793"/>
+        <p14:creationId xmlns:p14="http://schemas.microsoft.com/office/powerpoint/2010/main" val="1949340000"/>
       </p:ext>
     </p:extLst>
   </p:cSld>
@@ -1465,7 +1991,7 @@
     </p:spTree>
     <p:extLst>
       <p:ext uri="{BB962C8B-B14F-4D97-AF65-F5344CB8AC3E}">
-        <p14:creationId xmlns:p14="http://schemas.microsoft.com/office/powerpoint/2010/main" val="759283200"/>
+        <p14:creationId xmlns:p14="http://schemas.microsoft.com/office/powerpoint/2010/main" val="237642982"/>
       </p:ext>
     </p:extLst>
   </p:cSld>
@@ -1478,6 +2004,14 @@
 <file path=ppt/notesSlides/notesSlide7.xml><?xml version="1.0" encoding="utf-8"?>
 <p:notes xmlns:a="http://schemas.openxmlformats.org/drawingml/2006/main" xmlns:r="http://schemas.openxmlformats.org/officeDocument/2006/relationships" xmlns:p="http://schemas.openxmlformats.org/presentationml/2006/main">
   <p:cSld>
+    <p:bg>
+      <p:bgPr>
+        <a:solidFill>
+          <a:schemeClr val="bg1"/>
+        </a:solidFill>
+        <a:effectLst/>
+      </p:bgPr>
+    </p:bg>
     <p:spTree>
       <p:nvGrpSpPr>
         <p:cNvPr id="1" name=""/>
@@ -1494,7 +2028,56 @@
       </p:grpSpPr>
       <p:sp>
         <p:nvSpPr>
-          <p:cNvPr id="2" name="幻灯片图像占位符 1"/>
+          <p:cNvPr id="6" name="文本框"/>
+          <p:cNvSpPr>
+            <a:spLocks noGrp="1"/>
+          </p:cNvSpPr>
+          <p:nvPr>
+            <p:ph type="sldNum" idx="5"/>
+          </p:nvPr>
+        </p:nvSpPr>
+        <p:spPr>
+          <a:xfrm>
+            <a:off x="3884613" y="8685213"/>
+            <a:ext cx="2971800" cy="457200"/>
+          </a:xfrm>
+          <a:prstGeom prst="rect">
+            <a:avLst/>
+          </a:prstGeom>
+          <a:noFill/>
+          <a:ln w="9525" cap="flat" cmpd="sng">
+            <a:noFill/>
+            <a:prstDash val="solid"/>
+            <a:round/>
+          </a:ln>
+        </p:spPr>
+        <p:txBody>
+          <a:bodyPr vert="horz" wrap="square" lIns="91440" tIns="45720" rIns="91440" bIns="45720" anchor="b" anchorCtr="0"/>
+          <a:lstStyle/>
+          <a:p>
+            <a:pPr algn="r"/>
+            <a:fld id="{CAD2D6BD-DE1B-4B5F-8B41-2702339687B9}" type="slidenum">
+              <a:rPr lang="en-US" altLang="zh-CN" sz="1800" u="none" strike="noStrike" kern="1200" cap="none" spc="0" baseline="0">
+                <a:solidFill>
+                  <a:schemeClr val="tx1"/>
+                </a:solidFill>
+                <a:latin typeface="Calibri" panose="020F0502020204030204" pitchFamily="34" charset="0"/>
+                <a:ea typeface="宋体" panose="02010600030101010101" pitchFamily="2" charset="-122"/>
+                <a:cs typeface="Calibri" panose="020F0502020204030204" pitchFamily="34" charset="0"/>
+              </a:rPr>
+              <a:t>7</a:t>
+            </a:fld>
+            <a:endParaRPr lang="zh-CN" altLang="en-US" sz="1200">
+              <a:latin typeface="Calibri" panose="020F0502020204030204" pitchFamily="34" charset="0"/>
+              <a:ea typeface="宋体" panose="02010600030101010101" pitchFamily="2" charset="-122"/>
+              <a:cs typeface="Calibri" panose="020F0502020204030204" pitchFamily="34" charset="0"/>
+            </a:endParaRPr>
+          </a:p>
+        </p:txBody>
+      </p:sp>
+      <p:sp>
+        <p:nvSpPr>
+          <p:cNvPr id="95" name="对象"/>
           <p:cNvSpPr>
             <a:spLocks noGrp="1" noRot="1" noChangeAspect="1"/>
           </p:cNvSpPr>
@@ -1502,11 +2085,25 @@
             <p:ph type="sldImg"/>
           </p:nvPr>
         </p:nvSpPr>
-        <p:spPr/>
-      </p:sp>
-      <p:sp>
-        <p:nvSpPr>
-          <p:cNvPr id="3" name="备注占位符 2"/>
+        <p:spPr>
+          <a:xfrm>
+            <a:off x="381000" y="685800"/>
+            <a:ext cx="6096000" cy="3429000"/>
+          </a:xfrm>
+          <a:prstGeom prst="rect">
+            <a:avLst/>
+          </a:prstGeom>
+          <a:noFill/>
+          <a:ln w="9525" cap="flat" cmpd="sng">
+            <a:noFill/>
+            <a:prstDash val="solid"/>
+            <a:miter/>
+          </a:ln>
+        </p:spPr>
+      </p:sp>
+      <p:sp>
+        <p:nvSpPr>
+          <p:cNvPr id="96" name="文本框"/>
           <p:cNvSpPr>
             <a:spLocks noGrp="1"/>
           </p:cNvSpPr>
@@ -1514,34 +2111,25 @@
             <p:ph type="body" idx="1"/>
           </p:nvPr>
         </p:nvSpPr>
-        <p:spPr/>
-        <p:txBody>
-          <a:bodyPr/>
+        <p:spPr>
+          <a:xfrm>
+            <a:off x="0" y="0"/>
+            <a:ext cx="0" cy="0"/>
+          </a:xfrm>
+          <a:prstGeom prst="rect">
+            <a:avLst/>
+          </a:prstGeom>
+          <a:noFill/>
+          <a:ln w="9525" cap="flat" cmpd="sng">
+            <a:noFill/>
+            <a:prstDash val="solid"/>
+            <a:miter/>
+          </a:ln>
+        </p:spPr>
+        <p:txBody>
+          <a:bodyPr vert="horz" wrap="square" lIns="91440" tIns="45720" rIns="91440" bIns="45720" anchor="t" anchorCtr="0"/>
           <a:lstStyle/>
           <a:p>
-            <a:endParaRPr lang="zh-CN" altLang="en-US" dirty="0"/>
-          </a:p>
-        </p:txBody>
-      </p:sp>
-      <p:sp>
-        <p:nvSpPr>
-          <p:cNvPr id="4" name="灯片编号占位符 3"/>
-          <p:cNvSpPr>
-            <a:spLocks noGrp="1"/>
-          </p:cNvSpPr>
-          <p:nvPr>
-            <p:ph type="sldNum" sz="quarter" idx="10"/>
-          </p:nvPr>
-        </p:nvSpPr>
-        <p:spPr/>
-        <p:txBody>
-          <a:bodyPr/>
-          <a:lstStyle/>
-          <a:p>
-            <a:fld id="{3849D3E0-124D-4DFF-AE99-4EA4CC201DB4}" type="slidenum">
-              <a:rPr lang="zh-CN" altLang="en-US" smtClean="0"/>
-              <a:t>7</a:t>
-            </a:fld>
             <a:endParaRPr lang="zh-CN" altLang="en-US"/>
           </a:p>
         </p:txBody>
@@ -1549,7 +2137,7 @@
     </p:spTree>
     <p:extLst>
       <p:ext uri="{BB962C8B-B14F-4D97-AF65-F5344CB8AC3E}">
-        <p14:creationId xmlns:p14="http://schemas.microsoft.com/office/powerpoint/2010/main" val="3202269408"/>
+        <p14:creationId xmlns:p14="http://schemas.microsoft.com/office/powerpoint/2010/main" val="102072739"/>
       </p:ext>
     </p:extLst>
   </p:cSld>
@@ -1695,7 +2283,7 @@
     </p:spTree>
     <p:extLst>
       <p:ext uri="{BB962C8B-B14F-4D97-AF65-F5344CB8AC3E}">
-        <p14:creationId xmlns:p14="http://schemas.microsoft.com/office/powerpoint/2010/main" val="2059750309"/>
+        <p14:creationId xmlns:p14="http://schemas.microsoft.com/office/powerpoint/2010/main" val="791955237"/>
       </p:ext>
     </p:extLst>
   </p:cSld>
@@ -1708,14 +2296,6 @@
 <file path=ppt/notesSlides/notesSlide9.xml><?xml version="1.0" encoding="utf-8"?>
 <p:notes xmlns:a="http://schemas.openxmlformats.org/drawingml/2006/main" xmlns:r="http://schemas.openxmlformats.org/officeDocument/2006/relationships" xmlns:p="http://schemas.openxmlformats.org/presentationml/2006/main">
   <p:cSld>
-    <p:bg>
-      <p:bgPr>
-        <a:solidFill>
-          <a:schemeClr val="bg1"/>
-        </a:solidFill>
-        <a:effectLst/>
-      </p:bgPr>
-    </p:bg>
     <p:spTree>
       <p:nvGrpSpPr>
         <p:cNvPr id="1" name=""/>
@@ -1732,56 +2312,7 @@
       </p:grpSpPr>
       <p:sp>
         <p:nvSpPr>
-          <p:cNvPr id="6" name="文本框"/>
-          <p:cNvSpPr>
-            <a:spLocks noGrp="1"/>
-          </p:cNvSpPr>
-          <p:nvPr>
-            <p:ph type="sldNum" idx="5"/>
-          </p:nvPr>
-        </p:nvSpPr>
-        <p:spPr>
-          <a:xfrm>
-            <a:off x="3884613" y="8685213"/>
-            <a:ext cx="2971800" cy="457200"/>
-          </a:xfrm>
-          <a:prstGeom prst="rect">
-            <a:avLst/>
-          </a:prstGeom>
-          <a:noFill/>
-          <a:ln w="9525" cap="flat" cmpd="sng">
-            <a:noFill/>
-            <a:prstDash val="solid"/>
-            <a:round/>
-          </a:ln>
-        </p:spPr>
-        <p:txBody>
-          <a:bodyPr vert="horz" wrap="square" lIns="91440" tIns="45720" rIns="91440" bIns="45720" anchor="b" anchorCtr="0"/>
-          <a:lstStyle/>
-          <a:p>
-            <a:pPr algn="r"/>
-            <a:fld id="{CAD2D6BD-DE1B-4B5F-8B41-2702339687B9}" type="slidenum">
-              <a:rPr lang="en-US" altLang="zh-CN" sz="1800" u="none" strike="noStrike" kern="1200" cap="none" spc="0" baseline="0">
-                <a:solidFill>
-                  <a:schemeClr val="tx1"/>
-                </a:solidFill>
-                <a:latin typeface="Calibri" panose="020F0502020204030204" pitchFamily="34" charset="0"/>
-                <a:ea typeface="宋体" panose="02010600030101010101" pitchFamily="2" charset="-122"/>
-                <a:cs typeface="Calibri" panose="020F0502020204030204" pitchFamily="34" charset="0"/>
-              </a:rPr>
-              <a:t>9</a:t>
-            </a:fld>
-            <a:endParaRPr lang="zh-CN" altLang="en-US" sz="1200">
-              <a:latin typeface="Calibri" panose="020F0502020204030204" pitchFamily="34" charset="0"/>
-              <a:ea typeface="宋体" panose="02010600030101010101" pitchFamily="2" charset="-122"/>
-              <a:cs typeface="Calibri" panose="020F0502020204030204" pitchFamily="34" charset="0"/>
-            </a:endParaRPr>
-          </a:p>
-        </p:txBody>
-      </p:sp>
-      <p:sp>
-        <p:nvSpPr>
-          <p:cNvPr id="95" name="对象"/>
+          <p:cNvPr id="2" name="幻灯片图像占位符 1"/>
           <p:cNvSpPr>
             <a:spLocks noGrp="1" noRot="1" noChangeAspect="1"/>
           </p:cNvSpPr>
@@ -1789,25 +2320,11 @@
             <p:ph type="sldImg"/>
           </p:nvPr>
         </p:nvSpPr>
-        <p:spPr>
-          <a:xfrm>
-            <a:off x="381000" y="685800"/>
-            <a:ext cx="6096000" cy="3429000"/>
-          </a:xfrm>
-          <a:prstGeom prst="rect">
-            <a:avLst/>
-          </a:prstGeom>
-          <a:noFill/>
-          <a:ln w="9525" cap="flat" cmpd="sng">
-            <a:noFill/>
-            <a:prstDash val="solid"/>
-            <a:miter/>
-          </a:ln>
-        </p:spPr>
-      </p:sp>
-      <p:sp>
-        <p:nvSpPr>
-          <p:cNvPr id="96" name="文本框"/>
+        <p:spPr/>
+      </p:sp>
+      <p:sp>
+        <p:nvSpPr>
+          <p:cNvPr id="3" name="备注占位符 2"/>
           <p:cNvSpPr>
             <a:spLocks noGrp="1"/>
           </p:cNvSpPr>
@@ -1815,25 +2332,34 @@
             <p:ph type="body" idx="1"/>
           </p:nvPr>
         </p:nvSpPr>
-        <p:spPr>
-          <a:xfrm>
-            <a:off x="0" y="0"/>
-            <a:ext cx="0" cy="0"/>
-          </a:xfrm>
-          <a:prstGeom prst="rect">
-            <a:avLst/>
-          </a:prstGeom>
-          <a:noFill/>
-          <a:ln w="9525" cap="flat" cmpd="sng">
-            <a:noFill/>
-            <a:prstDash val="solid"/>
-            <a:miter/>
-          </a:ln>
-        </p:spPr>
-        <p:txBody>
-          <a:bodyPr vert="horz" wrap="square" lIns="91440" tIns="45720" rIns="91440" bIns="45720" anchor="t" anchorCtr="0"/>
+        <p:spPr/>
+        <p:txBody>
+          <a:bodyPr/>
           <a:lstStyle/>
           <a:p>
+            <a:endParaRPr lang="zh-CN" altLang="en-US" dirty="0"/>
+          </a:p>
+        </p:txBody>
+      </p:sp>
+      <p:sp>
+        <p:nvSpPr>
+          <p:cNvPr id="4" name="灯片编号占位符 3"/>
+          <p:cNvSpPr>
+            <a:spLocks noGrp="1"/>
+          </p:cNvSpPr>
+          <p:nvPr>
+            <p:ph type="sldNum" sz="quarter" idx="10"/>
+          </p:nvPr>
+        </p:nvSpPr>
+        <p:spPr/>
+        <p:txBody>
+          <a:bodyPr/>
+          <a:lstStyle/>
+          <a:p>
+            <a:fld id="{3849D3E0-124D-4DFF-AE99-4EA4CC201DB4}" type="slidenum">
+              <a:rPr lang="zh-CN" altLang="en-US" smtClean="0"/>
+              <a:t>9</a:t>
+            </a:fld>
             <a:endParaRPr lang="zh-CN" altLang="en-US"/>
           </a:p>
         </p:txBody>
@@ -1841,7 +2367,7 @@
     </p:spTree>
     <p:extLst>
       <p:ext uri="{BB962C8B-B14F-4D97-AF65-F5344CB8AC3E}">
-        <p14:creationId xmlns:p14="http://schemas.microsoft.com/office/powerpoint/2010/main" val="169840590"/>
+        <p14:creationId xmlns:p14="http://schemas.microsoft.com/office/powerpoint/2010/main" val="113501793"/>
       </p:ext>
     </p:extLst>
   </p:cSld>
@@ -1976,7 +2502,7 @@
           <a:p>
             <a:fld id="{72514870-5082-4025-BC8A-5E070B8EB77D}" type="datetimeFigureOut">
               <a:rPr lang="zh-CN" altLang="en-US" smtClean="0"/>
-              <a:t>25</a:t>
+              <a:t>29</a:t>
             </a:fld>
             <a:endParaRPr lang="zh-CN" altLang="en-US"/>
           </a:p>
@@ -2139,7 +2665,7 @@
           <a:p>
             <a:fld id="{72514870-5082-4025-BC8A-5E070B8EB77D}" type="datetimeFigureOut">
               <a:rPr lang="zh-CN" altLang="en-US" smtClean="0"/>
-              <a:t>25</a:t>
+              <a:t>29</a:t>
             </a:fld>
             <a:endParaRPr lang="zh-CN" altLang="en-US"/>
           </a:p>
@@ -2312,7 +2838,7 @@
           <a:p>
             <a:fld id="{72514870-5082-4025-BC8A-5E070B8EB77D}" type="datetimeFigureOut">
               <a:rPr lang="zh-CN" altLang="en-US" smtClean="0"/>
-              <a:t>25</a:t>
+              <a:t>29</a:t>
             </a:fld>
             <a:endParaRPr lang="zh-CN" altLang="en-US"/>
           </a:p>
@@ -2493,7 +3019,7 @@
           <a:p>
             <a:fld id="{72514870-5082-4025-BC8A-5E070B8EB77D}" type="datetimeFigureOut">
               <a:rPr lang="zh-CN" altLang="en-US" smtClean="0"/>
-              <a:t>25</a:t>
+              <a:t>29</a:t>
             </a:fld>
             <a:endParaRPr lang="zh-CN" altLang="en-US"/>
           </a:p>
@@ -2656,7 +3182,7 @@
           <a:p>
             <a:fld id="{72514870-5082-4025-BC8A-5E070B8EB77D}" type="datetimeFigureOut">
               <a:rPr lang="zh-CN" altLang="en-US" smtClean="0"/>
-              <a:t>25</a:t>
+              <a:t>29</a:t>
             </a:fld>
             <a:endParaRPr lang="zh-CN" altLang="en-US"/>
           </a:p>
@@ -2842,7 +3368,7 @@
           <a:p>
             <a:fld id="{72514870-5082-4025-BC8A-5E070B8EB77D}" type="datetimeFigureOut">
               <a:rPr lang="zh-CN" altLang="en-US" smtClean="0"/>
-              <a:t>25</a:t>
+              <a:t>29</a:t>
             </a:fld>
             <a:endParaRPr lang="zh-CN" altLang="en-US"/>
           </a:p>
@@ -3122,7 +3648,7 @@
           <a:p>
             <a:fld id="{72514870-5082-4025-BC8A-5E070B8EB77D}" type="datetimeFigureOut">
               <a:rPr lang="zh-CN" altLang="en-US" smtClean="0"/>
-              <a:t>25</a:t>
+              <a:t>29</a:t>
             </a:fld>
             <a:endParaRPr lang="zh-CN" altLang="en-US"/>
           </a:p>
@@ -3536,7 +4062,7 @@
           <a:p>
             <a:fld id="{72514870-5082-4025-BC8A-5E070B8EB77D}" type="datetimeFigureOut">
               <a:rPr lang="zh-CN" altLang="en-US" smtClean="0"/>
-              <a:t>25</a:t>
+              <a:t>29</a:t>
             </a:fld>
             <a:endParaRPr lang="zh-CN" altLang="en-US"/>
           </a:p>
@@ -3648,7 +4174,7 @@
           <a:p>
             <a:fld id="{72514870-5082-4025-BC8A-5E070B8EB77D}" type="datetimeFigureOut">
               <a:rPr lang="zh-CN" altLang="en-US" smtClean="0"/>
-              <a:t>25</a:t>
+              <a:t>29</a:t>
             </a:fld>
             <a:endParaRPr lang="zh-CN" altLang="en-US"/>
           </a:p>
@@ -3738,7 +4264,7 @@
           <a:p>
             <a:fld id="{72514870-5082-4025-BC8A-5E070B8EB77D}" type="datetimeFigureOut">
               <a:rPr lang="zh-CN" altLang="en-US" smtClean="0"/>
-              <a:t>25</a:t>
+              <a:t>29</a:t>
             </a:fld>
             <a:endParaRPr lang="zh-CN" altLang="en-US"/>
           </a:p>
@@ -4008,7 +4534,7 @@
           <a:p>
             <a:fld id="{72514870-5082-4025-BC8A-5E070B8EB77D}" type="datetimeFigureOut">
               <a:rPr lang="zh-CN" altLang="en-US" smtClean="0"/>
-              <a:t>25</a:t>
+              <a:t>29</a:t>
             </a:fld>
             <a:endParaRPr lang="zh-CN" altLang="en-US"/>
           </a:p>
@@ -4171,7 +4697,7 @@
           <a:p>
             <a:fld id="{72514870-5082-4025-BC8A-5E070B8EB77D}" type="datetimeFigureOut">
               <a:rPr lang="zh-CN" altLang="en-US" smtClean="0"/>
-              <a:t>25</a:t>
+              <a:t>29</a:t>
             </a:fld>
             <a:endParaRPr lang="zh-CN" altLang="en-US"/>
           </a:p>
@@ -4418,7 +4944,7 @@
           <a:p>
             <a:fld id="{72514870-5082-4025-BC8A-5E070B8EB77D}" type="datetimeFigureOut">
               <a:rPr lang="zh-CN" altLang="en-US" smtClean="0"/>
-              <a:t>25</a:t>
+              <a:t>29</a:t>
             </a:fld>
             <a:endParaRPr lang="zh-CN" altLang="en-US"/>
           </a:p>
@@ -4581,7 +5107,7 @@
           <a:p>
             <a:fld id="{72514870-5082-4025-BC8A-5E070B8EB77D}" type="datetimeFigureOut">
               <a:rPr lang="zh-CN" altLang="en-US" smtClean="0"/>
-              <a:t>25</a:t>
+              <a:t>29</a:t>
             </a:fld>
             <a:endParaRPr lang="zh-CN" altLang="en-US"/>
           </a:p>
@@ -4754,7 +5280,7 @@
           <a:p>
             <a:fld id="{72514870-5082-4025-BC8A-5E070B8EB77D}" type="datetimeFigureOut">
               <a:rPr lang="zh-CN" altLang="en-US" smtClean="0"/>
-              <a:t>25</a:t>
+              <a:t>29</a:t>
             </a:fld>
             <a:endParaRPr lang="zh-CN" altLang="en-US"/>
           </a:p>
@@ -4935,7 +5461,7 @@
           <a:p>
             <a:fld id="{72514870-5082-4025-BC8A-5E070B8EB77D}" type="datetimeFigureOut">
               <a:rPr lang="zh-CN" altLang="en-US" smtClean="0"/>
-              <a:t>25</a:t>
+              <a:t>29</a:t>
             </a:fld>
             <a:endParaRPr lang="zh-CN" altLang="en-US"/>
           </a:p>
@@ -5098,7 +5624,7 @@
           <a:p>
             <a:fld id="{72514870-5082-4025-BC8A-5E070B8EB77D}" type="datetimeFigureOut">
               <a:rPr lang="zh-CN" altLang="en-US" smtClean="0"/>
-              <a:t>25</a:t>
+              <a:t>29</a:t>
             </a:fld>
             <a:endParaRPr lang="zh-CN" altLang="en-US"/>
           </a:p>
@@ -5284,7 +5810,7 @@
           <a:p>
             <a:fld id="{72514870-5082-4025-BC8A-5E070B8EB77D}" type="datetimeFigureOut">
               <a:rPr lang="zh-CN" altLang="en-US" smtClean="0"/>
-              <a:t>25</a:t>
+              <a:t>29</a:t>
             </a:fld>
             <a:endParaRPr lang="zh-CN" altLang="en-US"/>
           </a:p>
@@ -5564,7 +6090,7 @@
           <a:p>
             <a:fld id="{72514870-5082-4025-BC8A-5E070B8EB77D}" type="datetimeFigureOut">
               <a:rPr lang="zh-CN" altLang="en-US" smtClean="0"/>
-              <a:t>25</a:t>
+              <a:t>29</a:t>
             </a:fld>
             <a:endParaRPr lang="zh-CN" altLang="en-US"/>
           </a:p>
@@ -5978,7 +6504,7 @@
           <a:p>
             <a:fld id="{72514870-5082-4025-BC8A-5E070B8EB77D}" type="datetimeFigureOut">
               <a:rPr lang="zh-CN" altLang="en-US" smtClean="0"/>
-              <a:t>25</a:t>
+              <a:t>29</a:t>
             </a:fld>
             <a:endParaRPr lang="zh-CN" altLang="en-US"/>
           </a:p>
@@ -6090,7 +6616,7 @@
           <a:p>
             <a:fld id="{72514870-5082-4025-BC8A-5E070B8EB77D}" type="datetimeFigureOut">
               <a:rPr lang="zh-CN" altLang="en-US" smtClean="0"/>
-              <a:t>25</a:t>
+              <a:t>29</a:t>
             </a:fld>
             <a:endParaRPr lang="zh-CN" altLang="en-US"/>
           </a:p>
@@ -6180,7 +6706,7 @@
           <a:p>
             <a:fld id="{72514870-5082-4025-BC8A-5E070B8EB77D}" type="datetimeFigureOut">
               <a:rPr lang="zh-CN" altLang="en-US" smtClean="0"/>
-              <a:t>25</a:t>
+              <a:t>29</a:t>
             </a:fld>
             <a:endParaRPr lang="zh-CN" altLang="en-US"/>
           </a:p>
@@ -6366,7 +6892,7 @@
           <a:p>
             <a:fld id="{72514870-5082-4025-BC8A-5E070B8EB77D}" type="datetimeFigureOut">
               <a:rPr lang="zh-CN" altLang="en-US" smtClean="0"/>
-              <a:t>25</a:t>
+              <a:t>29</a:t>
             </a:fld>
             <a:endParaRPr lang="zh-CN" altLang="en-US"/>
           </a:p>
@@ -6636,7 +7162,7 @@
           <a:p>
             <a:fld id="{72514870-5082-4025-BC8A-5E070B8EB77D}" type="datetimeFigureOut">
               <a:rPr lang="zh-CN" altLang="en-US" smtClean="0"/>
-              <a:t>25</a:t>
+              <a:t>29</a:t>
             </a:fld>
             <a:endParaRPr lang="zh-CN" altLang="en-US"/>
           </a:p>
@@ -6883,7 +7409,7 @@
           <a:p>
             <a:fld id="{72514870-5082-4025-BC8A-5E070B8EB77D}" type="datetimeFigureOut">
               <a:rPr lang="zh-CN" altLang="en-US" smtClean="0"/>
-              <a:t>25</a:t>
+              <a:t>29</a:t>
             </a:fld>
             <a:endParaRPr lang="zh-CN" altLang="en-US"/>
           </a:p>
@@ -7046,7 +7572,7 @@
           <a:p>
             <a:fld id="{72514870-5082-4025-BC8A-5E070B8EB77D}" type="datetimeFigureOut">
               <a:rPr lang="zh-CN" altLang="en-US" smtClean="0"/>
-              <a:t>25</a:t>
+              <a:t>29</a:t>
             </a:fld>
             <a:endParaRPr lang="zh-CN" altLang="en-US"/>
           </a:p>
@@ -7219,7 +7745,7 @@
           <a:p>
             <a:fld id="{72514870-5082-4025-BC8A-5E070B8EB77D}" type="datetimeFigureOut">
               <a:rPr lang="zh-CN" altLang="en-US" smtClean="0"/>
-              <a:t>25</a:t>
+              <a:t>29</a:t>
             </a:fld>
             <a:endParaRPr lang="zh-CN" altLang="en-US"/>
           </a:p>
@@ -7400,7 +7926,7 @@
           <a:p>
             <a:fld id="{72514870-5082-4025-BC8A-5E070B8EB77D}" type="datetimeFigureOut">
               <a:rPr lang="zh-CN" altLang="en-US" smtClean="0"/>
-              <a:t>25</a:t>
+              <a:t>29</a:t>
             </a:fld>
             <a:endParaRPr lang="zh-CN" altLang="en-US"/>
           </a:p>
@@ -7563,7 +8089,7 @@
           <a:p>
             <a:fld id="{72514870-5082-4025-BC8A-5E070B8EB77D}" type="datetimeFigureOut">
               <a:rPr lang="zh-CN" altLang="en-US" smtClean="0"/>
-              <a:t>25</a:t>
+              <a:t>29</a:t>
             </a:fld>
             <a:endParaRPr lang="zh-CN" altLang="en-US"/>
           </a:p>
@@ -7749,7 +8275,7 @@
           <a:p>
             <a:fld id="{72514870-5082-4025-BC8A-5E070B8EB77D}" type="datetimeFigureOut">
               <a:rPr lang="zh-CN" altLang="en-US" smtClean="0"/>
-              <a:t>25</a:t>
+              <a:t>29</a:t>
             </a:fld>
             <a:endParaRPr lang="zh-CN" altLang="en-US"/>
           </a:p>
@@ -8029,7 +8555,7 @@
           <a:p>
             <a:fld id="{72514870-5082-4025-BC8A-5E070B8EB77D}" type="datetimeFigureOut">
               <a:rPr lang="zh-CN" altLang="en-US" smtClean="0"/>
-              <a:t>25</a:t>
+              <a:t>29</a:t>
             </a:fld>
             <a:endParaRPr lang="zh-CN" altLang="en-US"/>
           </a:p>
@@ -8443,7 +8969,7 @@
           <a:p>
             <a:fld id="{72514870-5082-4025-BC8A-5E070B8EB77D}" type="datetimeFigureOut">
               <a:rPr lang="zh-CN" altLang="en-US" smtClean="0"/>
-              <a:t>25</a:t>
+              <a:t>29</a:t>
             </a:fld>
             <a:endParaRPr lang="zh-CN" altLang="en-US"/>
           </a:p>
@@ -8555,7 +9081,7 @@
           <a:p>
             <a:fld id="{72514870-5082-4025-BC8A-5E070B8EB77D}" type="datetimeFigureOut">
               <a:rPr lang="zh-CN" altLang="en-US" smtClean="0"/>
-              <a:t>25</a:t>
+              <a:t>29</a:t>
             </a:fld>
             <a:endParaRPr lang="zh-CN" altLang="en-US"/>
           </a:p>
@@ -8835,7 +9361,7 @@
           <a:p>
             <a:fld id="{72514870-5082-4025-BC8A-5E070B8EB77D}" type="datetimeFigureOut">
               <a:rPr lang="zh-CN" altLang="en-US" smtClean="0"/>
-              <a:t>25</a:t>
+              <a:t>29</a:t>
             </a:fld>
             <a:endParaRPr lang="zh-CN" altLang="en-US"/>
           </a:p>
@@ -8925,7 +9451,7 @@
           <a:p>
             <a:fld id="{72514870-5082-4025-BC8A-5E070B8EB77D}" type="datetimeFigureOut">
               <a:rPr lang="zh-CN" altLang="en-US" smtClean="0"/>
-              <a:t>25</a:t>
+              <a:t>29</a:t>
             </a:fld>
             <a:endParaRPr lang="zh-CN" altLang="en-US"/>
           </a:p>
@@ -9195,7 +9721,7 @@
           <a:p>
             <a:fld id="{72514870-5082-4025-BC8A-5E070B8EB77D}" type="datetimeFigureOut">
               <a:rPr lang="zh-CN" altLang="en-US" smtClean="0"/>
-              <a:t>25</a:t>
+              <a:t>29</a:t>
             </a:fld>
             <a:endParaRPr lang="zh-CN" altLang="en-US"/>
           </a:p>
@@ -9442,7 +9968,7 @@
           <a:p>
             <a:fld id="{72514870-5082-4025-BC8A-5E070B8EB77D}" type="datetimeFigureOut">
               <a:rPr lang="zh-CN" altLang="en-US" smtClean="0"/>
-              <a:t>25</a:t>
+              <a:t>29</a:t>
             </a:fld>
             <a:endParaRPr lang="zh-CN" altLang="en-US"/>
           </a:p>
@@ -9605,7 +10131,7 @@
           <a:p>
             <a:fld id="{72514870-5082-4025-BC8A-5E070B8EB77D}" type="datetimeFigureOut">
               <a:rPr lang="zh-CN" altLang="en-US" smtClean="0"/>
-              <a:t>25</a:t>
+              <a:t>29</a:t>
             </a:fld>
             <a:endParaRPr lang="zh-CN" altLang="en-US"/>
           </a:p>
@@ -9778,7 +10304,7 @@
           <a:p>
             <a:fld id="{72514870-5082-4025-BC8A-5E070B8EB77D}" type="datetimeFigureOut">
               <a:rPr lang="zh-CN" altLang="en-US" smtClean="0"/>
-              <a:t>25</a:t>
+              <a:t>29</a:t>
             </a:fld>
             <a:endParaRPr lang="zh-CN" altLang="en-US"/>
           </a:p>
@@ -10217,7 +10743,7 @@
           <a:p>
             <a:fld id="{72514870-5082-4025-BC8A-5E070B8EB77D}" type="datetimeFigureOut">
               <a:rPr lang="zh-CN" altLang="en-US" smtClean="0"/>
-              <a:t>25</a:t>
+              <a:t>29</a:t>
             </a:fld>
             <a:endParaRPr lang="zh-CN" altLang="en-US"/>
           </a:p>
@@ -10329,7 +10855,7 @@
           <a:p>
             <a:fld id="{72514870-5082-4025-BC8A-5E070B8EB77D}" type="datetimeFigureOut">
               <a:rPr lang="zh-CN" altLang="en-US" smtClean="0"/>
-              <a:t>25</a:t>
+              <a:t>29</a:t>
             </a:fld>
             <a:endParaRPr lang="zh-CN" altLang="en-US"/>
           </a:p>
@@ -10419,7 +10945,7 @@
           <a:p>
             <a:fld id="{72514870-5082-4025-BC8A-5E070B8EB77D}" type="datetimeFigureOut">
               <a:rPr lang="zh-CN" altLang="en-US" smtClean="0"/>
-              <a:t>25</a:t>
+              <a:t>29</a:t>
             </a:fld>
             <a:endParaRPr lang="zh-CN" altLang="en-US"/>
           </a:p>
@@ -10689,7 +11215,7 @@
           <a:p>
             <a:fld id="{72514870-5082-4025-BC8A-5E070B8EB77D}" type="datetimeFigureOut">
               <a:rPr lang="zh-CN" altLang="en-US" smtClean="0"/>
-              <a:t>25</a:t>
+              <a:t>29</a:t>
             </a:fld>
             <a:endParaRPr lang="zh-CN" altLang="en-US"/>
           </a:p>
@@ -10936,7 +11462,7 @@
           <a:p>
             <a:fld id="{72514870-5082-4025-BC8A-5E070B8EB77D}" type="datetimeFigureOut">
               <a:rPr lang="zh-CN" altLang="en-US" smtClean="0"/>
-              <a:t>25</a:t>
+              <a:t>29</a:t>
             </a:fld>
             <a:endParaRPr lang="zh-CN" altLang="en-US"/>
           </a:p>
@@ -12371,23 +12897,6 @@
               </a:rPr>
               <a:t>经济学设计</a:t>
             </a:r>
-            <a:r>
-              <a:rPr lang="en-US" altLang="zh-CN" sz="2400" dirty="0">
-                <a:solidFill>
-                  <a:schemeClr val="bg1"/>
-                </a:solidFill>
-                <a:latin typeface="微软雅黑" panose="020B0503020204020204" charset="-122"/>
-                <a:ea typeface="微软雅黑" panose="020B0503020204020204" charset="-122"/>
-              </a:rPr>
-              <a:t>-Loyalty</a:t>
-            </a:r>
-            <a:endParaRPr lang="zh-CN" altLang="en-US" sz="2400" dirty="0">
-              <a:solidFill>
-                <a:schemeClr val="bg1"/>
-              </a:solidFill>
-              <a:latin typeface="微软雅黑" panose="020B0503020204020204" charset="-122"/>
-              <a:ea typeface="微软雅黑" panose="020B0503020204020204" charset="-122"/>
-            </a:endParaRPr>
           </a:p>
         </p:txBody>
       </p:sp>
@@ -14612,8 +15121,8 @@
         </p:nvSpPr>
         <p:spPr>
           <a:xfrm>
-            <a:off x="3645079" y="3418964"/>
-            <a:ext cx="1799927" cy="458786"/>
+            <a:off x="3495414" y="3420758"/>
+            <a:ext cx="2060630" cy="458786"/>
           </a:xfrm>
           <a:prstGeom prst="roundRect">
             <a:avLst>
@@ -14640,7 +15149,7 @@
           <a:p>
             <a:pPr algn="ctr"/>
             <a:r>
-              <a:rPr lang="en-US" altLang="zh-CN" sz="3000" b="1">
+              <a:rPr lang="en-US" altLang="zh-CN" sz="3000" b="1" dirty="0">
                 <a:solidFill>
                   <a:srgbClr val="C00000"/>
                 </a:solidFill>
@@ -14648,7 +15157,7 @@
                 <a:ea typeface="微软雅黑" panose="020B0503020204020204" charset="-122"/>
                 <a:cs typeface="微软雅黑" panose="020B0503020204020204" charset="-122"/>
               </a:rPr>
-              <a:t>Loyalty</a:t>
+              <a:t>Economy</a:t>
             </a:r>
             <a:endParaRPr lang="zh-CN" altLang="en-US" sz="3000" b="1" u="none" strike="noStrike" kern="1200" cap="none" spc="0" baseline="0" dirty="0">
               <a:solidFill>
@@ -15202,7 +15711,7 @@
 </p:sld>
 </file>
 
-<file path=ppt/slides/slide2.xml><?xml version="1.0" encoding="utf-8"?>
+<file path=ppt/slides/slide10.xml><?xml version="1.0" encoding="utf-8"?>
 <p:sld xmlns:a="http://schemas.openxmlformats.org/drawingml/2006/main" xmlns:r="http://schemas.openxmlformats.org/officeDocument/2006/relationships" xmlns:p="http://schemas.openxmlformats.org/presentationml/2006/main">
   <p:cSld>
     <p:spTree>
@@ -15227,8 +15736,8 @@
         </p:nvSpPr>
         <p:spPr>
           <a:xfrm>
-            <a:off x="3325769" y="431711"/>
-            <a:ext cx="2492990" cy="553998"/>
+            <a:off x="2774791" y="431711"/>
+            <a:ext cx="3594958" cy="553998"/>
           </a:xfrm>
           <a:prstGeom prst="rect">
             <a:avLst/>
@@ -15246,19 +15755,48 @@
           </a:bodyPr>
           <a:lstStyle/>
           <a:p>
-            <a:pPr algn="ctr" fontAlgn="auto">
-              <a:defRPr/>
+            <a:pPr marL="0" indent="0" algn="ctr">
+              <a:lnSpc>
+                <a:spcPct val="100000"/>
+              </a:lnSpc>
+              <a:spcBef>
+                <a:spcPts val="0"/>
+              </a:spcBef>
+              <a:spcAft>
+                <a:spcPts val="0"/>
+              </a:spcAft>
+              <a:buNone/>
             </a:pPr>
             <a:r>
-              <a:rPr lang="zh-CN" altLang="en-US" sz="3000" b="1" kern="0" dirty="0">
+              <a:rPr lang="en-US" altLang="zh-CN" sz="3000" b="1" u="none" strike="noStrike" kern="100" cap="none" spc="0" baseline="0" dirty="0" err="1">
                 <a:solidFill>
                   <a:srgbClr val="C9394A"/>
                 </a:solidFill>
                 <a:latin typeface="微软雅黑" panose="020B0503020204020204" charset="-122"/>
                 <a:ea typeface="微软雅黑" panose="020B0503020204020204" charset="-122"/>
+                <a:cs typeface="Times New Roman" panose="02020603050405020304" charset="0"/>
               </a:rPr>
-              <a:t>品牌与忠诚度</a:t>
-            </a:r>
+              <a:t>ArtistNFT</a:t>
+            </a:r>
+            <a:r>
+              <a:rPr lang="zh-CN" altLang="en-US" sz="3000" b="1" u="none" strike="noStrike" kern="100" cap="none" spc="0" baseline="0" dirty="0">
+                <a:solidFill>
+                  <a:srgbClr val="C9394A"/>
+                </a:solidFill>
+                <a:latin typeface="微软雅黑" panose="020B0503020204020204" charset="-122"/>
+                <a:ea typeface="微软雅黑" panose="020B0503020204020204" charset="-122"/>
+                <a:cs typeface="Times New Roman" panose="02020603050405020304" charset="0"/>
+              </a:rPr>
+              <a:t>收费逻辑</a:t>
+            </a:r>
+            <a:endParaRPr lang="en-US" altLang="zh-CN" sz="3000" b="1" u="none" strike="noStrike" kern="100" cap="none" spc="0" baseline="0" dirty="0">
+              <a:solidFill>
+                <a:srgbClr val="C9394A"/>
+              </a:solidFill>
+              <a:latin typeface="微软雅黑" panose="020B0503020204020204" charset="-122"/>
+              <a:ea typeface="微软雅黑" panose="020B0503020204020204" charset="-122"/>
+              <a:cs typeface="Times New Roman" panose="02020603050405020304" charset="0"/>
+            </a:endParaRPr>
           </a:p>
         </p:txBody>
       </p:sp>
@@ -15276,13 +15814,18 @@
         </p:nvSpPr>
         <p:spPr>
           <a:xfrm>
-            <a:off x="1475570" y="1131550"/>
-            <a:ext cx="6752363" cy="3312460"/>
+            <a:off x="2130920" y="1347580"/>
+            <a:ext cx="4750769" cy="1610687"/>
           </a:xfrm>
           <a:prstGeom prst="rect">
             <a:avLst/>
           </a:prstGeom>
-          <a:noFill/>
+          <a:solidFill>
+            <a:schemeClr val="accent2">
+              <a:lumMod val="20000"/>
+              <a:lumOff val="80000"/>
+            </a:schemeClr>
+          </a:solidFill>
           <a:ln w="9525" cap="flat" cmpd="sng">
             <a:noFill/>
             <a:prstDash val="solid"/>
@@ -15293,7 +15836,7 @@
           <a:bodyPr vert="horz" wrap="square" lIns="91440" tIns="45720" rIns="91440" bIns="45720" anchor="ctr" anchorCtr="0"/>
           <a:lstStyle/>
           <a:p>
-            <a:pPr marL="723900" indent="-457200" algn="just">
+            <a:pPr marL="609600" indent="-342900" algn="just">
               <a:lnSpc>
                 <a:spcPct val="200000"/>
               </a:lnSpc>
@@ -15304,19 +15847,25 @@
               <a:buAutoNum type="arabicPeriod"/>
             </a:pPr>
             <a:r>
-              <a:rPr lang="zh-CN" altLang="en-US" sz="1600" kern="100" dirty="0">
-                <a:latin typeface="微软雅黑" panose="020B0503020204020204" charset="-122"/>
-                <a:ea typeface="微软雅黑" panose="020B0503020204020204" charset="-122"/>
-              </a:rPr>
-              <a:t>这并不是新概念，但却以经济学设计的方式发挥核弹级别的威力</a:t>
-            </a:r>
-            <a:endParaRPr lang="en-US" altLang="zh-CN" sz="1600" kern="100" dirty="0">
-              <a:latin typeface="微软雅黑" panose="020B0503020204020204" charset="-122"/>
-              <a:ea typeface="微软雅黑" panose="020B0503020204020204" charset="-122"/>
-            </a:endParaRPr>
-          </a:p>
-          <a:p>
-            <a:pPr marL="723900" indent="-457200" algn="just">
+              <a:rPr lang="en-US" altLang="zh-CN" dirty="0" err="1"/>
+              <a:t>Openzeppelin</a:t>
+            </a:r>
+            <a:r>
+              <a:rPr lang="zh-CN" altLang="en-US" dirty="0"/>
+              <a:t>对</a:t>
+            </a:r>
+            <a:r>
+              <a:rPr lang="en-US" altLang="zh-CN" dirty="0"/>
+              <a:t>ownable</a:t>
+            </a:r>
+            <a:r>
+              <a:rPr lang="zh-CN" altLang="en-US" dirty="0"/>
+              <a:t>的支持</a:t>
+            </a:r>
+            <a:endParaRPr lang="en-US" altLang="zh-CN" dirty="0"/>
+          </a:p>
+          <a:p>
+            <a:pPr marL="609600" indent="-342900" algn="just">
               <a:lnSpc>
                 <a:spcPct val="200000"/>
               </a:lnSpc>
@@ -15327,15 +15876,19 @@
               <a:buAutoNum type="arabicPeriod"/>
             </a:pPr>
             <a:r>
-              <a:rPr lang="en-US" altLang="zh-CN" sz="1600" kern="100" dirty="0">
+              <a:rPr lang="zh-CN" altLang="en-US" sz="1600" kern="100" dirty="0">
                 <a:latin typeface="微软雅黑" panose="020B0503020204020204" charset="-122"/>
                 <a:ea typeface="微软雅黑" panose="020B0503020204020204" charset="-122"/>
               </a:rPr>
-              <a:t>ERC2831</a:t>
-            </a:r>
-          </a:p>
-          <a:p>
-            <a:pPr marL="723900" indent="-457200" algn="just">
+              <a:t>合约收费逻辑开发</a:t>
+            </a:r>
+            <a:endParaRPr lang="en-US" altLang="zh-CN" sz="1600" kern="100" dirty="0">
+              <a:latin typeface="微软雅黑" panose="020B0503020204020204" charset="-122"/>
+              <a:ea typeface="微软雅黑" panose="020B0503020204020204" charset="-122"/>
+            </a:endParaRPr>
+          </a:p>
+          <a:p>
+            <a:pPr marL="609600" indent="-342900" algn="just">
               <a:lnSpc>
                 <a:spcPct val="200000"/>
               </a:lnSpc>
@@ -15347,100 +15900,98 @@
             </a:pPr>
             <a:r>
               <a:rPr lang="zh-CN" altLang="en-US" sz="1600" kern="100" dirty="0">
+                <a:solidFill>
+                  <a:srgbClr val="FF0000"/>
+                </a:solidFill>
                 <a:latin typeface="微软雅黑" panose="020B0503020204020204" charset="-122"/>
                 <a:ea typeface="微软雅黑" panose="020B0503020204020204" charset="-122"/>
               </a:rPr>
-              <a:t>需要交易所的支持</a:t>
-            </a:r>
-            <a:r>
-              <a:rPr lang="en-US" altLang="zh-CN" sz="1600" kern="100" dirty="0">
-                <a:latin typeface="微软雅黑" panose="020B0503020204020204" charset="-122"/>
-                <a:ea typeface="微软雅黑" panose="020B0503020204020204" charset="-122"/>
-              </a:rPr>
-              <a:t>(</a:t>
-            </a:r>
-            <a:r>
-              <a:rPr lang="en-US" altLang="zh-CN" sz="1600" kern="100" dirty="0" err="1">
-                <a:latin typeface="微软雅黑" panose="020B0503020204020204" charset="-122"/>
-                <a:ea typeface="微软雅黑" panose="020B0503020204020204" charset="-122"/>
-              </a:rPr>
-              <a:t>OpenSea</a:t>
-            </a:r>
-            <a:r>
-              <a:rPr lang="en-US" altLang="zh-CN" sz="1600" kern="100" dirty="0">
-                <a:latin typeface="微软雅黑" panose="020B0503020204020204" charset="-122"/>
-                <a:ea typeface="微软雅黑" panose="020B0503020204020204" charset="-122"/>
-              </a:rPr>
-              <a:t>)</a:t>
-            </a:r>
-          </a:p>
-          <a:p>
-            <a:pPr marL="723900" indent="-457200" algn="just">
+              <a:t>费率</a:t>
+            </a:r>
+          </a:p>
+        </p:txBody>
+      </p:sp>
+      <p:sp>
+        <p:nvSpPr>
+          <p:cNvPr id="3" name="矩形">
+            <a:extLst>
+              <a:ext uri="{FF2B5EF4-FFF2-40B4-BE49-F238E27FC236}">
+                <a16:creationId xmlns:a16="http://schemas.microsoft.com/office/drawing/2014/main" id="{0CD9B63B-46E5-4405-0C61-6C2D2F3E19A1}"/>
+              </a:ext>
+            </a:extLst>
+          </p:cNvPr>
+          <p:cNvSpPr/>
+          <p:nvPr/>
+        </p:nvSpPr>
+        <p:spPr>
+          <a:xfrm>
+            <a:off x="2123660" y="2958267"/>
+            <a:ext cx="4750769" cy="1514773"/>
+          </a:xfrm>
+          <a:prstGeom prst="rect">
+            <a:avLst/>
+          </a:prstGeom>
+          <a:solidFill>
+            <a:schemeClr val="accent1">
+              <a:lumMod val="20000"/>
+              <a:lumOff val="80000"/>
+            </a:schemeClr>
+          </a:solidFill>
+          <a:ln w="9525" cap="flat" cmpd="sng">
+            <a:noFill/>
+            <a:prstDash val="solid"/>
+            <a:miter/>
+          </a:ln>
+        </p:spPr>
+        <p:txBody>
+          <a:bodyPr vert="horz" wrap="square" lIns="91440" tIns="45720" rIns="91440" bIns="45720" anchor="ctr" anchorCtr="0"/>
+          <a:lstStyle/>
+          <a:p>
+            <a:pPr marL="609600" indent="-342900" algn="just">
               <a:lnSpc>
                 <a:spcPct val="200000"/>
               </a:lnSpc>
               <a:buClr>
                 <a:srgbClr val="C00000"/>
               </a:buClr>
-              <a:buFont typeface="+mj-lt"/>
-              <a:buAutoNum type="arabicPeriod"/>
+              <a:buFont typeface="Wingdings" panose="05000000000000000000" charset="0"/>
+              <a:buChar char="u"/>
             </a:pPr>
             <a:r>
-              <a:rPr lang="en-US" altLang="zh-CN" sz="1600" kern="100" dirty="0" err="1">
-                <a:latin typeface="微软雅黑" panose="020B0503020204020204" charset="-122"/>
-                <a:ea typeface="微软雅黑" panose="020B0503020204020204" charset="-122"/>
-              </a:rPr>
-              <a:t>Openzeppelin</a:t>
-            </a:r>
-            <a:r>
-              <a:rPr lang="zh-CN" altLang="en-US" sz="1600" kern="100" dirty="0">
-                <a:latin typeface="微软雅黑" panose="020B0503020204020204" charset="-122"/>
-                <a:ea typeface="微软雅黑" panose="020B0503020204020204" charset="-122"/>
-              </a:rPr>
-              <a:t>的支持</a:t>
-            </a:r>
-            <a:endParaRPr lang="en-US" altLang="zh-CN" sz="1600" kern="100" dirty="0">
-              <a:latin typeface="微软雅黑" panose="020B0503020204020204" charset="-122"/>
-              <a:ea typeface="微软雅黑" panose="020B0503020204020204" charset="-122"/>
-            </a:endParaRPr>
-          </a:p>
-          <a:p>
-            <a:pPr marL="723900" indent="-457200" algn="just">
+              <a:rPr lang="zh-CN" altLang="en-US" dirty="0"/>
+              <a:t>社区治理</a:t>
+            </a:r>
+            <a:endParaRPr lang="en-US" altLang="zh-CN" dirty="0"/>
+          </a:p>
+          <a:p>
+            <a:pPr marL="609600" indent="-342900" algn="just">
               <a:lnSpc>
                 <a:spcPct val="200000"/>
               </a:lnSpc>
               <a:buClr>
                 <a:srgbClr val="C00000"/>
               </a:buClr>
-              <a:buFont typeface="+mj-lt"/>
-              <a:buAutoNum type="arabicPeriod"/>
+              <a:buFont typeface="Wingdings" panose="05000000000000000000" charset="0"/>
+              <a:buChar char="u"/>
             </a:pPr>
+            <a:r>
+              <a:rPr lang="zh-CN" altLang="en-US" sz="1600" kern="100" dirty="0">
+                <a:latin typeface="微软雅黑" panose="020B0503020204020204" charset="-122"/>
+                <a:ea typeface="微软雅黑" panose="020B0503020204020204" charset="-122"/>
+              </a:rPr>
+              <a:t>去中心化自治组织</a:t>
+            </a:r>
             <a:r>
               <a:rPr lang="en-US" altLang="zh-CN" sz="1600" kern="100" dirty="0">
                 <a:latin typeface="微软雅黑" panose="020B0503020204020204" charset="-122"/>
                 <a:ea typeface="微软雅黑" panose="020B0503020204020204" charset="-122"/>
               </a:rPr>
-              <a:t>Creator community</a:t>
-            </a:r>
-          </a:p>
-          <a:p>
-            <a:pPr marL="723900" indent="-457200" algn="just">
-              <a:lnSpc>
-                <a:spcPct val="200000"/>
-              </a:lnSpc>
-              <a:buClr>
-                <a:srgbClr val="C00000"/>
-              </a:buClr>
-              <a:buFont typeface="+mj-lt"/>
-              <a:buAutoNum type="arabicPeriod"/>
-            </a:pPr>
-            <a:r>
-              <a:rPr lang="zh-CN" altLang="en-US" sz="1600" kern="100" dirty="0">
-                <a:latin typeface="微软雅黑" panose="020B0503020204020204" charset="-122"/>
-                <a:ea typeface="微软雅黑" panose="020B0503020204020204" charset="-122"/>
-              </a:rPr>
-              <a:t>生态环境问题</a:t>
-            </a:r>
+              <a:t>DAO</a:t>
+            </a:r>
+            <a:endParaRPr lang="zh-CN" altLang="en-US" sz="1600" kern="100" dirty="0">
+              <a:latin typeface="微软雅黑" panose="020B0503020204020204" charset="-122"/>
+              <a:ea typeface="微软雅黑" panose="020B0503020204020204" charset="-122"/>
+            </a:endParaRPr>
           </a:p>
         </p:txBody>
       </p:sp>
@@ -15450,7 +16001,7 @@
     </p:custDataLst>
     <p:extLst>
       <p:ext uri="{BB962C8B-B14F-4D97-AF65-F5344CB8AC3E}">
-        <p14:creationId xmlns:p14="http://schemas.microsoft.com/office/powerpoint/2010/main" val="3178248482"/>
+        <p14:creationId xmlns:p14="http://schemas.microsoft.com/office/powerpoint/2010/main" val="3503100881"/>
       </p:ext>
     </p:extLst>
   </p:cSld>
@@ -15564,972 +16115,33 @@
                       </p:childTnLst>
                     </p:cTn>
                   </p:par>
-                </p:childTnLst>
-              </p:cTn>
-              <p:prevCondLst>
-                <p:cond evt="onPrev" delay="0">
-                  <p:tgtEl>
-                    <p:sldTgt/>
-                  </p:tgtEl>
-                </p:cond>
-              </p:prevCondLst>
-              <p:nextCondLst>
-                <p:cond evt="onNext" delay="0">
-                  <p:tgtEl>
-                    <p:sldTgt/>
-                  </p:tgtEl>
-                </p:cond>
-              </p:nextCondLst>
-            </p:seq>
-          </p:childTnLst>
-        </p:cTn>
-      </p:par>
-    </p:tnLst>
-    <p:bldLst>
-      <p:bldP spid="4" grpId="0"/>
-    </p:bldLst>
-  </p:timing>
-</p:sld>
-</file>
-
-<file path=ppt/slides/slide3.xml><?xml version="1.0" encoding="utf-8"?>
-<p:sld xmlns:a="http://schemas.openxmlformats.org/drawingml/2006/main" xmlns:r="http://schemas.openxmlformats.org/officeDocument/2006/relationships" xmlns:p="http://schemas.openxmlformats.org/presentationml/2006/main">
-  <p:cSld>
-    <p:spTree>
-      <p:nvGrpSpPr>
-        <p:cNvPr id="1" name=""/>
-        <p:cNvGrpSpPr/>
-        <p:nvPr/>
-      </p:nvGrpSpPr>
-      <p:grpSpPr>
-        <a:xfrm>
-          <a:off x="0" y="0"/>
-          <a:ext cx="0" cy="0"/>
-          <a:chOff x="0" y="0"/>
-          <a:chExt cx="0" cy="0"/>
-        </a:xfrm>
-      </p:grpSpPr>
-      <p:sp>
-        <p:nvSpPr>
-          <p:cNvPr id="2" name="矩形"/>
-          <p:cNvSpPr/>
-          <p:nvPr/>
-        </p:nvSpPr>
-        <p:spPr>
-          <a:xfrm>
-            <a:off x="2715477" y="431711"/>
-            <a:ext cx="3713582" cy="553998"/>
-          </a:xfrm>
-          <a:prstGeom prst="rect">
-            <a:avLst/>
-          </a:prstGeom>
-          <a:noFill/>
-          <a:ln w="9525" cap="flat" cmpd="sng">
-            <a:noFill/>
-            <a:prstDash val="solid"/>
-            <a:miter/>
-          </a:ln>
-        </p:spPr>
-        <p:txBody>
-          <a:bodyPr vert="horz" wrap="none" lIns="91440" tIns="45720" rIns="91440" bIns="45720" anchor="t" anchorCtr="0">
-            <a:spAutoFit/>
-          </a:bodyPr>
-          <a:lstStyle/>
-          <a:p>
-            <a:pPr marL="0" indent="0" algn="ctr">
-              <a:lnSpc>
-                <a:spcPct val="100000"/>
-              </a:lnSpc>
-              <a:spcBef>
-                <a:spcPts val="0"/>
-              </a:spcBef>
-              <a:spcAft>
-                <a:spcPts val="0"/>
-              </a:spcAft>
-              <a:buNone/>
-            </a:pPr>
-            <a:r>
-              <a:rPr lang="en-US" altLang="zh-CN" sz="3000" b="1" u="none" strike="noStrike" kern="100" cap="none" spc="0" baseline="0" dirty="0" err="1">
-                <a:solidFill>
-                  <a:srgbClr val="C9394A"/>
-                </a:solidFill>
-                <a:latin typeface="微软雅黑" panose="020B0503020204020204" charset="-122"/>
-                <a:ea typeface="微软雅黑" panose="020B0503020204020204" charset="-122"/>
-                <a:cs typeface="Times New Roman" panose="02020603050405020304" charset="0"/>
-              </a:rPr>
-              <a:t>ArtistNFT</a:t>
-            </a:r>
-            <a:r>
-              <a:rPr lang="zh-CN" altLang="en-US" sz="3000" b="1" u="none" strike="noStrike" kern="100" cap="none" spc="0" baseline="0" dirty="0">
-                <a:solidFill>
-                  <a:srgbClr val="C9394A"/>
-                </a:solidFill>
-                <a:latin typeface="微软雅黑" panose="020B0503020204020204" charset="-122"/>
-                <a:ea typeface="微软雅黑" panose="020B0503020204020204" charset="-122"/>
-                <a:cs typeface="Times New Roman" panose="02020603050405020304" charset="0"/>
-              </a:rPr>
-              <a:t>合约扩充</a:t>
-            </a:r>
-            <a:endParaRPr lang="en-US" altLang="zh-CN" sz="3000" b="1" u="none" strike="noStrike" kern="100" cap="none" spc="0" baseline="0" dirty="0">
-              <a:solidFill>
-                <a:srgbClr val="C9394A"/>
-              </a:solidFill>
-              <a:latin typeface="微软雅黑" panose="020B0503020204020204" charset="-122"/>
-              <a:ea typeface="微软雅黑" panose="020B0503020204020204" charset="-122"/>
-              <a:cs typeface="Times New Roman" panose="02020603050405020304" charset="0"/>
-            </a:endParaRPr>
-          </a:p>
-        </p:txBody>
-      </p:sp>
-      <p:grpSp>
-        <p:nvGrpSpPr>
-          <p:cNvPr id="3" name="组合 2">
-            <a:extLst>
-              <a:ext uri="{FF2B5EF4-FFF2-40B4-BE49-F238E27FC236}">
-                <a16:creationId xmlns:a16="http://schemas.microsoft.com/office/drawing/2014/main" id="{0F373946-2970-DFB4-54D1-E4B35F955ED4}"/>
-              </a:ext>
-            </a:extLst>
-          </p:cNvPr>
-          <p:cNvGrpSpPr/>
-          <p:nvPr/>
-        </p:nvGrpSpPr>
-        <p:grpSpPr>
-          <a:xfrm>
-            <a:off x="755470" y="1419590"/>
-            <a:ext cx="6768940" cy="2802250"/>
-            <a:chOff x="2074837" y="1609725"/>
-            <a:chExt cx="8922593" cy="4124325"/>
-          </a:xfrm>
-        </p:grpSpPr>
-        <p:sp>
-          <p:nvSpPr>
-            <p:cNvPr id="5" name="椭圆 4">
-              <a:extLst>
-                <a:ext uri="{FF2B5EF4-FFF2-40B4-BE49-F238E27FC236}">
-                  <a16:creationId xmlns:a16="http://schemas.microsoft.com/office/drawing/2014/main" id="{4D079418-284A-B4F7-D405-FE3D46DC0077}"/>
-                </a:ext>
-              </a:extLst>
-            </p:cNvPr>
-            <p:cNvSpPr/>
-            <p:nvPr/>
-          </p:nvSpPr>
-          <p:spPr>
-            <a:xfrm>
-              <a:off x="4629150" y="1609725"/>
-              <a:ext cx="1676400" cy="647700"/>
-            </a:xfrm>
-            <a:prstGeom prst="ellipse">
-              <a:avLst/>
-            </a:prstGeom>
-            <a:ln>
-              <a:solidFill>
-                <a:schemeClr val="accent1"/>
-              </a:solidFill>
-            </a:ln>
-          </p:spPr>
-          <p:style>
-            <a:lnRef idx="2">
-              <a:schemeClr val="accent1">
-                <a:shade val="50000"/>
-              </a:schemeClr>
-            </a:lnRef>
-            <a:fillRef idx="1">
-              <a:schemeClr val="accent1"/>
-            </a:fillRef>
-            <a:effectRef idx="0">
-              <a:schemeClr val="accent1"/>
-            </a:effectRef>
-            <a:fontRef idx="minor">
-              <a:schemeClr val="lt1"/>
-            </a:fontRef>
-          </p:style>
-          <p:txBody>
-            <a:bodyPr rtlCol="0" anchor="ctr"/>
-            <a:lstStyle/>
-            <a:p>
-              <a:pPr algn="ctr"/>
-              <a:r>
-                <a:rPr lang="en-US" altLang="zh-CN" sz="1400" dirty="0"/>
-                <a:t>ERC721</a:t>
-              </a:r>
-            </a:p>
-            <a:p>
-              <a:pPr algn="ctr"/>
-              <a:r>
-                <a:rPr lang="en-US" sz="1400" dirty="0"/>
-                <a:t>+</a:t>
-              </a:r>
-            </a:p>
-          </p:txBody>
-        </p:sp>
-        <p:sp>
-          <p:nvSpPr>
-            <p:cNvPr id="6" name="椭圆 5">
-              <a:extLst>
-                <a:ext uri="{FF2B5EF4-FFF2-40B4-BE49-F238E27FC236}">
-                  <a16:creationId xmlns:a16="http://schemas.microsoft.com/office/drawing/2014/main" id="{7D32951B-5214-1FE0-BD4C-75A586F1EF88}"/>
-                </a:ext>
-              </a:extLst>
-            </p:cNvPr>
-            <p:cNvSpPr/>
-            <p:nvPr/>
-          </p:nvSpPr>
-          <p:spPr>
-            <a:xfrm>
-              <a:off x="2074837" y="2962673"/>
-              <a:ext cx="2837240" cy="647701"/>
-            </a:xfrm>
-            <a:prstGeom prst="ellipse">
-              <a:avLst/>
-            </a:prstGeom>
-            <a:ln>
-              <a:solidFill>
-                <a:schemeClr val="accent1"/>
-              </a:solidFill>
-            </a:ln>
-          </p:spPr>
-          <p:style>
-            <a:lnRef idx="2">
-              <a:schemeClr val="accent1">
-                <a:shade val="50000"/>
-              </a:schemeClr>
-            </a:lnRef>
-            <a:fillRef idx="1">
-              <a:schemeClr val="accent1"/>
-            </a:fillRef>
-            <a:effectRef idx="0">
-              <a:schemeClr val="accent1"/>
-            </a:effectRef>
-            <a:fontRef idx="minor">
-              <a:schemeClr val="lt1"/>
-            </a:fontRef>
-          </p:style>
-          <p:txBody>
-            <a:bodyPr rtlCol="0" anchor="ctr"/>
-            <a:lstStyle/>
-            <a:p>
-              <a:pPr algn="ctr"/>
-              <a:r>
-                <a:rPr lang="en-US" altLang="zh-CN" sz="1100" dirty="0"/>
-                <a:t>ERC721UriStorage</a:t>
-              </a:r>
-              <a:endParaRPr lang="en-US" sz="1100" dirty="0"/>
-            </a:p>
-          </p:txBody>
-        </p:sp>
-        <p:sp>
-          <p:nvSpPr>
-            <p:cNvPr id="7" name="椭圆 6">
-              <a:extLst>
-                <a:ext uri="{FF2B5EF4-FFF2-40B4-BE49-F238E27FC236}">
-                  <a16:creationId xmlns:a16="http://schemas.microsoft.com/office/drawing/2014/main" id="{E25551AC-2197-1F5B-C40C-5EA1603341F5}"/>
-                </a:ext>
-              </a:extLst>
-            </p:cNvPr>
-            <p:cNvSpPr/>
-            <p:nvPr/>
-          </p:nvSpPr>
-          <p:spPr>
-            <a:xfrm>
-              <a:off x="8203267" y="3105151"/>
-              <a:ext cx="2794163" cy="647700"/>
-            </a:xfrm>
-            <a:prstGeom prst="ellipse">
-              <a:avLst/>
-            </a:prstGeom>
-            <a:solidFill>
-              <a:srgbClr val="00B050"/>
-            </a:solidFill>
-            <a:ln>
-              <a:solidFill>
-                <a:schemeClr val="accent1"/>
-              </a:solidFill>
-            </a:ln>
-          </p:spPr>
-          <p:style>
-            <a:lnRef idx="2">
-              <a:schemeClr val="accent1">
-                <a:shade val="50000"/>
-              </a:schemeClr>
-            </a:lnRef>
-            <a:fillRef idx="1">
-              <a:schemeClr val="accent1"/>
-            </a:fillRef>
-            <a:effectRef idx="0">
-              <a:schemeClr val="accent1"/>
-            </a:effectRef>
-            <a:fontRef idx="minor">
-              <a:schemeClr val="lt1"/>
-            </a:fontRef>
-          </p:style>
-          <p:txBody>
-            <a:bodyPr rtlCol="0" anchor="ctr"/>
-            <a:lstStyle/>
-            <a:p>
-              <a:r>
-                <a:rPr lang="en-US" sz="1400" b="0" dirty="0">
-                  <a:solidFill>
-                    <a:srgbClr val="BABBCC"/>
-                  </a:solidFill>
-                  <a:effectLst/>
-                  <a:latin typeface="Consolas" panose="020B0609020204030204" pitchFamily="49" charset="0"/>
-                </a:rPr>
-                <a:t>ERC721Royalty</a:t>
-              </a:r>
-            </a:p>
-          </p:txBody>
-        </p:sp>
-        <p:cxnSp>
-          <p:nvCxnSpPr>
-            <p:cNvPr id="8" name="直接箭头连接符 7">
-              <a:extLst>
-                <a:ext uri="{FF2B5EF4-FFF2-40B4-BE49-F238E27FC236}">
-                  <a16:creationId xmlns:a16="http://schemas.microsoft.com/office/drawing/2014/main" id="{4960AA35-EC03-6718-A0F7-96C6BFCF1671}"/>
-                </a:ext>
-              </a:extLst>
-            </p:cNvPr>
-            <p:cNvCxnSpPr>
-              <a:cxnSpLocks/>
-              <a:stCxn id="6" idx="0"/>
-              <a:endCxn id="5" idx="3"/>
-            </p:cNvCxnSpPr>
-            <p:nvPr/>
-          </p:nvCxnSpPr>
-          <p:spPr>
-            <a:xfrm flipV="1">
-              <a:off x="3493458" y="2162571"/>
-              <a:ext cx="1381195" cy="800102"/>
-            </a:xfrm>
-            <a:prstGeom prst="straightConnector1">
-              <a:avLst/>
-            </a:prstGeom>
-            <a:ln>
-              <a:solidFill>
-                <a:schemeClr val="accent1"/>
-              </a:solidFill>
-              <a:tailEnd type="triangle"/>
-            </a:ln>
-          </p:spPr>
-          <p:style>
-            <a:lnRef idx="1">
-              <a:schemeClr val="accent1"/>
-            </a:lnRef>
-            <a:fillRef idx="0">
-              <a:schemeClr val="accent1"/>
-            </a:fillRef>
-            <a:effectRef idx="0">
-              <a:schemeClr val="accent1"/>
-            </a:effectRef>
-            <a:fontRef idx="minor">
-              <a:schemeClr val="tx1"/>
-            </a:fontRef>
-          </p:style>
-        </p:cxnSp>
-        <p:sp>
-          <p:nvSpPr>
-            <p:cNvPr id="9" name="椭圆 8">
-              <a:extLst>
-                <a:ext uri="{FF2B5EF4-FFF2-40B4-BE49-F238E27FC236}">
-                  <a16:creationId xmlns:a16="http://schemas.microsoft.com/office/drawing/2014/main" id="{720A3B65-776B-A7CC-54F0-C03F8F545B14}"/>
-                </a:ext>
-              </a:extLst>
-            </p:cNvPr>
-            <p:cNvSpPr/>
-            <p:nvPr/>
-          </p:nvSpPr>
-          <p:spPr>
-            <a:xfrm>
-              <a:off x="4314825" y="5086350"/>
-              <a:ext cx="2224556" cy="647700"/>
-            </a:xfrm>
-            <a:prstGeom prst="ellipse">
-              <a:avLst/>
-            </a:prstGeom>
-            <a:ln>
-              <a:solidFill>
-                <a:schemeClr val="accent1"/>
-              </a:solidFill>
-            </a:ln>
-          </p:spPr>
-          <p:style>
-            <a:lnRef idx="2">
-              <a:schemeClr val="accent1">
-                <a:shade val="50000"/>
-              </a:schemeClr>
-            </a:lnRef>
-            <a:fillRef idx="1">
-              <a:schemeClr val="accent1"/>
-            </a:fillRef>
-            <a:effectRef idx="0">
-              <a:schemeClr val="accent1"/>
-            </a:effectRef>
-            <a:fontRef idx="minor">
-              <a:schemeClr val="lt1"/>
-            </a:fontRef>
-          </p:style>
-          <p:txBody>
-            <a:bodyPr rtlCol="0" anchor="ctr"/>
-            <a:lstStyle/>
-            <a:p>
-              <a:pPr algn="ctr"/>
-              <a:r>
-                <a:rPr lang="en-US" altLang="zh-CN" sz="1400" dirty="0" err="1"/>
-                <a:t>ArtistNFT</a:t>
-              </a:r>
-              <a:endParaRPr lang="en-US" sz="1400" dirty="0"/>
-            </a:p>
-          </p:txBody>
-        </p:sp>
-        <p:cxnSp>
-          <p:nvCxnSpPr>
-            <p:cNvPr id="10" name="直接箭头连接符 9">
-              <a:extLst>
-                <a:ext uri="{FF2B5EF4-FFF2-40B4-BE49-F238E27FC236}">
-                  <a16:creationId xmlns:a16="http://schemas.microsoft.com/office/drawing/2014/main" id="{36718A4E-B014-62AD-F821-1836E0FF5C53}"/>
-                </a:ext>
-              </a:extLst>
-            </p:cNvPr>
-            <p:cNvCxnSpPr>
-              <a:cxnSpLocks/>
-              <a:stCxn id="9" idx="0"/>
-              <a:endCxn id="6" idx="4"/>
-            </p:cNvCxnSpPr>
-            <p:nvPr/>
-          </p:nvCxnSpPr>
-          <p:spPr>
-            <a:xfrm flipH="1" flipV="1">
-              <a:off x="3493458" y="3610374"/>
-              <a:ext cx="1933646" cy="1475976"/>
-            </a:xfrm>
-            <a:prstGeom prst="straightConnector1">
-              <a:avLst/>
-            </a:prstGeom>
-            <a:ln>
-              <a:solidFill>
-                <a:schemeClr val="accent1"/>
-              </a:solidFill>
-              <a:tailEnd type="triangle"/>
-            </a:ln>
-          </p:spPr>
-          <p:style>
-            <a:lnRef idx="1">
-              <a:schemeClr val="accent1"/>
-            </a:lnRef>
-            <a:fillRef idx="0">
-              <a:schemeClr val="accent1"/>
-            </a:fillRef>
-            <a:effectRef idx="0">
-              <a:schemeClr val="accent1"/>
-            </a:effectRef>
-            <a:fontRef idx="minor">
-              <a:schemeClr val="tx1"/>
-            </a:fontRef>
-          </p:style>
-        </p:cxnSp>
-        <p:cxnSp>
-          <p:nvCxnSpPr>
-            <p:cNvPr id="11" name="直接箭头连接符 10">
-              <a:extLst>
-                <a:ext uri="{FF2B5EF4-FFF2-40B4-BE49-F238E27FC236}">
-                  <a16:creationId xmlns:a16="http://schemas.microsoft.com/office/drawing/2014/main" id="{8451C6D1-D4D1-8D56-CA58-18A4EA160A19}"/>
-                </a:ext>
-              </a:extLst>
-            </p:cNvPr>
-            <p:cNvCxnSpPr>
-              <a:cxnSpLocks/>
-              <a:stCxn id="7" idx="0"/>
-              <a:endCxn id="5" idx="5"/>
-            </p:cNvCxnSpPr>
-            <p:nvPr/>
-          </p:nvCxnSpPr>
-          <p:spPr>
-            <a:xfrm flipH="1" flipV="1">
-              <a:off x="6060047" y="2162571"/>
-              <a:ext cx="3540301" cy="942580"/>
-            </a:xfrm>
-            <a:prstGeom prst="straightConnector1">
-              <a:avLst/>
-            </a:prstGeom>
-            <a:ln>
-              <a:solidFill>
-                <a:schemeClr val="accent1"/>
-              </a:solidFill>
-              <a:tailEnd type="triangle"/>
-            </a:ln>
-          </p:spPr>
-          <p:style>
-            <a:lnRef idx="1">
-              <a:schemeClr val="accent1"/>
-            </a:lnRef>
-            <a:fillRef idx="0">
-              <a:schemeClr val="accent1"/>
-            </a:fillRef>
-            <a:effectRef idx="0">
-              <a:schemeClr val="accent1"/>
-            </a:effectRef>
-            <a:fontRef idx="minor">
-              <a:schemeClr val="tx1"/>
-            </a:fontRef>
-          </p:style>
-        </p:cxnSp>
-        <p:cxnSp>
-          <p:nvCxnSpPr>
-            <p:cNvPr id="12" name="直接箭头连接符 11">
-              <a:extLst>
-                <a:ext uri="{FF2B5EF4-FFF2-40B4-BE49-F238E27FC236}">
-                  <a16:creationId xmlns:a16="http://schemas.microsoft.com/office/drawing/2014/main" id="{61E77652-84F3-E8B3-B524-E1A517B56DC9}"/>
-                </a:ext>
-              </a:extLst>
-            </p:cNvPr>
-            <p:cNvCxnSpPr>
-              <a:cxnSpLocks/>
-              <a:stCxn id="9" idx="0"/>
-              <a:endCxn id="7" idx="4"/>
-            </p:cNvCxnSpPr>
-            <p:nvPr/>
-          </p:nvCxnSpPr>
-          <p:spPr>
-            <a:xfrm flipV="1">
-              <a:off x="5427103" y="3752851"/>
-              <a:ext cx="4173245" cy="1333500"/>
-            </a:xfrm>
-            <a:prstGeom prst="straightConnector1">
-              <a:avLst/>
-            </a:prstGeom>
-            <a:ln>
-              <a:solidFill>
-                <a:schemeClr val="accent1"/>
-              </a:solidFill>
-              <a:tailEnd type="triangle"/>
-            </a:ln>
-          </p:spPr>
-          <p:style>
-            <a:lnRef idx="1">
-              <a:schemeClr val="accent1"/>
-            </a:lnRef>
-            <a:fillRef idx="0">
-              <a:schemeClr val="accent1"/>
-            </a:fillRef>
-            <a:effectRef idx="0">
-              <a:schemeClr val="accent1"/>
-            </a:effectRef>
-            <a:fontRef idx="minor">
-              <a:schemeClr val="tx1"/>
-            </a:fontRef>
-          </p:style>
-        </p:cxnSp>
-      </p:grpSp>
-      <p:sp>
-        <p:nvSpPr>
-          <p:cNvPr id="13" name="椭圆 12">
-            <a:extLst>
-              <a:ext uri="{FF2B5EF4-FFF2-40B4-BE49-F238E27FC236}">
-                <a16:creationId xmlns:a16="http://schemas.microsoft.com/office/drawing/2014/main" id="{6EC76F0C-F8F9-B524-8A32-CE2A13B98419}"/>
-              </a:ext>
-            </a:extLst>
-          </p:cNvPr>
-          <p:cNvSpPr/>
-          <p:nvPr/>
-        </p:nvSpPr>
-        <p:spPr>
-          <a:xfrm>
-            <a:off x="3160985" y="2371201"/>
-            <a:ext cx="1907648" cy="440076"/>
-          </a:xfrm>
-          <a:prstGeom prst="ellipse">
-            <a:avLst/>
-          </a:prstGeom>
-          <a:ln>
-            <a:solidFill>
-              <a:schemeClr val="accent1"/>
-            </a:solidFill>
-          </a:ln>
-        </p:spPr>
-        <p:style>
-          <a:lnRef idx="2">
-            <a:schemeClr val="accent1">
-              <a:shade val="50000"/>
-            </a:schemeClr>
-          </a:lnRef>
-          <a:fillRef idx="1">
-            <a:schemeClr val="accent1"/>
-          </a:fillRef>
-          <a:effectRef idx="0">
-            <a:schemeClr val="accent1"/>
-          </a:effectRef>
-          <a:fontRef idx="minor">
-            <a:schemeClr val="lt1"/>
-          </a:fontRef>
-        </p:style>
-        <p:txBody>
-          <a:bodyPr rtlCol="0" anchor="ctr"/>
-          <a:lstStyle/>
-          <a:p>
-            <a:pPr algn="ctr"/>
-            <a:r>
-              <a:rPr lang="en-US" altLang="zh-CN" sz="1400" dirty="0"/>
-              <a:t>Enumerable</a:t>
-            </a:r>
-          </a:p>
-          <a:p>
-            <a:pPr algn="ctr"/>
-            <a:r>
-              <a:rPr lang="en-US" sz="1400" baseline="-25000" dirty="0"/>
-              <a:t>+</a:t>
-            </a:r>
-          </a:p>
-        </p:txBody>
-      </p:sp>
-      <p:cxnSp>
-        <p:nvCxnSpPr>
-          <p:cNvPr id="18" name="直接箭头连接符 17">
-            <a:extLst>
-              <a:ext uri="{FF2B5EF4-FFF2-40B4-BE49-F238E27FC236}">
-                <a16:creationId xmlns:a16="http://schemas.microsoft.com/office/drawing/2014/main" id="{A764E76E-28C4-1DCA-85E2-AF53C1297278}"/>
-              </a:ext>
-            </a:extLst>
-          </p:cNvPr>
-          <p:cNvCxnSpPr>
-            <a:cxnSpLocks/>
-            <a:stCxn id="13" idx="0"/>
-            <a:endCxn id="5" idx="4"/>
-          </p:cNvCxnSpPr>
-          <p:nvPr/>
-        </p:nvCxnSpPr>
-        <p:spPr>
-          <a:xfrm flipH="1" flipV="1">
-            <a:off x="3329130" y="1859666"/>
-            <a:ext cx="785679" cy="511535"/>
-          </a:xfrm>
-          <a:prstGeom prst="straightConnector1">
-            <a:avLst/>
-          </a:prstGeom>
-          <a:ln>
-            <a:solidFill>
-              <a:schemeClr val="accent1"/>
-            </a:solidFill>
-            <a:tailEnd type="triangle"/>
-          </a:ln>
-        </p:spPr>
-        <p:style>
-          <a:lnRef idx="1">
-            <a:schemeClr val="accent1"/>
-          </a:lnRef>
-          <a:fillRef idx="0">
-            <a:schemeClr val="accent1"/>
-          </a:fillRef>
-          <a:effectRef idx="0">
-            <a:schemeClr val="accent1"/>
-          </a:effectRef>
-          <a:fontRef idx="minor">
-            <a:schemeClr val="tx1"/>
-          </a:fontRef>
-        </p:style>
-      </p:cxnSp>
-      <p:cxnSp>
-        <p:nvCxnSpPr>
-          <p:cNvPr id="21" name="直接箭头连接符 20">
-            <a:extLst>
-              <a:ext uri="{FF2B5EF4-FFF2-40B4-BE49-F238E27FC236}">
-                <a16:creationId xmlns:a16="http://schemas.microsoft.com/office/drawing/2014/main" id="{6EDC7566-6167-1319-AD5E-363714159F3D}"/>
-              </a:ext>
-            </a:extLst>
-          </p:cNvPr>
-          <p:cNvCxnSpPr>
-            <a:cxnSpLocks/>
-            <a:stCxn id="9" idx="0"/>
-            <a:endCxn id="13" idx="4"/>
-          </p:cNvCxnSpPr>
-          <p:nvPr/>
-        </p:nvCxnSpPr>
-        <p:spPr>
-          <a:xfrm flipV="1">
-            <a:off x="3298597" y="2811277"/>
-            <a:ext cx="816212" cy="970487"/>
-          </a:xfrm>
-          <a:prstGeom prst="straightConnector1">
-            <a:avLst/>
-          </a:prstGeom>
-          <a:ln>
-            <a:solidFill>
-              <a:schemeClr val="accent1"/>
-            </a:solidFill>
-            <a:tailEnd type="triangle"/>
-          </a:ln>
-        </p:spPr>
-        <p:style>
-          <a:lnRef idx="1">
-            <a:schemeClr val="accent1"/>
-          </a:lnRef>
-          <a:fillRef idx="0">
-            <a:schemeClr val="accent1"/>
-          </a:fillRef>
-          <a:effectRef idx="0">
-            <a:schemeClr val="accent1"/>
-          </a:effectRef>
-          <a:fontRef idx="minor">
-            <a:schemeClr val="tx1"/>
-          </a:fontRef>
-        </p:style>
-      </p:cxnSp>
-    </p:spTree>
-    <p:custDataLst>
-      <p:tags r:id="rId1"/>
-    </p:custDataLst>
-    <p:extLst>
-      <p:ext uri="{BB962C8B-B14F-4D97-AF65-F5344CB8AC3E}">
-        <p14:creationId xmlns:p14="http://schemas.microsoft.com/office/powerpoint/2010/main" val="2051351245"/>
-      </p:ext>
-    </p:extLst>
-  </p:cSld>
-  <p:clrMapOvr>
-    <a:masterClrMapping/>
-  </p:clrMapOvr>
-  <mc:AlternateContent xmlns:mc="http://schemas.openxmlformats.org/markup-compatibility/2006" xmlns:p14="http://schemas.microsoft.com/office/powerpoint/2010/main">
-    <mc:Choice Requires="p14">
-      <p:transition spd="slow" p14:dur="2000" advTm="146497"/>
-    </mc:Choice>
-    <mc:Fallback xmlns="">
-      <p:transition spd="slow" advTm="146497"/>
-    </mc:Fallback>
-  </mc:AlternateContent>
-</p:sld>
-</file>
-
-<file path=ppt/slides/slide4.xml><?xml version="1.0" encoding="utf-8"?>
-<p:sld xmlns:a="http://schemas.openxmlformats.org/drawingml/2006/main" xmlns:r="http://schemas.openxmlformats.org/officeDocument/2006/relationships" xmlns:p="http://schemas.openxmlformats.org/presentationml/2006/main">
-  <p:cSld>
-    <p:spTree>
-      <p:nvGrpSpPr>
-        <p:cNvPr id="1" name=""/>
-        <p:cNvGrpSpPr/>
-        <p:nvPr/>
-      </p:nvGrpSpPr>
-      <p:grpSpPr>
-        <a:xfrm>
-          <a:off x="0" y="0"/>
-          <a:ext cx="0" cy="0"/>
-          <a:chOff x="0" y="0"/>
-          <a:chExt cx="0" cy="0"/>
-        </a:xfrm>
-      </p:grpSpPr>
-      <p:sp>
-        <p:nvSpPr>
-          <p:cNvPr id="2" name="矩形"/>
-          <p:cNvSpPr/>
-          <p:nvPr/>
-        </p:nvSpPr>
-        <p:spPr>
-          <a:xfrm>
-            <a:off x="2645104" y="431711"/>
-            <a:ext cx="3854325" cy="553998"/>
-          </a:xfrm>
-          <a:prstGeom prst="rect">
-            <a:avLst/>
-          </a:prstGeom>
-          <a:noFill/>
-          <a:ln w="9525" cap="flat" cmpd="sng">
-            <a:noFill/>
-            <a:prstDash val="solid"/>
-            <a:miter/>
-          </a:ln>
-        </p:spPr>
-        <p:txBody>
-          <a:bodyPr vert="horz" wrap="none" lIns="91440" tIns="45720" rIns="91440" bIns="45720" anchor="t" anchorCtr="0">
-            <a:spAutoFit/>
-          </a:bodyPr>
-          <a:lstStyle/>
-          <a:p>
-            <a:pPr marL="0" indent="0" algn="ctr">
-              <a:lnSpc>
-                <a:spcPct val="100000"/>
-              </a:lnSpc>
-              <a:spcBef>
-                <a:spcPts val="0"/>
-              </a:spcBef>
-              <a:spcAft>
-                <a:spcPts val="0"/>
-              </a:spcAft>
-              <a:buNone/>
-            </a:pPr>
-            <a:r>
-              <a:rPr lang="en-US" altLang="zh-CN" sz="3000" b="1" u="none" strike="noStrike" kern="100" cap="none" spc="0" baseline="0" dirty="0">
-                <a:solidFill>
-                  <a:srgbClr val="C9394A"/>
-                </a:solidFill>
-                <a:latin typeface="微软雅黑" panose="020B0503020204020204" charset="-122"/>
-                <a:ea typeface="微软雅黑" panose="020B0503020204020204" charset="-122"/>
-                <a:cs typeface="Times New Roman" panose="02020603050405020304" charset="0"/>
-              </a:rPr>
-              <a:t>Market Place</a:t>
-            </a:r>
-            <a:r>
-              <a:rPr lang="zh-CN" altLang="en-US" sz="3000" b="1" u="none" strike="noStrike" kern="100" cap="none" spc="0" baseline="0" dirty="0">
-                <a:solidFill>
-                  <a:srgbClr val="C9394A"/>
-                </a:solidFill>
-                <a:latin typeface="微软雅黑" panose="020B0503020204020204" charset="-122"/>
-                <a:ea typeface="微软雅黑" panose="020B0503020204020204" charset="-122"/>
-                <a:cs typeface="Times New Roman" panose="02020603050405020304" charset="0"/>
-              </a:rPr>
-              <a:t>的支持</a:t>
-            </a:r>
-            <a:endParaRPr lang="en-US" altLang="zh-CN" sz="3000" b="1" u="none" strike="noStrike" kern="100" cap="none" spc="0" baseline="0" dirty="0">
-              <a:solidFill>
-                <a:srgbClr val="C9394A"/>
-              </a:solidFill>
-              <a:latin typeface="微软雅黑" panose="020B0503020204020204" charset="-122"/>
-              <a:ea typeface="微软雅黑" panose="020B0503020204020204" charset="-122"/>
-              <a:cs typeface="Times New Roman" panose="02020603050405020304" charset="0"/>
-            </a:endParaRPr>
-          </a:p>
-        </p:txBody>
-      </p:sp>
-      <p:sp>
-        <p:nvSpPr>
-          <p:cNvPr id="4" name="矩形">
-            <a:extLst>
-              <a:ext uri="{FF2B5EF4-FFF2-40B4-BE49-F238E27FC236}">
-                <a16:creationId xmlns:a16="http://schemas.microsoft.com/office/drawing/2014/main" id="{90DC9CA4-096E-37D8-D0CC-6AFE1CBE8ECE}"/>
-              </a:ext>
-            </a:extLst>
-          </p:cNvPr>
-          <p:cNvSpPr/>
-          <p:nvPr/>
-        </p:nvSpPr>
-        <p:spPr>
-          <a:xfrm>
-            <a:off x="3479729" y="1203560"/>
-            <a:ext cx="3034650" cy="2520349"/>
-          </a:xfrm>
-          <a:prstGeom prst="rect">
-            <a:avLst/>
-          </a:prstGeom>
-          <a:noFill/>
-          <a:ln w="9525" cap="flat" cmpd="sng">
-            <a:noFill/>
-            <a:prstDash val="solid"/>
-            <a:miter/>
-          </a:ln>
-        </p:spPr>
-        <p:txBody>
-          <a:bodyPr vert="horz" wrap="square" lIns="91440" tIns="45720" rIns="91440" bIns="45720" anchor="ctr" anchorCtr="0"/>
-          <a:lstStyle/>
-          <a:p>
-            <a:pPr marL="609600" indent="-342900" algn="just">
-              <a:lnSpc>
-                <a:spcPct val="200000"/>
-              </a:lnSpc>
-              <a:buClr>
-                <a:srgbClr val="C00000"/>
-              </a:buClr>
-              <a:buFont typeface="Wingdings" panose="05000000000000000000" charset="0"/>
-              <a:buChar char="u"/>
-            </a:pPr>
-            <a:r>
-              <a:rPr lang="en-US" altLang="zh-CN" dirty="0" err="1"/>
-              <a:t>OpenSea</a:t>
-            </a:r>
-            <a:endParaRPr lang="en-US" altLang="zh-CN" dirty="0"/>
-          </a:p>
-          <a:p>
-            <a:pPr marL="609600" indent="-342900" algn="just">
-              <a:lnSpc>
-                <a:spcPct val="200000"/>
-              </a:lnSpc>
-              <a:buClr>
-                <a:srgbClr val="C00000"/>
-              </a:buClr>
-              <a:buFont typeface="Wingdings" panose="05000000000000000000" charset="0"/>
-              <a:buChar char="u"/>
-            </a:pPr>
-            <a:r>
-              <a:rPr lang="en-US" dirty="0" err="1"/>
-              <a:t>Rarible</a:t>
-            </a:r>
-            <a:endParaRPr lang="en-US" dirty="0"/>
-          </a:p>
-          <a:p>
-            <a:pPr marL="609600" indent="-342900" algn="just">
-              <a:lnSpc>
-                <a:spcPct val="200000"/>
-              </a:lnSpc>
-              <a:buClr>
-                <a:srgbClr val="C00000"/>
-              </a:buClr>
-              <a:buFont typeface="Wingdings" panose="05000000000000000000" charset="0"/>
-              <a:buChar char="u"/>
-            </a:pPr>
-            <a:r>
-              <a:rPr lang="en-US" altLang="zh-CN" sz="1600" kern="100" dirty="0" err="1">
-                <a:latin typeface="微软雅黑" panose="020B0503020204020204" charset="-122"/>
-                <a:ea typeface="微软雅黑" panose="020B0503020204020204" charset="-122"/>
-              </a:rPr>
-              <a:t>Mintable</a:t>
-            </a:r>
-            <a:endParaRPr lang="zh-CN" altLang="en-US" sz="1600" kern="100" dirty="0">
-              <a:latin typeface="微软雅黑" panose="020B0503020204020204" charset="-122"/>
-              <a:ea typeface="微软雅黑" panose="020B0503020204020204" charset="-122"/>
-            </a:endParaRPr>
-          </a:p>
-        </p:txBody>
-      </p:sp>
-    </p:spTree>
-    <p:custDataLst>
-      <p:tags r:id="rId1"/>
-    </p:custDataLst>
-    <p:extLst>
-      <p:ext uri="{BB962C8B-B14F-4D97-AF65-F5344CB8AC3E}">
-        <p14:creationId xmlns:p14="http://schemas.microsoft.com/office/powerpoint/2010/main" val="4221191352"/>
-      </p:ext>
-    </p:extLst>
-  </p:cSld>
-  <p:clrMapOvr>
-    <a:masterClrMapping/>
-  </p:clrMapOvr>
-  <mc:AlternateContent xmlns:mc="http://schemas.openxmlformats.org/markup-compatibility/2006" xmlns:p14="http://schemas.microsoft.com/office/powerpoint/2010/main">
-    <mc:Choice Requires="p14">
-      <p:transition spd="slow" p14:dur="2000" advTm="146497"/>
-    </mc:Choice>
-    <mc:Fallback xmlns="">
-      <p:transition spd="slow" advTm="146497"/>
-    </mc:Fallback>
-  </mc:AlternateContent>
-  <p:timing>
-    <p:tnLst>
-      <p:par>
-        <p:cTn id="1" dur="indefinite" restart="never" nodeType="tmRoot">
-          <p:childTnLst>
-            <p:seq concurrent="1" nextAc="seek">
-              <p:cTn id="2" dur="indefinite" nodeType="mainSeq">
-                <p:childTnLst>
                   <p:par>
-                    <p:cTn id="3" fill="hold">
+                    <p:cTn id="9" fill="hold">
                       <p:stCondLst>
                         <p:cond delay="indefinite"/>
                       </p:stCondLst>
                       <p:childTnLst>
                         <p:par>
-                          <p:cTn id="4" fill="hold">
+                          <p:cTn id="10" fill="hold">
                             <p:stCondLst>
                               <p:cond delay="0"/>
                             </p:stCondLst>
                             <p:childTnLst>
                               <p:par>
-                                <p:cTn id="5" presetID="2" presetClass="entr" presetSubtype="4" fill="hold" grpId="0" nodeType="clickEffect">
+                                <p:cTn id="11" presetID="2" presetClass="entr" presetSubtype="4" fill="hold" grpId="0" nodeType="clickEffect">
                                   <p:stCondLst>
                                     <p:cond delay="0"/>
                                   </p:stCondLst>
                                   <p:childTnLst>
                                     <p:set>
                                       <p:cBhvr>
-                                        <p:cTn id="6" dur="1" fill="hold">
+                                        <p:cTn id="12" dur="1" fill="hold">
                                           <p:stCondLst>
                                             <p:cond delay="0"/>
                                           </p:stCondLst>
                                         </p:cTn>
                                         <p:tgtEl>
-                                          <p:spTgt spid="4"/>
+                                          <p:spTgt spid="3"/>
                                         </p:tgtEl>
                                         <p:attrNameLst>
                                           <p:attrName>style.visibility</p:attrName>
@@ -16541,9 +16153,9 @@
                                     </p:set>
                                     <p:anim calcmode="lin" valueType="num">
                                       <p:cBhvr additive="base">
-                                        <p:cTn id="7" dur="500" fill="hold"/>
+                                        <p:cTn id="13" dur="500" fill="hold"/>
                                         <p:tgtEl>
-                                          <p:spTgt spid="4"/>
+                                          <p:spTgt spid="3"/>
                                         </p:tgtEl>
                                         <p:attrNameLst>
                                           <p:attrName>ppt_x</p:attrName>
@@ -16564,9 +16176,9 @@
                                     </p:anim>
                                     <p:anim calcmode="lin" valueType="num">
                                       <p:cBhvr additive="base">
-                                        <p:cTn id="8" dur="500" fill="hold"/>
+                                        <p:cTn id="14" dur="500" fill="hold"/>
                                         <p:tgtEl>
-                                          <p:spTgt spid="4"/>
+                                          <p:spTgt spid="3"/>
                                         </p:tgtEl>
                                         <p:attrNameLst>
                                           <p:attrName>ppt_y</p:attrName>
@@ -16616,13 +16228,14 @@
       </p:par>
     </p:tnLst>
     <p:bldLst>
-      <p:bldP spid="4" grpId="0"/>
+      <p:bldP spid="4" grpId="0" animBg="1"/>
+      <p:bldP spid="3" grpId="0" animBg="1"/>
     </p:bldLst>
   </p:timing>
 </p:sld>
 </file>
 
-<file path=ppt/slides/slide5.xml><?xml version="1.0" encoding="utf-8"?>
+<file path=ppt/slides/slide11.xml><?xml version="1.0" encoding="utf-8"?>
 <p:sld xmlns:a="http://schemas.openxmlformats.org/drawingml/2006/main" xmlns:r="http://schemas.openxmlformats.org/officeDocument/2006/relationships" xmlns:p="http://schemas.openxmlformats.org/presentationml/2006/main">
   <p:cSld>
     <p:spTree>
@@ -16753,15 +16366,22 @@
               <a:t>-</a:t>
             </a:r>
             <a:r>
-              <a:rPr lang="zh-CN" altLang="en-US" dirty="0">
+              <a:rPr lang="en-US" altLang="zh-CN" dirty="0" err="1">
                 <a:solidFill>
                   <a:schemeClr val="bg1"/>
                 </a:solidFill>
                 <a:latin typeface="微软雅黑" panose="020B0503020204020204" charset="-122"/>
                 <a:ea typeface="微软雅黑" panose="020B0503020204020204" charset="-122"/>
               </a:rPr>
-              <a:t>平台收费与治理</a:t>
-            </a:r>
+              <a:t>CreatorCoin</a:t>
+            </a:r>
+            <a:endParaRPr lang="zh-CN" altLang="en-US" dirty="0">
+              <a:solidFill>
+                <a:schemeClr val="bg1"/>
+              </a:solidFill>
+              <a:latin typeface="微软雅黑" panose="020B0503020204020204" charset="-122"/>
+              <a:ea typeface="微软雅黑" panose="020B0503020204020204" charset="-122"/>
+            </a:endParaRPr>
           </a:p>
         </p:txBody>
       </p:sp>
@@ -19022,7 +18642,7 @@
                 <a:ea typeface="微软雅黑" panose="020B0503020204020204" charset="-122"/>
                 <a:cs typeface="微软雅黑" panose="020B0503020204020204" charset="-122"/>
               </a:rPr>
-              <a:t>治理</a:t>
+              <a:t>创作者</a:t>
             </a:r>
             <a:endParaRPr lang="zh-CN" altLang="en-US" sz="3000" b="1" u="none" strike="noStrike" kern="1200" cap="none" spc="0" baseline="0" dirty="0">
               <a:solidFill>
@@ -19038,20 +18658,20 @@
     </p:spTree>
     <p:extLst>
       <p:ext uri="{BB962C8B-B14F-4D97-AF65-F5344CB8AC3E}">
-        <p14:creationId xmlns:p14="http://schemas.microsoft.com/office/powerpoint/2010/main" val="19920753"/>
+        <p14:creationId xmlns:p14="http://schemas.microsoft.com/office/powerpoint/2010/main" val="413971569"/>
       </p:ext>
     </p:extLst>
   </p:cSld>
   <p:clrMapOvr>
     <a:masterClrMapping/>
   </p:clrMapOvr>
-  <mc:AlternateContent xmlns:mc="http://schemas.openxmlformats.org/markup-compatibility/2006">
-    <mc:Choice xmlns:p14="http://schemas.microsoft.com/office/powerpoint/2010/main" Requires="p14">
+  <mc:AlternateContent xmlns:mc="http://schemas.openxmlformats.org/markup-compatibility/2006" xmlns:p14="http://schemas.microsoft.com/office/powerpoint/2010/main">
+    <mc:Choice Requires="p14">
       <p:transition spd="slow" p14:dur="1200" advClick="0" advTm="0">
         <p14:prism/>
       </p:transition>
     </mc:Choice>
-    <mc:Fallback>
+    <mc:Fallback xmlns="">
       <p:transition spd="slow" advClick="0" advTm="0">
         <p:fade/>
       </p:transition>
@@ -19576,7 +19196,7 @@
 </p:sld>
 </file>
 
-<file path=ppt/slides/slide6.xml><?xml version="1.0" encoding="utf-8"?>
+<file path=ppt/slides/slide12.xml><?xml version="1.0" encoding="utf-8"?>
 <p:sld xmlns:a="http://schemas.openxmlformats.org/drawingml/2006/main" xmlns:r="http://schemas.openxmlformats.org/officeDocument/2006/relationships" xmlns:p="http://schemas.openxmlformats.org/presentationml/2006/main">
   <p:cSld>
     <p:spTree>
@@ -19601,8 +19221,8 @@
         </p:nvSpPr>
         <p:spPr>
           <a:xfrm>
-            <a:off x="3159511" y="431711"/>
-            <a:ext cx="2825517" cy="553998"/>
+            <a:off x="3518139" y="431711"/>
+            <a:ext cx="2108269" cy="553998"/>
           </a:xfrm>
           <a:prstGeom prst="rect">
             <a:avLst/>
@@ -19633,17 +19253,6 @@
               <a:buNone/>
             </a:pPr>
             <a:r>
-              <a:rPr lang="en-US" altLang="zh-CN" sz="3000" b="1" u="none" strike="noStrike" kern="100" cap="none" spc="0" baseline="0" dirty="0" err="1">
-                <a:solidFill>
-                  <a:srgbClr val="C9394A"/>
-                </a:solidFill>
-                <a:latin typeface="微软雅黑" panose="020B0503020204020204" charset="-122"/>
-                <a:ea typeface="微软雅黑" panose="020B0503020204020204" charset="-122"/>
-                <a:cs typeface="Times New Roman" panose="02020603050405020304" charset="0"/>
-              </a:rPr>
-              <a:t>ArtistNFT</a:t>
-            </a:r>
-            <a:r>
               <a:rPr lang="zh-CN" altLang="en-US" sz="3000" b="1" u="none" strike="noStrike" kern="100" cap="none" spc="0" baseline="0" dirty="0">
                 <a:solidFill>
                   <a:srgbClr val="C9394A"/>
@@ -19652,7 +19261,7 @@
                 <a:ea typeface="微软雅黑" panose="020B0503020204020204" charset="-122"/>
                 <a:cs typeface="Times New Roman" panose="02020603050405020304" charset="0"/>
               </a:rPr>
-              <a:t>收费</a:t>
+              <a:t>创作者社区</a:t>
             </a:r>
             <a:endParaRPr lang="en-US" altLang="zh-CN" sz="3000" b="1" u="none" strike="noStrike" kern="100" cap="none" spc="0" baseline="0" dirty="0">
               <a:solidFill>
@@ -19679,8 +19288,8 @@
         </p:nvSpPr>
         <p:spPr>
           <a:xfrm>
-            <a:off x="3479729" y="1203560"/>
-            <a:ext cx="3034650" cy="2520349"/>
+            <a:off x="2339690" y="1311575"/>
+            <a:ext cx="4109685" cy="2520349"/>
           </a:xfrm>
           <a:prstGeom prst="rect">
             <a:avLst/>
@@ -19707,10 +19316,13 @@
               <a:buChar char="u"/>
             </a:pPr>
             <a:r>
-              <a:rPr lang="en-US" altLang="zh-CN" dirty="0" err="1"/>
-              <a:t>OpenSea</a:t>
-            </a:r>
-            <a:endParaRPr lang="en-US" altLang="zh-CN" dirty="0"/>
+              <a:rPr lang="zh-CN" altLang="en-US" dirty="0"/>
+              <a:t>创作者社区：发行</a:t>
+            </a:r>
+            <a:r>
+              <a:rPr lang="en-US" altLang="zh-CN" dirty="0"/>
+              <a:t>Creator Coin</a:t>
+            </a:r>
           </a:p>
           <a:p>
             <a:pPr marL="609600" indent="-342900" algn="just">
@@ -19724,10 +19336,9 @@
               <a:buChar char="u"/>
             </a:pPr>
             <a:r>
-              <a:rPr lang="en-US" dirty="0" err="1"/>
-              <a:t>Rarible</a:t>
-            </a:r>
-            <a:endParaRPr lang="en-US" dirty="0"/>
+              <a:rPr lang="en-US" altLang="zh-CN" dirty="0"/>
+              <a:t>ERC1726</a:t>
+            </a:r>
           </a:p>
           <a:p>
             <a:pPr marL="609600" indent="-342900" algn="just">
@@ -19741,16 +19352,39 @@
               <a:buChar char="u"/>
             </a:pPr>
             <a:r>
-              <a:rPr lang="en-US" altLang="zh-CN" sz="1600" kern="100" dirty="0" err="1">
-                <a:latin typeface="微软雅黑" panose="020B0503020204020204" charset="-122"/>
-                <a:ea typeface="微软雅黑" panose="020B0503020204020204" charset="-122"/>
-              </a:rPr>
-              <a:t>Mintable</a:t>
-            </a:r>
-            <a:endParaRPr lang="zh-CN" altLang="en-US" sz="1600" kern="100" dirty="0">
-              <a:latin typeface="微软雅黑" panose="020B0503020204020204" charset="-122"/>
-              <a:ea typeface="微软雅黑" panose="020B0503020204020204" charset="-122"/>
-            </a:endParaRPr>
+              <a:rPr lang="en-US" altLang="zh-CN" dirty="0" err="1"/>
+              <a:t>ArtistCoin</a:t>
+            </a:r>
+            <a:r>
+              <a:rPr lang="zh-CN" altLang="en-US" dirty="0"/>
+              <a:t>合约的开发</a:t>
+            </a:r>
+            <a:endParaRPr lang="en-US" altLang="zh-CN" dirty="0"/>
+          </a:p>
+          <a:p>
+            <a:pPr marL="609600" indent="-342900" algn="just">
+              <a:lnSpc>
+                <a:spcPct val="200000"/>
+              </a:lnSpc>
+              <a:buClr>
+                <a:srgbClr val="C00000"/>
+              </a:buClr>
+              <a:buFont typeface="Wingdings" panose="05000000000000000000" charset="0"/>
+              <a:buChar char="u"/>
+            </a:pPr>
+            <a:r>
+              <a:rPr lang="en-US" altLang="zh-CN" dirty="0" err="1"/>
+              <a:t>Royality</a:t>
+            </a:r>
+            <a:r>
+              <a:rPr lang="zh-CN" altLang="en-US" dirty="0"/>
+              <a:t>与</a:t>
+            </a:r>
+            <a:r>
+              <a:rPr lang="en-US" altLang="zh-CN" dirty="0" err="1"/>
+              <a:t>ArtistCoin</a:t>
+            </a:r>
+            <a:endParaRPr lang="zh-CN" altLang="en-US" dirty="0"/>
           </a:p>
         </p:txBody>
       </p:sp>
@@ -19760,7 +19394,350 @@
     </p:custDataLst>
     <p:extLst>
       <p:ext uri="{BB962C8B-B14F-4D97-AF65-F5344CB8AC3E}">
-        <p14:creationId xmlns:p14="http://schemas.microsoft.com/office/powerpoint/2010/main" val="3503100881"/>
+        <p14:creationId xmlns:p14="http://schemas.microsoft.com/office/powerpoint/2010/main" val="531320434"/>
+      </p:ext>
+    </p:extLst>
+  </p:cSld>
+  <p:clrMapOvr>
+    <a:masterClrMapping/>
+  </p:clrMapOvr>
+  <mc:AlternateContent xmlns:mc="http://schemas.openxmlformats.org/markup-compatibility/2006" xmlns:p14="http://schemas.microsoft.com/office/powerpoint/2010/main">
+    <mc:Choice Requires="p14">
+      <p:transition spd="slow" p14:dur="2000" advTm="146497"/>
+    </mc:Choice>
+    <mc:Fallback xmlns="">
+      <p:transition spd="slow" advTm="146497"/>
+    </mc:Fallback>
+  </mc:AlternateContent>
+  <p:timing>
+    <p:tnLst>
+      <p:par>
+        <p:cTn id="1" dur="indefinite" restart="never" nodeType="tmRoot">
+          <p:childTnLst>
+            <p:seq concurrent="1" nextAc="seek">
+              <p:cTn id="2" dur="indefinite" nodeType="mainSeq">
+                <p:childTnLst>
+                  <p:par>
+                    <p:cTn id="3" fill="hold">
+                      <p:stCondLst>
+                        <p:cond delay="indefinite"/>
+                      </p:stCondLst>
+                      <p:childTnLst>
+                        <p:par>
+                          <p:cTn id="4" fill="hold">
+                            <p:stCondLst>
+                              <p:cond delay="0"/>
+                            </p:stCondLst>
+                            <p:childTnLst>
+                              <p:par>
+                                <p:cTn id="5" presetID="2" presetClass="entr" presetSubtype="4" fill="hold" grpId="0" nodeType="clickEffect">
+                                  <p:stCondLst>
+                                    <p:cond delay="0"/>
+                                  </p:stCondLst>
+                                  <p:childTnLst>
+                                    <p:set>
+                                      <p:cBhvr>
+                                        <p:cTn id="6" dur="1" fill="hold">
+                                          <p:stCondLst>
+                                            <p:cond delay="0"/>
+                                          </p:stCondLst>
+                                        </p:cTn>
+                                        <p:tgtEl>
+                                          <p:spTgt spid="4"/>
+                                        </p:tgtEl>
+                                        <p:attrNameLst>
+                                          <p:attrName>style.visibility</p:attrName>
+                                        </p:attrNameLst>
+                                      </p:cBhvr>
+                                      <p:to>
+                                        <p:strVal val="visible"/>
+                                      </p:to>
+                                    </p:set>
+                                    <p:anim calcmode="lin" valueType="num">
+                                      <p:cBhvr additive="base">
+                                        <p:cTn id="7" dur="500" fill="hold"/>
+                                        <p:tgtEl>
+                                          <p:spTgt spid="4"/>
+                                        </p:tgtEl>
+                                        <p:attrNameLst>
+                                          <p:attrName>ppt_x</p:attrName>
+                                        </p:attrNameLst>
+                                      </p:cBhvr>
+                                      <p:tavLst>
+                                        <p:tav tm="0">
+                                          <p:val>
+                                            <p:strVal val="#ppt_x"/>
+                                          </p:val>
+                                        </p:tav>
+                                        <p:tav tm="100000">
+                                          <p:val>
+                                            <p:strVal val="#ppt_x"/>
+                                          </p:val>
+                                        </p:tav>
+                                      </p:tavLst>
+                                    </p:anim>
+                                    <p:anim calcmode="lin" valueType="num">
+                                      <p:cBhvr additive="base">
+                                        <p:cTn id="8" dur="500" fill="hold"/>
+                                        <p:tgtEl>
+                                          <p:spTgt spid="4"/>
+                                        </p:tgtEl>
+                                        <p:attrNameLst>
+                                          <p:attrName>ppt_y</p:attrName>
+                                        </p:attrNameLst>
+                                      </p:cBhvr>
+                                      <p:tavLst>
+                                        <p:tav tm="0">
+                                          <p:val>
+                                            <p:strVal val="1+#ppt_h/2"/>
+                                          </p:val>
+                                        </p:tav>
+                                        <p:tav tm="100000">
+                                          <p:val>
+                                            <p:strVal val="#ppt_y"/>
+                                          </p:val>
+                                        </p:tav>
+                                      </p:tavLst>
+                                    </p:anim>
+                                  </p:childTnLst>
+                                </p:cTn>
+                              </p:par>
+                            </p:childTnLst>
+                          </p:cTn>
+                        </p:par>
+                      </p:childTnLst>
+                    </p:cTn>
+                  </p:par>
+                </p:childTnLst>
+              </p:cTn>
+              <p:prevCondLst>
+                <p:cond evt="onPrev" delay="0">
+                  <p:tgtEl>
+                    <p:sldTgt/>
+                  </p:tgtEl>
+                </p:cond>
+              </p:prevCondLst>
+              <p:nextCondLst>
+                <p:cond evt="onNext" delay="0">
+                  <p:tgtEl>
+                    <p:sldTgt/>
+                  </p:tgtEl>
+                </p:cond>
+              </p:nextCondLst>
+            </p:seq>
+          </p:childTnLst>
+        </p:cTn>
+      </p:par>
+    </p:tnLst>
+    <p:bldLst>
+      <p:bldP spid="4" grpId="0"/>
+    </p:bldLst>
+  </p:timing>
+</p:sld>
+</file>
+
+<file path=ppt/slides/slide13.xml><?xml version="1.0" encoding="utf-8"?>
+<p:sld xmlns:a="http://schemas.openxmlformats.org/drawingml/2006/main" xmlns:r="http://schemas.openxmlformats.org/officeDocument/2006/relationships" xmlns:p="http://schemas.openxmlformats.org/presentationml/2006/main">
+  <p:cSld>
+    <p:spTree>
+      <p:nvGrpSpPr>
+        <p:cNvPr id="1" name=""/>
+        <p:cNvGrpSpPr/>
+        <p:nvPr/>
+      </p:nvGrpSpPr>
+      <p:grpSpPr>
+        <a:xfrm>
+          <a:off x="0" y="0"/>
+          <a:ext cx="0" cy="0"/>
+          <a:chOff x="0" y="0"/>
+          <a:chExt cx="0" cy="0"/>
+        </a:xfrm>
+      </p:grpSpPr>
+      <p:sp>
+        <p:nvSpPr>
+          <p:cNvPr id="2" name="矩形"/>
+          <p:cNvSpPr/>
+          <p:nvPr/>
+        </p:nvSpPr>
+        <p:spPr>
+          <a:xfrm>
+            <a:off x="3518143" y="431711"/>
+            <a:ext cx="2108269" cy="553998"/>
+          </a:xfrm>
+          <a:prstGeom prst="rect">
+            <a:avLst/>
+          </a:prstGeom>
+          <a:noFill/>
+          <a:ln w="9525" cap="flat" cmpd="sng">
+            <a:noFill/>
+            <a:prstDash val="solid"/>
+            <a:miter/>
+          </a:ln>
+        </p:spPr>
+        <p:txBody>
+          <a:bodyPr vert="horz" wrap="none" lIns="91440" tIns="45720" rIns="91440" bIns="45720" anchor="t" anchorCtr="0">
+            <a:spAutoFit/>
+          </a:bodyPr>
+          <a:lstStyle/>
+          <a:p>
+            <a:pPr marL="0" indent="0" algn="ctr">
+              <a:lnSpc>
+                <a:spcPct val="100000"/>
+              </a:lnSpc>
+              <a:spcBef>
+                <a:spcPts val="0"/>
+              </a:spcBef>
+              <a:spcAft>
+                <a:spcPts val="0"/>
+              </a:spcAft>
+              <a:buNone/>
+            </a:pPr>
+            <a:r>
+              <a:rPr lang="zh-CN" altLang="en-US" sz="3000" b="1" kern="100" dirty="0">
+                <a:solidFill>
+                  <a:srgbClr val="C9394A"/>
+                </a:solidFill>
+                <a:latin typeface="微软雅黑" panose="020B0503020204020204" charset="-122"/>
+                <a:ea typeface="微软雅黑" panose="020B0503020204020204" charset="-122"/>
+              </a:rPr>
+              <a:t>分红记账法</a:t>
+            </a:r>
+            <a:endParaRPr lang="en-US" altLang="zh-CN" sz="3000" b="1" u="none" strike="noStrike" kern="100" cap="none" spc="0" baseline="0" dirty="0">
+              <a:solidFill>
+                <a:srgbClr val="C9394A"/>
+              </a:solidFill>
+              <a:latin typeface="微软雅黑" panose="020B0503020204020204" charset="-122"/>
+              <a:ea typeface="微软雅黑" panose="020B0503020204020204" charset="-122"/>
+              <a:cs typeface="Times New Roman" panose="02020603050405020304" charset="0"/>
+            </a:endParaRPr>
+          </a:p>
+        </p:txBody>
+      </p:sp>
+      <p:sp>
+        <p:nvSpPr>
+          <p:cNvPr id="4" name="矩形">
+            <a:extLst>
+              <a:ext uri="{FF2B5EF4-FFF2-40B4-BE49-F238E27FC236}">
+                <a16:creationId xmlns:a16="http://schemas.microsoft.com/office/drawing/2014/main" id="{90DC9CA4-096E-37D8-D0CC-6AFE1CBE8ECE}"/>
+              </a:ext>
+            </a:extLst>
+          </p:cNvPr>
+          <p:cNvSpPr/>
+          <p:nvPr/>
+        </p:nvSpPr>
+        <p:spPr>
+          <a:xfrm>
+            <a:off x="971500" y="1311575"/>
+            <a:ext cx="6768940" cy="2520349"/>
+          </a:xfrm>
+          <a:prstGeom prst="rect">
+            <a:avLst/>
+          </a:prstGeom>
+          <a:noFill/>
+          <a:ln w="9525" cap="flat" cmpd="sng">
+            <a:noFill/>
+            <a:prstDash val="solid"/>
+            <a:miter/>
+          </a:ln>
+        </p:spPr>
+        <p:txBody>
+          <a:bodyPr vert="horz" wrap="square" lIns="91440" tIns="45720" rIns="91440" bIns="45720" anchor="ctr" anchorCtr="0"/>
+          <a:lstStyle/>
+          <a:p>
+            <a:pPr marL="609600" indent="-342900" algn="just">
+              <a:lnSpc>
+                <a:spcPct val="200000"/>
+              </a:lnSpc>
+              <a:buClr>
+                <a:srgbClr val="C00000"/>
+              </a:buClr>
+              <a:buFont typeface="+mj-lt"/>
+              <a:buAutoNum type="arabicPeriod"/>
+            </a:pPr>
+            <a:r>
+              <a:rPr lang="zh-CN" altLang="en-US" dirty="0"/>
+              <a:t>记录每个</a:t>
+            </a:r>
+            <a:r>
+              <a:rPr lang="en-US" altLang="zh-CN"/>
+              <a:t>token</a:t>
+            </a:r>
+            <a:r>
+              <a:rPr lang="zh-CN" altLang="en-US"/>
+              <a:t>单位</a:t>
+            </a:r>
+            <a:r>
+              <a:rPr lang="zh-CN" altLang="en-US" dirty="0"/>
+              <a:t>历次分红累计所得</a:t>
+            </a:r>
+            <a:endParaRPr lang="en-US" altLang="zh-CN" dirty="0"/>
+          </a:p>
+          <a:p>
+            <a:pPr marL="609600" indent="-342900" algn="just">
+              <a:lnSpc>
+                <a:spcPct val="200000"/>
+              </a:lnSpc>
+              <a:buClr>
+                <a:srgbClr val="C00000"/>
+              </a:buClr>
+              <a:buFont typeface="+mj-lt"/>
+              <a:buAutoNum type="arabicPeriod"/>
+            </a:pPr>
+            <a:r>
+              <a:rPr lang="zh-CN" altLang="en-US" dirty="0"/>
+              <a:t>转账时，对于转移的这部分，</a:t>
+            </a:r>
+            <a:r>
+              <a:rPr lang="en-US" altLang="zh-CN" dirty="0"/>
+              <a:t>from</a:t>
+            </a:r>
+            <a:r>
+              <a:rPr lang="zh-CN" altLang="en-US" dirty="0"/>
+              <a:t>把当前累计所得留下，</a:t>
+            </a:r>
+            <a:r>
+              <a:rPr lang="en-US" altLang="zh-CN" dirty="0"/>
+              <a:t>to</a:t>
+            </a:r>
+            <a:r>
+              <a:rPr lang="zh-CN" altLang="en-US" dirty="0"/>
+              <a:t>把当前累计所得扣除</a:t>
+            </a:r>
+            <a:endParaRPr lang="en-US" altLang="zh-CN" dirty="0"/>
+          </a:p>
+          <a:p>
+            <a:pPr marL="609600" indent="-342900" algn="just">
+              <a:lnSpc>
+                <a:spcPct val="200000"/>
+              </a:lnSpc>
+              <a:buClr>
+                <a:srgbClr val="C00000"/>
+              </a:buClr>
+              <a:buFont typeface="+mj-lt"/>
+              <a:buAutoNum type="arabicPeriod"/>
+            </a:pPr>
+            <a:r>
+              <a:rPr lang="zh-CN" altLang="en-US" dirty="0"/>
+              <a:t>铸币时，相当于转账</a:t>
+            </a:r>
+            <a:r>
+              <a:rPr lang="en-US" altLang="zh-CN" dirty="0"/>
+              <a:t>to</a:t>
+            </a:r>
+            <a:r>
+              <a:rPr lang="zh-CN" altLang="en-US" dirty="0"/>
+              <a:t>的一方，扣除累计所得</a:t>
+            </a:r>
+          </a:p>
+        </p:txBody>
+      </p:sp>
+    </p:spTree>
+    <p:custDataLst>
+      <p:tags r:id="rId1"/>
+    </p:custDataLst>
+    <p:extLst>
+      <p:ext uri="{BB962C8B-B14F-4D97-AF65-F5344CB8AC3E}">
+        <p14:creationId xmlns:p14="http://schemas.microsoft.com/office/powerpoint/2010/main" val="2882456888"/>
       </p:ext>
     </p:extLst>
   </p:cSld>
@@ -19902,7 +19879,337 @@
 </p:sld>
 </file>
 
-<file path=ppt/slides/slide7.xml><?xml version="1.0" encoding="utf-8"?>
+<file path=ppt/slides/slide2.xml><?xml version="1.0" encoding="utf-8"?>
+<p:sld xmlns:a="http://schemas.openxmlformats.org/drawingml/2006/main" xmlns:r="http://schemas.openxmlformats.org/officeDocument/2006/relationships" xmlns:p="http://schemas.openxmlformats.org/presentationml/2006/main">
+  <p:cSld>
+    <p:spTree>
+      <p:nvGrpSpPr>
+        <p:cNvPr id="1" name=""/>
+        <p:cNvGrpSpPr/>
+        <p:nvPr/>
+      </p:nvGrpSpPr>
+      <p:grpSpPr>
+        <a:xfrm>
+          <a:off x="0" y="0"/>
+          <a:ext cx="0" cy="0"/>
+          <a:chOff x="0" y="0"/>
+          <a:chExt cx="0" cy="0"/>
+        </a:xfrm>
+      </p:grpSpPr>
+      <p:sp>
+        <p:nvSpPr>
+          <p:cNvPr id="2" name="矩形"/>
+          <p:cNvSpPr/>
+          <p:nvPr/>
+        </p:nvSpPr>
+        <p:spPr>
+          <a:xfrm>
+            <a:off x="2051650" y="431711"/>
+            <a:ext cx="4536630" cy="553998"/>
+          </a:xfrm>
+          <a:prstGeom prst="rect">
+            <a:avLst/>
+          </a:prstGeom>
+          <a:noFill/>
+          <a:ln w="9525" cap="flat" cmpd="sng">
+            <a:noFill/>
+            <a:prstDash val="solid"/>
+            <a:miter/>
+          </a:ln>
+        </p:spPr>
+        <p:txBody>
+          <a:bodyPr vert="horz" wrap="square" lIns="91440" tIns="45720" rIns="91440" bIns="45720" anchor="t" anchorCtr="0">
+            <a:spAutoFit/>
+          </a:bodyPr>
+          <a:lstStyle/>
+          <a:p>
+            <a:pPr algn="ctr" fontAlgn="auto">
+              <a:defRPr/>
+            </a:pPr>
+            <a:r>
+              <a:rPr lang="zh-CN" altLang="en-US" sz="3000" b="1" kern="0" dirty="0">
+                <a:solidFill>
+                  <a:srgbClr val="C9394A"/>
+                </a:solidFill>
+                <a:latin typeface="微软雅黑" panose="020B0503020204020204" charset="-122"/>
+                <a:ea typeface="微软雅黑" panose="020B0503020204020204" charset="-122"/>
+              </a:rPr>
+              <a:t>经济学设计</a:t>
+            </a:r>
+          </a:p>
+        </p:txBody>
+      </p:sp>
+      <p:sp>
+        <p:nvSpPr>
+          <p:cNvPr id="4" name="矩形">
+            <a:extLst>
+              <a:ext uri="{FF2B5EF4-FFF2-40B4-BE49-F238E27FC236}">
+                <a16:creationId xmlns:a16="http://schemas.microsoft.com/office/drawing/2014/main" id="{90DC9CA4-096E-37D8-D0CC-6AFE1CBE8ECE}"/>
+              </a:ext>
+            </a:extLst>
+          </p:cNvPr>
+          <p:cNvSpPr/>
+          <p:nvPr/>
+        </p:nvSpPr>
+        <p:spPr>
+          <a:xfrm>
+            <a:off x="1259540" y="1275570"/>
+            <a:ext cx="6408890" cy="2304320"/>
+          </a:xfrm>
+          <a:prstGeom prst="rect">
+            <a:avLst/>
+          </a:prstGeom>
+          <a:noFill/>
+          <a:ln w="9525" cap="flat" cmpd="sng">
+            <a:noFill/>
+            <a:prstDash val="solid"/>
+            <a:miter/>
+          </a:ln>
+        </p:spPr>
+        <p:txBody>
+          <a:bodyPr vert="horz" wrap="square" lIns="91440" tIns="45720" rIns="91440" bIns="45720" anchor="ctr" anchorCtr="0"/>
+          <a:lstStyle/>
+          <a:p>
+            <a:pPr marL="723900" indent="-457200" algn="just">
+              <a:lnSpc>
+                <a:spcPct val="200000"/>
+              </a:lnSpc>
+              <a:buClr>
+                <a:srgbClr val="C00000"/>
+              </a:buClr>
+              <a:buFont typeface="+mj-lt"/>
+              <a:buAutoNum type="arabicPeriod"/>
+            </a:pPr>
+            <a:r>
+              <a:rPr lang="zh-CN" altLang="en-US" sz="2000" kern="100" dirty="0">
+                <a:latin typeface="微软雅黑" panose="020B0503020204020204" charset="-122"/>
+                <a:ea typeface="微软雅黑" panose="020B0503020204020204" charset="-122"/>
+              </a:rPr>
+              <a:t>深水区：内容集中在合约设计开发上</a:t>
+            </a:r>
+            <a:endParaRPr lang="en-US" altLang="zh-CN" sz="2000" kern="100" dirty="0">
+              <a:latin typeface="微软雅黑" panose="020B0503020204020204" charset="-122"/>
+              <a:ea typeface="微软雅黑" panose="020B0503020204020204" charset="-122"/>
+            </a:endParaRPr>
+          </a:p>
+          <a:p>
+            <a:pPr marL="723900" indent="-457200" algn="just">
+              <a:lnSpc>
+                <a:spcPct val="200000"/>
+              </a:lnSpc>
+              <a:buClr>
+                <a:srgbClr val="C00000"/>
+              </a:buClr>
+              <a:buFont typeface="+mj-lt"/>
+              <a:buAutoNum type="arabicPeriod"/>
+            </a:pPr>
+            <a:r>
+              <a:rPr lang="en-US" altLang="zh-CN" sz="2000" kern="100" dirty="0">
+                <a:latin typeface="微软雅黑" panose="020B0503020204020204" charset="-122"/>
+                <a:ea typeface="微软雅黑" panose="020B0503020204020204" charset="-122"/>
+              </a:rPr>
+              <a:t>Web3.0</a:t>
+            </a:r>
+            <a:r>
+              <a:rPr lang="zh-CN" altLang="en-US" sz="2000" kern="100" dirty="0">
+                <a:latin typeface="微软雅黑" panose="020B0503020204020204" charset="-122"/>
+                <a:ea typeface="微软雅黑" panose="020B0503020204020204" charset="-122"/>
+              </a:rPr>
+              <a:t>应用的生态联系特别紧密，具体应用的延申范围取决于生态</a:t>
+            </a:r>
+            <a:endParaRPr lang="en-US" altLang="zh-CN" sz="2000" kern="100" dirty="0">
+              <a:latin typeface="微软雅黑" panose="020B0503020204020204" charset="-122"/>
+              <a:ea typeface="微软雅黑" panose="020B0503020204020204" charset="-122"/>
+            </a:endParaRPr>
+          </a:p>
+          <a:p>
+            <a:pPr marL="723900" indent="-457200" algn="just">
+              <a:lnSpc>
+                <a:spcPct val="200000"/>
+              </a:lnSpc>
+              <a:buClr>
+                <a:srgbClr val="C00000"/>
+              </a:buClr>
+              <a:buFont typeface="+mj-lt"/>
+              <a:buAutoNum type="arabicPeriod"/>
+            </a:pPr>
+            <a:r>
+              <a:rPr lang="zh-CN" altLang="en-US" sz="2000" kern="100" dirty="0">
+                <a:latin typeface="微软雅黑" panose="020B0503020204020204" charset="-122"/>
+                <a:ea typeface="微软雅黑" panose="020B0503020204020204" charset="-122"/>
+              </a:rPr>
+              <a:t>市场</a:t>
+            </a:r>
+            <a:r>
+              <a:rPr lang="en-US" altLang="zh-CN" sz="2000" kern="100" dirty="0">
+                <a:latin typeface="微软雅黑" panose="020B0503020204020204" charset="-122"/>
+                <a:ea typeface="微软雅黑" panose="020B0503020204020204" charset="-122"/>
+              </a:rPr>
+              <a:t>(Royalty)</a:t>
+            </a:r>
+            <a:r>
+              <a:rPr lang="zh-CN" altLang="en-US" sz="2000" kern="100" dirty="0">
+                <a:latin typeface="微软雅黑" panose="020B0503020204020204" charset="-122"/>
+                <a:ea typeface="微软雅黑" panose="020B0503020204020204" charset="-122"/>
+              </a:rPr>
+              <a:t>、社区（治理与激励）</a:t>
+            </a:r>
+            <a:endParaRPr lang="en-US" altLang="zh-CN" sz="2000" kern="100" dirty="0">
+              <a:latin typeface="微软雅黑" panose="020B0503020204020204" charset="-122"/>
+              <a:ea typeface="微软雅黑" panose="020B0503020204020204" charset="-122"/>
+            </a:endParaRPr>
+          </a:p>
+        </p:txBody>
+      </p:sp>
+    </p:spTree>
+    <p:custDataLst>
+      <p:tags r:id="rId1"/>
+    </p:custDataLst>
+    <p:extLst>
+      <p:ext uri="{BB962C8B-B14F-4D97-AF65-F5344CB8AC3E}">
+        <p14:creationId xmlns:p14="http://schemas.microsoft.com/office/powerpoint/2010/main" val="3178248482"/>
+      </p:ext>
+    </p:extLst>
+  </p:cSld>
+  <p:clrMapOvr>
+    <a:masterClrMapping/>
+  </p:clrMapOvr>
+  <mc:AlternateContent xmlns:mc="http://schemas.openxmlformats.org/markup-compatibility/2006" xmlns:p14="http://schemas.microsoft.com/office/powerpoint/2010/main">
+    <mc:Choice Requires="p14">
+      <p:transition spd="slow" p14:dur="2000" advTm="146497"/>
+    </mc:Choice>
+    <mc:Fallback xmlns="">
+      <p:transition spd="slow" advTm="146497"/>
+    </mc:Fallback>
+  </mc:AlternateContent>
+  <p:timing>
+    <p:tnLst>
+      <p:par>
+        <p:cTn id="1" dur="indefinite" restart="never" nodeType="tmRoot">
+          <p:childTnLst>
+            <p:seq concurrent="1" nextAc="seek">
+              <p:cTn id="2" dur="indefinite" nodeType="mainSeq">
+                <p:childTnLst>
+                  <p:par>
+                    <p:cTn id="3" fill="hold">
+                      <p:stCondLst>
+                        <p:cond delay="indefinite"/>
+                      </p:stCondLst>
+                      <p:childTnLst>
+                        <p:par>
+                          <p:cTn id="4" fill="hold">
+                            <p:stCondLst>
+                              <p:cond delay="0"/>
+                            </p:stCondLst>
+                            <p:childTnLst>
+                              <p:par>
+                                <p:cTn id="5" presetID="2" presetClass="entr" presetSubtype="4" fill="hold" grpId="0" nodeType="clickEffect">
+                                  <p:stCondLst>
+                                    <p:cond delay="0"/>
+                                  </p:stCondLst>
+                                  <p:childTnLst>
+                                    <p:set>
+                                      <p:cBhvr>
+                                        <p:cTn id="6" dur="1" fill="hold">
+                                          <p:stCondLst>
+                                            <p:cond delay="0"/>
+                                          </p:stCondLst>
+                                        </p:cTn>
+                                        <p:tgtEl>
+                                          <p:spTgt spid="4"/>
+                                        </p:tgtEl>
+                                        <p:attrNameLst>
+                                          <p:attrName>style.visibility</p:attrName>
+                                        </p:attrNameLst>
+                                      </p:cBhvr>
+                                      <p:to>
+                                        <p:strVal val="visible"/>
+                                      </p:to>
+                                    </p:set>
+                                    <p:anim calcmode="lin" valueType="num">
+                                      <p:cBhvr additive="base">
+                                        <p:cTn id="7" dur="500" fill="hold"/>
+                                        <p:tgtEl>
+                                          <p:spTgt spid="4"/>
+                                        </p:tgtEl>
+                                        <p:attrNameLst>
+                                          <p:attrName>ppt_x</p:attrName>
+                                        </p:attrNameLst>
+                                      </p:cBhvr>
+                                      <p:tavLst>
+                                        <p:tav tm="0">
+                                          <p:val>
+                                            <p:strVal val="#ppt_x"/>
+                                          </p:val>
+                                        </p:tav>
+                                        <p:tav tm="100000">
+                                          <p:val>
+                                            <p:strVal val="#ppt_x"/>
+                                          </p:val>
+                                        </p:tav>
+                                      </p:tavLst>
+                                    </p:anim>
+                                    <p:anim calcmode="lin" valueType="num">
+                                      <p:cBhvr additive="base">
+                                        <p:cTn id="8" dur="500" fill="hold"/>
+                                        <p:tgtEl>
+                                          <p:spTgt spid="4"/>
+                                        </p:tgtEl>
+                                        <p:attrNameLst>
+                                          <p:attrName>ppt_y</p:attrName>
+                                        </p:attrNameLst>
+                                      </p:cBhvr>
+                                      <p:tavLst>
+                                        <p:tav tm="0">
+                                          <p:val>
+                                            <p:strVal val="1+#ppt_h/2"/>
+                                          </p:val>
+                                        </p:tav>
+                                        <p:tav tm="100000">
+                                          <p:val>
+                                            <p:strVal val="#ppt_y"/>
+                                          </p:val>
+                                        </p:tav>
+                                      </p:tavLst>
+                                    </p:anim>
+                                  </p:childTnLst>
+                                </p:cTn>
+                              </p:par>
+                            </p:childTnLst>
+                          </p:cTn>
+                        </p:par>
+                      </p:childTnLst>
+                    </p:cTn>
+                  </p:par>
+                </p:childTnLst>
+              </p:cTn>
+              <p:prevCondLst>
+                <p:cond evt="onPrev" delay="0">
+                  <p:tgtEl>
+                    <p:sldTgt/>
+                  </p:tgtEl>
+                </p:cond>
+              </p:prevCondLst>
+              <p:nextCondLst>
+                <p:cond evt="onNext" delay="0">
+                  <p:tgtEl>
+                    <p:sldTgt/>
+                  </p:tgtEl>
+                </p:cond>
+              </p:nextCondLst>
+            </p:seq>
+          </p:childTnLst>
+        </p:cTn>
+      </p:par>
+    </p:tnLst>
+    <p:bldLst>
+      <p:bldP spid="4" grpId="0"/>
+    </p:bldLst>
+  </p:timing>
+</p:sld>
+</file>
+
+<file path=ppt/slides/slide3.xml><?xml version="1.0" encoding="utf-8"?>
 <p:sld xmlns:a="http://schemas.openxmlformats.org/drawingml/2006/main" xmlns:r="http://schemas.openxmlformats.org/officeDocument/2006/relationships" xmlns:p="http://schemas.openxmlformats.org/presentationml/2006/main">
   <p:cSld>
     <p:spTree>
@@ -19976,7 +20283,7 @@
         <p:spPr bwMode="auto">
           <a:xfrm>
             <a:off x="216506" y="3467784"/>
-            <a:ext cx="3221787" cy="369332"/>
+            <a:ext cx="3221787" cy="461665"/>
           </a:xfrm>
           <a:prstGeom prst="rect">
             <a:avLst/>
@@ -20013,7 +20320,7 @@
           <a:p>
             <a:pPr algn="ctr"/>
             <a:r>
-              <a:rPr lang="zh-CN" altLang="en-US" dirty="0">
+              <a:rPr lang="zh-CN" altLang="en-US" sz="2400" dirty="0">
                 <a:solidFill>
                   <a:schemeClr val="bg1"/>
                 </a:solidFill>
@@ -20023,26 +20330,16 @@
               <a:t>经济学设计</a:t>
             </a:r>
             <a:r>
-              <a:rPr lang="en-US" altLang="zh-CN" dirty="0">
+              <a:rPr lang="en-US" altLang="zh-CN" sz="2400" dirty="0">
                 <a:solidFill>
                   <a:schemeClr val="bg1"/>
                 </a:solidFill>
                 <a:latin typeface="微软雅黑" panose="020B0503020204020204" charset="-122"/>
                 <a:ea typeface="微软雅黑" panose="020B0503020204020204" charset="-122"/>
               </a:rPr>
-              <a:t>-</a:t>
-            </a:r>
-            <a:r>
-              <a:rPr lang="en-US" altLang="zh-CN" dirty="0" err="1">
-                <a:solidFill>
-                  <a:schemeClr val="bg1"/>
-                </a:solidFill>
-                <a:latin typeface="微软雅黑" panose="020B0503020204020204" charset="-122"/>
-                <a:ea typeface="微软雅黑" panose="020B0503020204020204" charset="-122"/>
-              </a:rPr>
-              <a:t>CreatorCoin</a:t>
-            </a:r>
-            <a:endParaRPr lang="zh-CN" altLang="en-US" dirty="0">
+              <a:t>-Royalty</a:t>
+            </a:r>
+            <a:endParaRPr lang="zh-CN" altLang="en-US" sz="2400" dirty="0">
               <a:solidFill>
                 <a:schemeClr val="bg1"/>
               </a:solidFill>
@@ -22301,7 +22598,7 @@
           <a:p>
             <a:pPr algn="ctr"/>
             <a:r>
-              <a:rPr lang="zh-CN" altLang="en-US" sz="3000" b="1" dirty="0">
+              <a:rPr lang="en-US" altLang="zh-CN" sz="3000" b="1" dirty="0">
                 <a:solidFill>
                   <a:srgbClr val="C00000"/>
                 </a:solidFill>
@@ -22309,7 +22606,7 @@
                 <a:ea typeface="微软雅黑" panose="020B0503020204020204" charset="-122"/>
                 <a:cs typeface="微软雅黑" panose="020B0503020204020204" charset="-122"/>
               </a:rPr>
-              <a:t>治理</a:t>
+              <a:t>Royalty</a:t>
             </a:r>
             <a:endParaRPr lang="zh-CN" altLang="en-US" sz="3000" b="1" u="none" strike="noStrike" kern="1200" cap="none" spc="0" baseline="0" dirty="0">
               <a:solidFill>
@@ -22325,20 +22622,20 @@
     </p:spTree>
     <p:extLst>
       <p:ext uri="{BB962C8B-B14F-4D97-AF65-F5344CB8AC3E}">
-        <p14:creationId xmlns:p14="http://schemas.microsoft.com/office/powerpoint/2010/main" val="413971569"/>
+        <p14:creationId xmlns:p14="http://schemas.microsoft.com/office/powerpoint/2010/main" val="3608575604"/>
       </p:ext>
     </p:extLst>
   </p:cSld>
   <p:clrMapOvr>
     <a:masterClrMapping/>
   </p:clrMapOvr>
-  <mc:AlternateContent xmlns:mc="http://schemas.openxmlformats.org/markup-compatibility/2006">
-    <mc:Choice xmlns:p14="http://schemas.microsoft.com/office/powerpoint/2010/main" Requires="p14">
+  <mc:AlternateContent xmlns:mc="http://schemas.openxmlformats.org/markup-compatibility/2006" xmlns:p14="http://schemas.microsoft.com/office/powerpoint/2010/main">
+    <mc:Choice Requires="p14">
       <p:transition spd="slow" p14:dur="1200" advClick="0" advTm="0">
         <p14:prism/>
       </p:transition>
     </mc:Choice>
-    <mc:Fallback>
+    <mc:Fallback xmlns="">
       <p:transition spd="slow" advClick="0" advTm="0">
         <p:fade/>
       </p:transition>
@@ -22863,7 +23160,7 @@
 </p:sld>
 </file>
 
-<file path=ppt/slides/slide8.xml><?xml version="1.0" encoding="utf-8"?>
+<file path=ppt/slides/slide4.xml><?xml version="1.0" encoding="utf-8"?>
 <p:sld xmlns:a="http://schemas.openxmlformats.org/drawingml/2006/main" xmlns:r="http://schemas.openxmlformats.org/officeDocument/2006/relationships" xmlns:p="http://schemas.openxmlformats.org/presentationml/2006/main">
   <p:cSld>
     <p:spTree>
@@ -22888,8 +23185,8 @@
         </p:nvSpPr>
         <p:spPr>
           <a:xfrm>
-            <a:off x="3159511" y="431711"/>
-            <a:ext cx="2825517" cy="553998"/>
+            <a:off x="2051650" y="431711"/>
+            <a:ext cx="4536630" cy="553998"/>
           </a:xfrm>
           <a:prstGeom prst="rect">
             <a:avLst/>
@@ -22902,53 +23199,24 @@
           </a:ln>
         </p:spPr>
         <p:txBody>
-          <a:bodyPr vert="horz" wrap="none" lIns="91440" tIns="45720" rIns="91440" bIns="45720" anchor="t" anchorCtr="0">
+          <a:bodyPr vert="horz" wrap="square" lIns="91440" tIns="45720" rIns="91440" bIns="45720" anchor="t" anchorCtr="0">
             <a:spAutoFit/>
           </a:bodyPr>
           <a:lstStyle/>
           <a:p>
-            <a:pPr marL="0" indent="0" algn="ctr">
-              <a:lnSpc>
-                <a:spcPct val="100000"/>
-              </a:lnSpc>
-              <a:spcBef>
-                <a:spcPts val="0"/>
-              </a:spcBef>
-              <a:spcAft>
-                <a:spcPts val="0"/>
-              </a:spcAft>
-              <a:buNone/>
+            <a:pPr algn="ctr" fontAlgn="auto">
+              <a:defRPr/>
             </a:pPr>
             <a:r>
-              <a:rPr lang="en-US" altLang="zh-CN" sz="3000" b="1" u="none" strike="noStrike" kern="100" cap="none" spc="0" baseline="0" dirty="0" err="1">
+              <a:rPr lang="zh-CN" altLang="en-US" sz="3000" b="1" kern="0" dirty="0">
                 <a:solidFill>
                   <a:srgbClr val="C9394A"/>
                 </a:solidFill>
                 <a:latin typeface="微软雅黑" panose="020B0503020204020204" charset="-122"/>
                 <a:ea typeface="微软雅黑" panose="020B0503020204020204" charset="-122"/>
-                <a:cs typeface="Times New Roman" panose="02020603050405020304" charset="0"/>
               </a:rPr>
-              <a:t>ArtistNFT</a:t>
-            </a:r>
-            <a:r>
-              <a:rPr lang="zh-CN" altLang="en-US" sz="3000" b="1" u="none" strike="noStrike" kern="100" cap="none" spc="0" baseline="0" dirty="0">
-                <a:solidFill>
-                  <a:srgbClr val="C9394A"/>
-                </a:solidFill>
-                <a:latin typeface="微软雅黑" panose="020B0503020204020204" charset="-122"/>
-                <a:ea typeface="微软雅黑" panose="020B0503020204020204" charset="-122"/>
-                <a:cs typeface="Times New Roman" panose="02020603050405020304" charset="0"/>
-              </a:rPr>
-              <a:t>收费</a:t>
-            </a:r>
-            <a:endParaRPr lang="en-US" altLang="zh-CN" sz="3000" b="1" u="none" strike="noStrike" kern="100" cap="none" spc="0" baseline="0" dirty="0">
-              <a:solidFill>
-                <a:srgbClr val="C9394A"/>
-              </a:solidFill>
-              <a:latin typeface="微软雅黑" panose="020B0503020204020204" charset="-122"/>
-              <a:ea typeface="微软雅黑" panose="020B0503020204020204" charset="-122"/>
-              <a:cs typeface="Times New Roman" panose="02020603050405020304" charset="0"/>
-            </a:endParaRPr>
+              <a:t>生态！生态！</a:t>
+            </a:r>
           </a:p>
         </p:txBody>
       </p:sp>
@@ -22966,8 +23234,8 @@
         </p:nvSpPr>
         <p:spPr>
           <a:xfrm>
-            <a:off x="3479729" y="1203560"/>
-            <a:ext cx="3034650" cy="2520349"/>
+            <a:off x="1187531" y="1131550"/>
+            <a:ext cx="6480900" cy="3312460"/>
           </a:xfrm>
           <a:prstGeom prst="rect">
             <a:avLst/>
@@ -22983,58 +23251,162 @@
           <a:bodyPr vert="horz" wrap="square" lIns="91440" tIns="45720" rIns="91440" bIns="45720" anchor="ctr" anchorCtr="0"/>
           <a:lstStyle/>
           <a:p>
-            <a:pPr marL="609600" indent="-342900" algn="just">
+            <a:pPr marL="723900" indent="-457200" algn="just">
               <a:lnSpc>
                 <a:spcPct val="200000"/>
               </a:lnSpc>
               <a:buClr>
                 <a:srgbClr val="C00000"/>
               </a:buClr>
-              <a:buFont typeface="Wingdings" panose="05000000000000000000" charset="0"/>
-              <a:buChar char="u"/>
+              <a:buFont typeface="+mj-lt"/>
+              <a:buAutoNum type="arabicPeriod"/>
             </a:pPr>
             <a:r>
-              <a:rPr lang="en-US" altLang="zh-CN" dirty="0" err="1"/>
-              <a:t>OpenSea</a:t>
-            </a:r>
-            <a:endParaRPr lang="en-US" altLang="zh-CN" dirty="0"/>
-          </a:p>
-          <a:p>
-            <a:pPr marL="609600" indent="-342900" algn="just">
+              <a:rPr lang="zh-CN" altLang="en-US" sz="1600" kern="100" dirty="0">
+                <a:latin typeface="微软雅黑" panose="020B0503020204020204" charset="-122"/>
+                <a:ea typeface="微软雅黑" panose="020B0503020204020204" charset="-122"/>
+              </a:rPr>
+              <a:t>我们已经看到、使用了基础设施，在这个</a:t>
+            </a:r>
+            <a:r>
+              <a:rPr lang="en-US" altLang="zh-CN" sz="1600" kern="100" dirty="0">
+                <a:latin typeface="微软雅黑" panose="020B0503020204020204" charset="-122"/>
+                <a:ea typeface="微软雅黑" panose="020B0503020204020204" charset="-122"/>
+              </a:rPr>
+              <a:t>web3.0</a:t>
+            </a:r>
+            <a:r>
+              <a:rPr lang="zh-CN" altLang="en-US" sz="1600" kern="100" dirty="0">
+                <a:latin typeface="微软雅黑" panose="020B0503020204020204" charset="-122"/>
+                <a:ea typeface="微软雅黑" panose="020B0503020204020204" charset="-122"/>
+              </a:rPr>
+              <a:t>的生态中，市场、治理、也是环境设施</a:t>
+            </a:r>
+            <a:endParaRPr lang="en-US" altLang="zh-CN" sz="1600" kern="100" dirty="0">
+              <a:latin typeface="微软雅黑" panose="020B0503020204020204" charset="-122"/>
+              <a:ea typeface="微软雅黑" panose="020B0503020204020204" charset="-122"/>
+            </a:endParaRPr>
+          </a:p>
+          <a:p>
+            <a:pPr marL="723900" indent="-457200" algn="just">
               <a:lnSpc>
                 <a:spcPct val="200000"/>
               </a:lnSpc>
               <a:buClr>
                 <a:srgbClr val="C00000"/>
               </a:buClr>
-              <a:buFont typeface="Wingdings" panose="05000000000000000000" charset="0"/>
-              <a:buChar char="u"/>
+              <a:buFont typeface="+mj-lt"/>
+              <a:buAutoNum type="arabicPeriod"/>
             </a:pPr>
             <a:r>
-              <a:rPr lang="en-US" dirty="0" err="1"/>
-              <a:t>Rarible</a:t>
-            </a:r>
-            <a:endParaRPr lang="en-US" dirty="0"/>
-          </a:p>
-          <a:p>
-            <a:pPr marL="609600" indent="-342900" algn="just">
+              <a:rPr lang="zh-CN" altLang="en-US" sz="1600" kern="100" dirty="0">
+                <a:latin typeface="微软雅黑" panose="020B0503020204020204" charset="-122"/>
+                <a:ea typeface="微软雅黑" panose="020B0503020204020204" charset="-122"/>
+              </a:rPr>
+              <a:t>以</a:t>
+            </a:r>
+            <a:r>
+              <a:rPr lang="en-US" altLang="zh-CN" sz="1600" kern="100" dirty="0" err="1">
+                <a:latin typeface="微软雅黑" panose="020B0503020204020204" charset="-122"/>
+                <a:ea typeface="微软雅黑" panose="020B0503020204020204" charset="-122"/>
+              </a:rPr>
+              <a:t>opensea</a:t>
+            </a:r>
+            <a:r>
+              <a:rPr lang="zh-CN" altLang="en-US" sz="1600" kern="100" dirty="0">
+                <a:latin typeface="微软雅黑" panose="020B0503020204020204" charset="-122"/>
+                <a:ea typeface="微软雅黑" panose="020B0503020204020204" charset="-122"/>
+              </a:rPr>
+              <a:t>为例，元数据符合</a:t>
+            </a:r>
+            <a:r>
+              <a:rPr lang="en-US" altLang="zh-CN" sz="1600" kern="100" dirty="0" err="1">
+                <a:latin typeface="微软雅黑" panose="020B0503020204020204" charset="-122"/>
+                <a:ea typeface="微软雅黑" panose="020B0503020204020204" charset="-122"/>
+              </a:rPr>
+              <a:t>opensea</a:t>
+            </a:r>
+            <a:r>
+              <a:rPr lang="zh-CN" altLang="en-US" sz="1600" kern="100" dirty="0">
+                <a:latin typeface="微软雅黑" panose="020B0503020204020204" charset="-122"/>
+                <a:ea typeface="微软雅黑" panose="020B0503020204020204" charset="-122"/>
+              </a:rPr>
+              <a:t>要求，</a:t>
+            </a:r>
+            <a:r>
+              <a:rPr lang="en-US" altLang="zh-CN" sz="1600" kern="100" dirty="0" err="1">
+                <a:latin typeface="微软雅黑" panose="020B0503020204020204" charset="-122"/>
+                <a:ea typeface="微软雅黑" panose="020B0503020204020204" charset="-122"/>
+              </a:rPr>
+              <a:t>opensea</a:t>
+            </a:r>
+            <a:r>
+              <a:rPr lang="zh-CN" altLang="en-US" sz="1600" kern="100" dirty="0">
+                <a:latin typeface="微软雅黑" panose="020B0503020204020204" charset="-122"/>
+                <a:ea typeface="微软雅黑" panose="020B0503020204020204" charset="-122"/>
+              </a:rPr>
+              <a:t>会自动将</a:t>
+            </a:r>
+            <a:r>
+              <a:rPr lang="en-US" altLang="zh-CN" sz="1600" kern="100" dirty="0">
+                <a:latin typeface="微软雅黑" panose="020B0503020204020204" charset="-122"/>
+                <a:ea typeface="微软雅黑" panose="020B0503020204020204" charset="-122"/>
+              </a:rPr>
+              <a:t>NFT</a:t>
+            </a:r>
+            <a:r>
+              <a:rPr lang="zh-CN" altLang="en-US" sz="1600" kern="100" dirty="0">
+                <a:latin typeface="微软雅黑" panose="020B0503020204020204" charset="-122"/>
+                <a:ea typeface="微软雅黑" panose="020B0503020204020204" charset="-122"/>
+              </a:rPr>
+              <a:t>合约上线</a:t>
+            </a:r>
+            <a:endParaRPr lang="en-US" altLang="zh-CN" sz="1600" kern="100" dirty="0">
+              <a:latin typeface="微软雅黑" panose="020B0503020204020204" charset="-122"/>
+              <a:ea typeface="微软雅黑" panose="020B0503020204020204" charset="-122"/>
+            </a:endParaRPr>
+          </a:p>
+          <a:p>
+            <a:pPr marL="723900" indent="-457200" algn="just">
               <a:lnSpc>
                 <a:spcPct val="200000"/>
               </a:lnSpc>
               <a:buClr>
                 <a:srgbClr val="C00000"/>
               </a:buClr>
-              <a:buFont typeface="Wingdings" panose="05000000000000000000" charset="0"/>
-              <a:buChar char="u"/>
+              <a:buFont typeface="+mj-lt"/>
+              <a:buAutoNum type="arabicPeriod"/>
             </a:pPr>
             <a:r>
-              <a:rPr lang="en-US" altLang="zh-CN" sz="1600" kern="100" dirty="0" err="1">
+              <a:rPr lang="zh-CN" altLang="en-US" sz="1600" kern="100" dirty="0">
+                <a:solidFill>
+                  <a:srgbClr val="FF0000"/>
+                </a:solidFill>
                 <a:latin typeface="微软雅黑" panose="020B0503020204020204" charset="-122"/>
                 <a:ea typeface="微软雅黑" panose="020B0503020204020204" charset="-122"/>
               </a:rPr>
-              <a:t>Mintable</a:t>
-            </a:r>
-            <a:endParaRPr lang="zh-CN" altLang="en-US" sz="1600" kern="100" dirty="0">
+              <a:t>不同的生态环境，合成的方式不同，我们不作预设</a:t>
+            </a:r>
+            <a:endParaRPr lang="en-US" altLang="zh-CN" sz="1600" kern="100" dirty="0">
+              <a:solidFill>
+                <a:srgbClr val="FF0000"/>
+              </a:solidFill>
+              <a:latin typeface="微软雅黑" panose="020B0503020204020204" charset="-122"/>
+              <a:ea typeface="微软雅黑" panose="020B0503020204020204" charset="-122"/>
+            </a:endParaRPr>
+          </a:p>
+          <a:p>
+            <a:pPr marL="723900" indent="-457200" algn="just">
+              <a:lnSpc>
+                <a:spcPct val="200000"/>
+              </a:lnSpc>
+              <a:buClr>
+                <a:srgbClr val="C00000"/>
+              </a:buClr>
+              <a:buFont typeface="+mj-lt"/>
+              <a:buAutoNum type="arabicPeriod"/>
+            </a:pPr>
+            <a:endParaRPr lang="en-US" altLang="zh-CN" sz="1600" kern="100" dirty="0">
               <a:latin typeface="微软雅黑" panose="020B0503020204020204" charset="-122"/>
               <a:ea typeface="微软雅黑" panose="020B0503020204020204" charset="-122"/>
             </a:endParaRPr>
@@ -23047,18 +23419,18 @@
     </p:custDataLst>
     <p:extLst>
       <p:ext uri="{BB962C8B-B14F-4D97-AF65-F5344CB8AC3E}">
-        <p14:creationId xmlns:p14="http://schemas.microsoft.com/office/powerpoint/2010/main" val="531320434"/>
+        <p14:creationId xmlns:p14="http://schemas.microsoft.com/office/powerpoint/2010/main" val="4184372341"/>
       </p:ext>
     </p:extLst>
   </p:cSld>
   <p:clrMapOvr>
     <a:masterClrMapping/>
   </p:clrMapOvr>
-  <mc:AlternateContent xmlns:mc="http://schemas.openxmlformats.org/markup-compatibility/2006">
-    <mc:Choice xmlns:p14="http://schemas.microsoft.com/office/powerpoint/2010/main" Requires="p14">
+  <mc:AlternateContent xmlns:mc="http://schemas.openxmlformats.org/markup-compatibility/2006" xmlns:p14="http://schemas.microsoft.com/office/powerpoint/2010/main">
+    <mc:Choice Requires="p14">
       <p:transition spd="slow" p14:dur="2000" advTm="146497"/>
     </mc:Choice>
-    <mc:Fallback>
+    <mc:Fallback xmlns="">
       <p:transition spd="slow" advTm="146497"/>
     </mc:Fallback>
   </mc:AlternateContent>
@@ -23189,7 +23561,7 @@
 </p:sld>
 </file>
 
-<file path=ppt/slides/slide9.xml><?xml version="1.0" encoding="utf-8"?>
+<file path=ppt/slides/slide5.xml><?xml version="1.0" encoding="utf-8"?>
 <p:sld xmlns:a="http://schemas.openxmlformats.org/drawingml/2006/main" xmlns:r="http://schemas.openxmlformats.org/officeDocument/2006/relationships" xmlns:p="http://schemas.openxmlformats.org/presentationml/2006/main">
   <p:cSld>
     <p:spTree>
@@ -23214,8 +23586,8 @@
         </p:nvSpPr>
         <p:spPr>
           <a:xfrm>
-            <a:off x="3633392" y="431711"/>
-            <a:ext cx="1877758" cy="553998"/>
+            <a:off x="2051650" y="431711"/>
+            <a:ext cx="4536630" cy="553998"/>
           </a:xfrm>
           <a:prstGeom prst="rect">
             <a:avLst/>
@@ -23228,33 +23600,33 @@
           </a:ln>
         </p:spPr>
         <p:txBody>
-          <a:bodyPr vert="horz" wrap="none" lIns="91440" tIns="45720" rIns="91440" bIns="45720" anchor="t" anchorCtr="0">
+          <a:bodyPr vert="horz" wrap="square" lIns="91440" tIns="45720" rIns="91440" bIns="45720" anchor="t" anchorCtr="0">
             <a:spAutoFit/>
           </a:bodyPr>
           <a:lstStyle/>
           <a:p>
-            <a:pPr marL="0" indent="0" algn="ctr">
-              <a:lnSpc>
-                <a:spcPct val="100000"/>
-              </a:lnSpc>
-              <a:spcBef>
-                <a:spcPts val="0"/>
-              </a:spcBef>
-              <a:spcAft>
-                <a:spcPts val="0"/>
-              </a:spcAft>
-              <a:buNone/>
+            <a:pPr algn="ctr" fontAlgn="auto">
+              <a:defRPr/>
             </a:pPr>
             <a:r>
-              <a:rPr lang="en-US" altLang="zh-CN" sz="3000" b="1" u="none" strike="noStrike" kern="100" cap="none" spc="0" baseline="0" dirty="0">
+              <a:rPr lang="en-US" altLang="zh-CN" sz="3000" b="1" kern="0" dirty="0" err="1">
                 <a:solidFill>
                   <a:srgbClr val="C9394A"/>
                 </a:solidFill>
                 <a:latin typeface="微软雅黑" panose="020B0503020204020204" charset="-122"/>
                 <a:ea typeface="微软雅黑" panose="020B0503020204020204" charset="-122"/>
-                <a:cs typeface="Times New Roman" panose="02020603050405020304" charset="0"/>
               </a:rPr>
-              <a:t>ERC1726</a:t>
+              <a:t>Opensea</a:t>
+            </a:r>
+            <a:r>
+              <a:rPr lang="zh-CN" altLang="en-US" sz="3000" b="1" kern="0" dirty="0">
+                <a:solidFill>
+                  <a:srgbClr val="C9394A"/>
+                </a:solidFill>
+                <a:latin typeface="微软雅黑" panose="020B0503020204020204" charset="-122"/>
+                <a:ea typeface="微软雅黑" panose="020B0503020204020204" charset="-122"/>
+              </a:rPr>
+              <a:t>市场</a:t>
             </a:r>
           </a:p>
         </p:txBody>
@@ -23273,8 +23645,8 @@
         </p:nvSpPr>
         <p:spPr>
           <a:xfrm>
-            <a:off x="3479729" y="1203560"/>
-            <a:ext cx="3034650" cy="2520349"/>
+            <a:off x="1475570" y="1131550"/>
+            <a:ext cx="6752363" cy="3312460"/>
           </a:xfrm>
           <a:prstGeom prst="rect">
             <a:avLst/>
@@ -23290,58 +23662,89 @@
           <a:bodyPr vert="horz" wrap="square" lIns="91440" tIns="45720" rIns="91440" bIns="45720" anchor="ctr" anchorCtr="0"/>
           <a:lstStyle/>
           <a:p>
-            <a:pPr marL="609600" indent="-342900" algn="just">
+            <a:pPr marL="723900" indent="-457200" algn="just">
               <a:lnSpc>
                 <a:spcPct val="200000"/>
               </a:lnSpc>
               <a:buClr>
                 <a:srgbClr val="C00000"/>
               </a:buClr>
-              <a:buFont typeface="Wingdings" panose="05000000000000000000" charset="0"/>
-              <a:buChar char="u"/>
+              <a:buFont typeface="+mj-lt"/>
+              <a:buAutoNum type="arabicPeriod"/>
             </a:pPr>
             <a:r>
-              <a:rPr lang="en-US" altLang="zh-CN" dirty="0" err="1"/>
-              <a:t>OpenSea</a:t>
-            </a:r>
-            <a:endParaRPr lang="en-US" altLang="zh-CN" dirty="0"/>
-          </a:p>
-          <a:p>
-            <a:pPr marL="609600" indent="-342900" algn="just">
+              <a:rPr lang="en-US" altLang="zh-CN" sz="1600" kern="100" dirty="0">
+                <a:latin typeface="微软雅黑" panose="020B0503020204020204" charset="-122"/>
+                <a:ea typeface="微软雅黑" panose="020B0503020204020204" charset="-122"/>
+                <a:hlinkClick r:id="rId4"/>
+              </a:rPr>
+              <a:t>https://zhuanlan.zhihu.com/p/516188462</a:t>
+            </a:r>
+            <a:endParaRPr lang="en-US" altLang="zh-CN" sz="1600" kern="100" dirty="0">
+              <a:latin typeface="微软雅黑" panose="020B0503020204020204" charset="-122"/>
+              <a:ea typeface="微软雅黑" panose="020B0503020204020204" charset="-122"/>
+            </a:endParaRPr>
+          </a:p>
+          <a:p>
+            <a:pPr marL="723900" indent="-457200" algn="just">
               <a:lnSpc>
                 <a:spcPct val="200000"/>
               </a:lnSpc>
               <a:buClr>
                 <a:srgbClr val="C00000"/>
               </a:buClr>
-              <a:buFont typeface="Wingdings" panose="05000000000000000000" charset="0"/>
-              <a:buChar char="u"/>
+              <a:buFont typeface="+mj-lt"/>
+              <a:buAutoNum type="arabicPeriod"/>
             </a:pPr>
             <a:r>
-              <a:rPr lang="en-US" dirty="0" err="1"/>
-              <a:t>Rarible</a:t>
-            </a:r>
-            <a:endParaRPr lang="en-US" dirty="0"/>
-          </a:p>
-          <a:p>
-            <a:pPr marL="609600" indent="-342900" algn="just">
+              <a:rPr lang="en-US" altLang="zh-CN" sz="1600" kern="100" dirty="0">
+                <a:latin typeface="微软雅黑" panose="020B0503020204020204" charset="-122"/>
+                <a:ea typeface="微软雅黑" panose="020B0503020204020204" charset="-122"/>
+                <a:hlinkClick r:id="rId5"/>
+              </a:rPr>
+              <a:t>https://docs.opensea.io/docs/metadata-standards</a:t>
+            </a:r>
+            <a:endParaRPr lang="en-US" altLang="zh-CN" sz="1600" kern="100" dirty="0">
+              <a:latin typeface="微软雅黑" panose="020B0503020204020204" charset="-122"/>
+              <a:ea typeface="微软雅黑" panose="020B0503020204020204" charset="-122"/>
+            </a:endParaRPr>
+          </a:p>
+          <a:p>
+            <a:pPr marL="723900" indent="-457200" algn="just">
               <a:lnSpc>
                 <a:spcPct val="200000"/>
               </a:lnSpc>
               <a:buClr>
                 <a:srgbClr val="C00000"/>
               </a:buClr>
-              <a:buFont typeface="Wingdings" panose="05000000000000000000" charset="0"/>
-              <a:buChar char="u"/>
+              <a:buFont typeface="+mj-lt"/>
+              <a:buAutoNum type="arabicPeriod"/>
             </a:pPr>
             <a:r>
-              <a:rPr lang="en-US" altLang="zh-CN" sz="1600" kern="100" dirty="0" err="1">
+              <a:rPr lang="en-US" altLang="zh-CN" sz="1600" kern="100" dirty="0">
                 <a:latin typeface="微软雅黑" panose="020B0503020204020204" charset="-122"/>
                 <a:ea typeface="微软雅黑" panose="020B0503020204020204" charset="-122"/>
+                <a:hlinkClick r:id="rId6"/>
               </a:rPr>
-              <a:t>Mintable</a:t>
-            </a:r>
-            <a:endParaRPr lang="zh-CN" altLang="en-US" sz="1600" kern="100" dirty="0">
+              <a:t>https://docs.opensea.io/docs/opensea-integration</a:t>
+            </a:r>
+            <a:endParaRPr lang="en-US" altLang="zh-CN" sz="1600" kern="100" dirty="0">
+              <a:latin typeface="微软雅黑" panose="020B0503020204020204" charset="-122"/>
+              <a:ea typeface="微软雅黑" panose="020B0503020204020204" charset="-122"/>
+            </a:endParaRPr>
+          </a:p>
+          <a:p>
+            <a:pPr marL="723900" indent="-457200" algn="just">
+              <a:lnSpc>
+                <a:spcPct val="200000"/>
+              </a:lnSpc>
+              <a:buClr>
+                <a:srgbClr val="C00000"/>
+              </a:buClr>
+              <a:buFont typeface="+mj-lt"/>
+              <a:buAutoNum type="arabicPeriod"/>
+            </a:pPr>
+            <a:endParaRPr lang="en-US" altLang="zh-CN" sz="1600" kern="100" dirty="0">
               <a:latin typeface="微软雅黑" panose="020B0503020204020204" charset="-122"/>
               <a:ea typeface="微软雅黑" panose="020B0503020204020204" charset="-122"/>
             </a:endParaRPr>
@@ -23354,18 +23757,18 @@
     </p:custDataLst>
     <p:extLst>
       <p:ext uri="{BB962C8B-B14F-4D97-AF65-F5344CB8AC3E}">
-        <p14:creationId xmlns:p14="http://schemas.microsoft.com/office/powerpoint/2010/main" val="3024022100"/>
+        <p14:creationId xmlns:p14="http://schemas.microsoft.com/office/powerpoint/2010/main" val="3484574262"/>
       </p:ext>
     </p:extLst>
   </p:cSld>
   <p:clrMapOvr>
     <a:masterClrMapping/>
   </p:clrMapOvr>
-  <mc:AlternateContent xmlns:mc="http://schemas.openxmlformats.org/markup-compatibility/2006">
-    <mc:Choice xmlns:p14="http://schemas.microsoft.com/office/powerpoint/2010/main" Requires="p14">
+  <mc:AlternateContent xmlns:mc="http://schemas.openxmlformats.org/markup-compatibility/2006" xmlns:p14="http://schemas.microsoft.com/office/powerpoint/2010/main">
+    <mc:Choice Requires="p14">
       <p:transition spd="slow" p14:dur="2000" advTm="146497"/>
     </mc:Choice>
-    <mc:Fallback>
+    <mc:Fallback xmlns="">
       <p:transition spd="slow" advTm="146497"/>
     </mc:Fallback>
   </mc:AlternateContent>
@@ -23496,6 +23899,4593 @@
 </p:sld>
 </file>
 
+<file path=ppt/slides/slide6.xml><?xml version="1.0" encoding="utf-8"?>
+<p:sld xmlns:a="http://schemas.openxmlformats.org/drawingml/2006/main" xmlns:r="http://schemas.openxmlformats.org/officeDocument/2006/relationships" xmlns:p="http://schemas.openxmlformats.org/presentationml/2006/main">
+  <p:cSld>
+    <p:spTree>
+      <p:nvGrpSpPr>
+        <p:cNvPr id="1" name=""/>
+        <p:cNvGrpSpPr/>
+        <p:nvPr/>
+      </p:nvGrpSpPr>
+      <p:grpSpPr>
+        <a:xfrm>
+          <a:off x="0" y="0"/>
+          <a:ext cx="0" cy="0"/>
+          <a:chOff x="0" y="0"/>
+          <a:chExt cx="0" cy="0"/>
+        </a:xfrm>
+      </p:grpSpPr>
+      <p:sp>
+        <p:nvSpPr>
+          <p:cNvPr id="2" name="矩形"/>
+          <p:cNvSpPr/>
+          <p:nvPr/>
+        </p:nvSpPr>
+        <p:spPr>
+          <a:xfrm>
+            <a:off x="3365043" y="431711"/>
+            <a:ext cx="2414444" cy="553998"/>
+          </a:xfrm>
+          <a:prstGeom prst="rect">
+            <a:avLst/>
+          </a:prstGeom>
+          <a:noFill/>
+          <a:ln w="9525" cap="flat" cmpd="sng">
+            <a:noFill/>
+            <a:prstDash val="solid"/>
+            <a:miter/>
+          </a:ln>
+        </p:spPr>
+        <p:txBody>
+          <a:bodyPr vert="horz" wrap="none" lIns="91440" tIns="45720" rIns="91440" bIns="45720" anchor="t" anchorCtr="0">
+            <a:spAutoFit/>
+          </a:bodyPr>
+          <a:lstStyle/>
+          <a:p>
+            <a:pPr algn="ctr" fontAlgn="auto">
+              <a:defRPr/>
+            </a:pPr>
+            <a:r>
+              <a:rPr lang="zh-CN" altLang="en-US" sz="3000" b="1" kern="0" dirty="0">
+                <a:solidFill>
+                  <a:srgbClr val="C9394A"/>
+                </a:solidFill>
+                <a:latin typeface="微软雅黑" panose="020B0503020204020204" charset="-122"/>
+                <a:ea typeface="微软雅黑" panose="020B0503020204020204" charset="-122"/>
+              </a:rPr>
+              <a:t>版权</a:t>
+            </a:r>
+            <a:r>
+              <a:rPr lang="en-US" altLang="zh-CN" sz="3000" b="1" kern="0" dirty="0">
+                <a:solidFill>
+                  <a:srgbClr val="C9394A"/>
+                </a:solidFill>
+                <a:latin typeface="微软雅黑" panose="020B0503020204020204" charset="-122"/>
+                <a:ea typeface="微软雅黑" panose="020B0503020204020204" charset="-122"/>
+              </a:rPr>
+              <a:t>Royalty</a:t>
+            </a:r>
+            <a:endParaRPr lang="zh-CN" altLang="en-US" sz="3000" b="1" kern="0" dirty="0">
+              <a:solidFill>
+                <a:srgbClr val="C9394A"/>
+              </a:solidFill>
+              <a:latin typeface="微软雅黑" panose="020B0503020204020204" charset="-122"/>
+              <a:ea typeface="微软雅黑" panose="020B0503020204020204" charset="-122"/>
+            </a:endParaRPr>
+          </a:p>
+        </p:txBody>
+      </p:sp>
+      <p:sp>
+        <p:nvSpPr>
+          <p:cNvPr id="4" name="矩形">
+            <a:extLst>
+              <a:ext uri="{FF2B5EF4-FFF2-40B4-BE49-F238E27FC236}">
+                <a16:creationId xmlns:a16="http://schemas.microsoft.com/office/drawing/2014/main" id="{90DC9CA4-096E-37D8-D0CC-6AFE1CBE8ECE}"/>
+              </a:ext>
+            </a:extLst>
+          </p:cNvPr>
+          <p:cNvSpPr/>
+          <p:nvPr/>
+        </p:nvSpPr>
+        <p:spPr>
+          <a:xfrm>
+            <a:off x="1475570" y="627480"/>
+            <a:ext cx="6696929" cy="3312460"/>
+          </a:xfrm>
+          <a:prstGeom prst="rect">
+            <a:avLst/>
+          </a:prstGeom>
+          <a:noFill/>
+          <a:ln w="9525" cap="flat" cmpd="sng">
+            <a:noFill/>
+            <a:prstDash val="solid"/>
+            <a:miter/>
+          </a:ln>
+        </p:spPr>
+        <p:txBody>
+          <a:bodyPr vert="horz" wrap="square" lIns="91440" tIns="45720" rIns="91440" bIns="45720" anchor="ctr" anchorCtr="0"/>
+          <a:lstStyle/>
+          <a:p>
+            <a:pPr marL="723900" indent="-457200" algn="just">
+              <a:lnSpc>
+                <a:spcPct val="200000"/>
+              </a:lnSpc>
+              <a:buClr>
+                <a:srgbClr val="C00000"/>
+              </a:buClr>
+              <a:buFont typeface="+mj-lt"/>
+              <a:buAutoNum type="arabicPeriod"/>
+            </a:pPr>
+            <a:r>
+              <a:rPr lang="zh-CN" altLang="en-US" sz="1600" kern="100" dirty="0">
+                <a:latin typeface="微软雅黑" panose="020B0503020204020204" charset="-122"/>
+                <a:ea typeface="微软雅黑" panose="020B0503020204020204" charset="-122"/>
+              </a:rPr>
+              <a:t>这并不是新概念，但却以经济学设计的方式发挥核弹级别的威力</a:t>
+            </a:r>
+            <a:endParaRPr lang="en-US" altLang="zh-CN" sz="1600" kern="100" dirty="0">
+              <a:latin typeface="微软雅黑" panose="020B0503020204020204" charset="-122"/>
+              <a:ea typeface="微软雅黑" panose="020B0503020204020204" charset="-122"/>
+            </a:endParaRPr>
+          </a:p>
+          <a:p>
+            <a:pPr marL="723900" indent="-457200" algn="just">
+              <a:lnSpc>
+                <a:spcPct val="200000"/>
+              </a:lnSpc>
+              <a:buClr>
+                <a:srgbClr val="C00000"/>
+              </a:buClr>
+              <a:buFont typeface="+mj-lt"/>
+              <a:buAutoNum type="arabicPeriod"/>
+            </a:pPr>
+            <a:r>
+              <a:rPr lang="en-US" altLang="zh-CN" sz="1600" kern="100" dirty="0">
+                <a:latin typeface="微软雅黑" panose="020B0503020204020204" charset="-122"/>
+                <a:ea typeface="微软雅黑" panose="020B0503020204020204" charset="-122"/>
+              </a:rPr>
+              <a:t>ERC2981</a:t>
+            </a:r>
+          </a:p>
+          <a:p>
+            <a:pPr marL="723900" indent="-457200" algn="just">
+              <a:lnSpc>
+                <a:spcPct val="200000"/>
+              </a:lnSpc>
+              <a:buClr>
+                <a:srgbClr val="C00000"/>
+              </a:buClr>
+              <a:buFont typeface="+mj-lt"/>
+              <a:buAutoNum type="arabicPeriod"/>
+            </a:pPr>
+            <a:r>
+              <a:rPr lang="zh-CN" altLang="en-US" sz="1600" kern="100" dirty="0">
+                <a:latin typeface="微软雅黑" panose="020B0503020204020204" charset="-122"/>
+                <a:ea typeface="微软雅黑" panose="020B0503020204020204" charset="-122"/>
+              </a:rPr>
+              <a:t>需要交易所的支持</a:t>
+            </a:r>
+            <a:endParaRPr lang="en-US" altLang="zh-CN" sz="1600" kern="100" dirty="0">
+              <a:latin typeface="微软雅黑" panose="020B0503020204020204" charset="-122"/>
+              <a:ea typeface="微软雅黑" panose="020B0503020204020204" charset="-122"/>
+            </a:endParaRPr>
+          </a:p>
+          <a:p>
+            <a:pPr marL="723900" indent="-457200" algn="just">
+              <a:lnSpc>
+                <a:spcPct val="200000"/>
+              </a:lnSpc>
+              <a:buClr>
+                <a:srgbClr val="C00000"/>
+              </a:buClr>
+              <a:buFont typeface="+mj-lt"/>
+              <a:buAutoNum type="arabicPeriod"/>
+            </a:pPr>
+            <a:r>
+              <a:rPr lang="en-US" altLang="zh-CN" sz="1600" kern="100" dirty="0" err="1">
+                <a:latin typeface="微软雅黑" panose="020B0503020204020204" charset="-122"/>
+                <a:ea typeface="微软雅黑" panose="020B0503020204020204" charset="-122"/>
+              </a:rPr>
+              <a:t>Openzeppelin</a:t>
+            </a:r>
+            <a:r>
+              <a:rPr lang="zh-CN" altLang="en-US" sz="1600" kern="100" dirty="0">
+                <a:latin typeface="微软雅黑" panose="020B0503020204020204" charset="-122"/>
+                <a:ea typeface="微软雅黑" panose="020B0503020204020204" charset="-122"/>
+              </a:rPr>
+              <a:t>的支持</a:t>
+            </a:r>
+            <a:endParaRPr lang="en-US" altLang="zh-CN" sz="1600" kern="100" dirty="0">
+              <a:latin typeface="微软雅黑" panose="020B0503020204020204" charset="-122"/>
+              <a:ea typeface="微软雅黑" panose="020B0503020204020204" charset="-122"/>
+            </a:endParaRPr>
+          </a:p>
+        </p:txBody>
+      </p:sp>
+      <p:pic>
+        <p:nvPicPr>
+          <p:cNvPr id="1026" name="Picture 2" descr="Opensea Review 2023: Buy NFTs on Opensea.io">
+            <a:extLst>
+              <a:ext uri="{FF2B5EF4-FFF2-40B4-BE49-F238E27FC236}">
+                <a16:creationId xmlns:a16="http://schemas.microsoft.com/office/drawing/2014/main" id="{E19DBC51-E581-F6EB-C5BF-6DEB79F6207B}"/>
+              </a:ext>
+            </a:extLst>
+          </p:cNvPr>
+          <p:cNvPicPr>
+            <a:picLocks noChangeAspect="1" noChangeArrowheads="1"/>
+          </p:cNvPicPr>
+          <p:nvPr/>
+        </p:nvPicPr>
+        <p:blipFill>
+          <a:blip r:embed="rId4">
+            <a:extLst>
+              <a:ext uri="{28A0092B-C50C-407E-A947-70E740481C1C}">
+                <a14:useLocalDpi xmlns:a14="http://schemas.microsoft.com/office/drawing/2010/main" val="0"/>
+              </a:ext>
+            </a:extLst>
+          </a:blip>
+          <a:srcRect/>
+          <a:stretch>
+            <a:fillRect/>
+          </a:stretch>
+        </p:blipFill>
+        <p:spPr bwMode="auto">
+          <a:xfrm>
+            <a:off x="1380794" y="3657640"/>
+            <a:ext cx="1912285" cy="956143"/>
+          </a:xfrm>
+          <a:prstGeom prst="rect">
+            <a:avLst/>
+          </a:prstGeom>
+          <a:noFill/>
+          <a:extLst>
+            <a:ext uri="{909E8E84-426E-40DD-AFC4-6F175D3DCCD1}">
+              <a14:hiddenFill xmlns:a14="http://schemas.microsoft.com/office/drawing/2010/main">
+                <a:solidFill>
+                  <a:srgbClr val="FFFFFF"/>
+                </a:solidFill>
+              </a14:hiddenFill>
+            </a:ext>
+          </a:extLst>
+        </p:spPr>
+      </p:pic>
+      <p:pic>
+        <p:nvPicPr>
+          <p:cNvPr id="1028" name="Picture 4" descr="Rarible Review 2023 : Pros &amp; Cons Of Rarible NFT Market Place Explained !">
+            <a:extLst>
+              <a:ext uri="{FF2B5EF4-FFF2-40B4-BE49-F238E27FC236}">
+                <a16:creationId xmlns:a16="http://schemas.microsoft.com/office/drawing/2014/main" id="{059007A3-42A8-20A4-54D5-357405DE32F4}"/>
+              </a:ext>
+            </a:extLst>
+          </p:cNvPr>
+          <p:cNvPicPr>
+            <a:picLocks noChangeAspect="1" noChangeArrowheads="1"/>
+          </p:cNvPicPr>
+          <p:nvPr/>
+        </p:nvPicPr>
+        <p:blipFill>
+          <a:blip r:embed="rId5">
+            <a:extLst>
+              <a:ext uri="{28A0092B-C50C-407E-A947-70E740481C1C}">
+                <a14:useLocalDpi xmlns:a14="http://schemas.microsoft.com/office/drawing/2010/main" val="0"/>
+              </a:ext>
+            </a:extLst>
+          </a:blip>
+          <a:srcRect/>
+          <a:stretch>
+            <a:fillRect/>
+          </a:stretch>
+        </p:blipFill>
+        <p:spPr bwMode="auto">
+          <a:xfrm>
+            <a:off x="6300240" y="3657637"/>
+            <a:ext cx="1717180" cy="956143"/>
+          </a:xfrm>
+          <a:prstGeom prst="rect">
+            <a:avLst/>
+          </a:prstGeom>
+          <a:noFill/>
+          <a:extLst>
+            <a:ext uri="{909E8E84-426E-40DD-AFC4-6F175D3DCCD1}">
+              <a14:hiddenFill xmlns:a14="http://schemas.microsoft.com/office/drawing/2010/main">
+                <a:solidFill>
+                  <a:srgbClr val="FFFFFF"/>
+                </a:solidFill>
+              </a14:hiddenFill>
+            </a:ext>
+          </a:extLst>
+        </p:spPr>
+      </p:pic>
+      <p:pic>
+        <p:nvPicPr>
+          <p:cNvPr id="1032" name="Picture 8" descr="Mintable is Here! - Browse, Manage and Mint ERC-721s for Free -  Blockchaingamer.net">
+            <a:extLst>
+              <a:ext uri="{FF2B5EF4-FFF2-40B4-BE49-F238E27FC236}">
+                <a16:creationId xmlns:a16="http://schemas.microsoft.com/office/drawing/2014/main" id="{B403A50B-E51D-A65B-859B-1B06899FD135}"/>
+              </a:ext>
+            </a:extLst>
+          </p:cNvPr>
+          <p:cNvPicPr>
+            <a:picLocks noChangeAspect="1" noChangeArrowheads="1"/>
+          </p:cNvPicPr>
+          <p:nvPr/>
+        </p:nvPicPr>
+        <p:blipFill>
+          <a:blip r:embed="rId6">
+            <a:extLst>
+              <a:ext uri="{28A0092B-C50C-407E-A947-70E740481C1C}">
+                <a14:useLocalDpi xmlns:a14="http://schemas.microsoft.com/office/drawing/2010/main" val="0"/>
+              </a:ext>
+            </a:extLst>
+          </a:blip>
+          <a:srcRect/>
+          <a:stretch>
+            <a:fillRect/>
+          </a:stretch>
+        </p:blipFill>
+        <p:spPr bwMode="auto">
+          <a:xfrm>
+            <a:off x="3798025" y="3657638"/>
+            <a:ext cx="1923295" cy="956143"/>
+          </a:xfrm>
+          <a:prstGeom prst="rect">
+            <a:avLst/>
+          </a:prstGeom>
+          <a:noFill/>
+          <a:extLst>
+            <a:ext uri="{909E8E84-426E-40DD-AFC4-6F175D3DCCD1}">
+              <a14:hiddenFill xmlns:a14="http://schemas.microsoft.com/office/drawing/2010/main">
+                <a:solidFill>
+                  <a:srgbClr val="FFFFFF"/>
+                </a:solidFill>
+              </a14:hiddenFill>
+            </a:ext>
+          </a:extLst>
+        </p:spPr>
+      </p:pic>
+    </p:spTree>
+    <p:custDataLst>
+      <p:tags r:id="rId1"/>
+    </p:custDataLst>
+    <p:extLst>
+      <p:ext uri="{BB962C8B-B14F-4D97-AF65-F5344CB8AC3E}">
+        <p14:creationId xmlns:p14="http://schemas.microsoft.com/office/powerpoint/2010/main" val="1210758877"/>
+      </p:ext>
+    </p:extLst>
+  </p:cSld>
+  <p:clrMapOvr>
+    <a:masterClrMapping/>
+  </p:clrMapOvr>
+  <mc:AlternateContent xmlns:mc="http://schemas.openxmlformats.org/markup-compatibility/2006" xmlns:p14="http://schemas.microsoft.com/office/powerpoint/2010/main">
+    <mc:Choice Requires="p14">
+      <p:transition spd="slow" p14:dur="2000" advTm="146497"/>
+    </mc:Choice>
+    <mc:Fallback xmlns="">
+      <p:transition spd="slow" advTm="146497"/>
+    </mc:Fallback>
+  </mc:AlternateContent>
+  <p:timing>
+    <p:tnLst>
+      <p:par>
+        <p:cTn id="1" dur="indefinite" restart="never" nodeType="tmRoot">
+          <p:childTnLst>
+            <p:seq concurrent="1" nextAc="seek">
+              <p:cTn id="2" dur="indefinite" nodeType="mainSeq">
+                <p:childTnLst>
+                  <p:par>
+                    <p:cTn id="3" fill="hold">
+                      <p:stCondLst>
+                        <p:cond delay="indefinite"/>
+                      </p:stCondLst>
+                      <p:childTnLst>
+                        <p:par>
+                          <p:cTn id="4" fill="hold">
+                            <p:stCondLst>
+                              <p:cond delay="0"/>
+                            </p:stCondLst>
+                            <p:childTnLst>
+                              <p:par>
+                                <p:cTn id="5" presetID="2" presetClass="entr" presetSubtype="4" fill="hold" grpId="0" nodeType="clickEffect">
+                                  <p:stCondLst>
+                                    <p:cond delay="0"/>
+                                  </p:stCondLst>
+                                  <p:childTnLst>
+                                    <p:set>
+                                      <p:cBhvr>
+                                        <p:cTn id="6" dur="1" fill="hold">
+                                          <p:stCondLst>
+                                            <p:cond delay="0"/>
+                                          </p:stCondLst>
+                                        </p:cTn>
+                                        <p:tgtEl>
+                                          <p:spTgt spid="2"/>
+                                        </p:tgtEl>
+                                        <p:attrNameLst>
+                                          <p:attrName>style.visibility</p:attrName>
+                                        </p:attrNameLst>
+                                      </p:cBhvr>
+                                      <p:to>
+                                        <p:strVal val="visible"/>
+                                      </p:to>
+                                    </p:set>
+                                    <p:anim calcmode="lin" valueType="num">
+                                      <p:cBhvr additive="base">
+                                        <p:cTn id="7" dur="500" fill="hold"/>
+                                        <p:tgtEl>
+                                          <p:spTgt spid="2"/>
+                                        </p:tgtEl>
+                                        <p:attrNameLst>
+                                          <p:attrName>ppt_x</p:attrName>
+                                        </p:attrNameLst>
+                                      </p:cBhvr>
+                                      <p:tavLst>
+                                        <p:tav tm="0">
+                                          <p:val>
+                                            <p:strVal val="#ppt_x"/>
+                                          </p:val>
+                                        </p:tav>
+                                        <p:tav tm="100000">
+                                          <p:val>
+                                            <p:strVal val="#ppt_x"/>
+                                          </p:val>
+                                        </p:tav>
+                                      </p:tavLst>
+                                    </p:anim>
+                                    <p:anim calcmode="lin" valueType="num">
+                                      <p:cBhvr additive="base">
+                                        <p:cTn id="8" dur="500" fill="hold"/>
+                                        <p:tgtEl>
+                                          <p:spTgt spid="2"/>
+                                        </p:tgtEl>
+                                        <p:attrNameLst>
+                                          <p:attrName>ppt_y</p:attrName>
+                                        </p:attrNameLst>
+                                      </p:cBhvr>
+                                      <p:tavLst>
+                                        <p:tav tm="0">
+                                          <p:val>
+                                            <p:strVal val="1+#ppt_h/2"/>
+                                          </p:val>
+                                        </p:tav>
+                                        <p:tav tm="100000">
+                                          <p:val>
+                                            <p:strVal val="#ppt_y"/>
+                                          </p:val>
+                                        </p:tav>
+                                      </p:tavLst>
+                                    </p:anim>
+                                  </p:childTnLst>
+                                </p:cTn>
+                              </p:par>
+                              <p:par>
+                                <p:cTn id="9" presetID="2" presetClass="entr" presetSubtype="4" fill="hold" grpId="0" nodeType="withEffect">
+                                  <p:stCondLst>
+                                    <p:cond delay="0"/>
+                                  </p:stCondLst>
+                                  <p:childTnLst>
+                                    <p:set>
+                                      <p:cBhvr>
+                                        <p:cTn id="10" dur="1" fill="hold">
+                                          <p:stCondLst>
+                                            <p:cond delay="0"/>
+                                          </p:stCondLst>
+                                        </p:cTn>
+                                        <p:tgtEl>
+                                          <p:spTgt spid="4"/>
+                                        </p:tgtEl>
+                                        <p:attrNameLst>
+                                          <p:attrName>style.visibility</p:attrName>
+                                        </p:attrNameLst>
+                                      </p:cBhvr>
+                                      <p:to>
+                                        <p:strVal val="visible"/>
+                                      </p:to>
+                                    </p:set>
+                                    <p:anim calcmode="lin" valueType="num">
+                                      <p:cBhvr additive="base">
+                                        <p:cTn id="11" dur="500" fill="hold"/>
+                                        <p:tgtEl>
+                                          <p:spTgt spid="4"/>
+                                        </p:tgtEl>
+                                        <p:attrNameLst>
+                                          <p:attrName>ppt_x</p:attrName>
+                                        </p:attrNameLst>
+                                      </p:cBhvr>
+                                      <p:tavLst>
+                                        <p:tav tm="0">
+                                          <p:val>
+                                            <p:strVal val="#ppt_x"/>
+                                          </p:val>
+                                        </p:tav>
+                                        <p:tav tm="100000">
+                                          <p:val>
+                                            <p:strVal val="#ppt_x"/>
+                                          </p:val>
+                                        </p:tav>
+                                      </p:tavLst>
+                                    </p:anim>
+                                    <p:anim calcmode="lin" valueType="num">
+                                      <p:cBhvr additive="base">
+                                        <p:cTn id="12" dur="500" fill="hold"/>
+                                        <p:tgtEl>
+                                          <p:spTgt spid="4"/>
+                                        </p:tgtEl>
+                                        <p:attrNameLst>
+                                          <p:attrName>ppt_y</p:attrName>
+                                        </p:attrNameLst>
+                                      </p:cBhvr>
+                                      <p:tavLst>
+                                        <p:tav tm="0">
+                                          <p:val>
+                                            <p:strVal val="1+#ppt_h/2"/>
+                                          </p:val>
+                                        </p:tav>
+                                        <p:tav tm="100000">
+                                          <p:val>
+                                            <p:strVal val="#ppt_y"/>
+                                          </p:val>
+                                        </p:tav>
+                                      </p:tavLst>
+                                    </p:anim>
+                                  </p:childTnLst>
+                                </p:cTn>
+                              </p:par>
+                              <p:par>
+                                <p:cTn id="13" presetID="2" presetClass="entr" presetSubtype="4" fill="hold" nodeType="withEffect">
+                                  <p:stCondLst>
+                                    <p:cond delay="0"/>
+                                  </p:stCondLst>
+                                  <p:childTnLst>
+                                    <p:set>
+                                      <p:cBhvr>
+                                        <p:cTn id="14" dur="1" fill="hold">
+                                          <p:stCondLst>
+                                            <p:cond delay="0"/>
+                                          </p:stCondLst>
+                                        </p:cTn>
+                                        <p:tgtEl>
+                                          <p:spTgt spid="1026"/>
+                                        </p:tgtEl>
+                                        <p:attrNameLst>
+                                          <p:attrName>style.visibility</p:attrName>
+                                        </p:attrNameLst>
+                                      </p:cBhvr>
+                                      <p:to>
+                                        <p:strVal val="visible"/>
+                                      </p:to>
+                                    </p:set>
+                                    <p:anim calcmode="lin" valueType="num">
+                                      <p:cBhvr additive="base">
+                                        <p:cTn id="15" dur="500" fill="hold"/>
+                                        <p:tgtEl>
+                                          <p:spTgt spid="1026"/>
+                                        </p:tgtEl>
+                                        <p:attrNameLst>
+                                          <p:attrName>ppt_x</p:attrName>
+                                        </p:attrNameLst>
+                                      </p:cBhvr>
+                                      <p:tavLst>
+                                        <p:tav tm="0">
+                                          <p:val>
+                                            <p:strVal val="#ppt_x"/>
+                                          </p:val>
+                                        </p:tav>
+                                        <p:tav tm="100000">
+                                          <p:val>
+                                            <p:strVal val="#ppt_x"/>
+                                          </p:val>
+                                        </p:tav>
+                                      </p:tavLst>
+                                    </p:anim>
+                                    <p:anim calcmode="lin" valueType="num">
+                                      <p:cBhvr additive="base">
+                                        <p:cTn id="16" dur="500" fill="hold"/>
+                                        <p:tgtEl>
+                                          <p:spTgt spid="1026"/>
+                                        </p:tgtEl>
+                                        <p:attrNameLst>
+                                          <p:attrName>ppt_y</p:attrName>
+                                        </p:attrNameLst>
+                                      </p:cBhvr>
+                                      <p:tavLst>
+                                        <p:tav tm="0">
+                                          <p:val>
+                                            <p:strVal val="1+#ppt_h/2"/>
+                                          </p:val>
+                                        </p:tav>
+                                        <p:tav tm="100000">
+                                          <p:val>
+                                            <p:strVal val="#ppt_y"/>
+                                          </p:val>
+                                        </p:tav>
+                                      </p:tavLst>
+                                    </p:anim>
+                                  </p:childTnLst>
+                                </p:cTn>
+                              </p:par>
+                              <p:par>
+                                <p:cTn id="17" presetID="2" presetClass="entr" presetSubtype="4" fill="hold" nodeType="withEffect">
+                                  <p:stCondLst>
+                                    <p:cond delay="0"/>
+                                  </p:stCondLst>
+                                  <p:childTnLst>
+                                    <p:set>
+                                      <p:cBhvr>
+                                        <p:cTn id="18" dur="1" fill="hold">
+                                          <p:stCondLst>
+                                            <p:cond delay="0"/>
+                                          </p:stCondLst>
+                                        </p:cTn>
+                                        <p:tgtEl>
+                                          <p:spTgt spid="1028"/>
+                                        </p:tgtEl>
+                                        <p:attrNameLst>
+                                          <p:attrName>style.visibility</p:attrName>
+                                        </p:attrNameLst>
+                                      </p:cBhvr>
+                                      <p:to>
+                                        <p:strVal val="visible"/>
+                                      </p:to>
+                                    </p:set>
+                                    <p:anim calcmode="lin" valueType="num">
+                                      <p:cBhvr additive="base">
+                                        <p:cTn id="19" dur="500" fill="hold"/>
+                                        <p:tgtEl>
+                                          <p:spTgt spid="1028"/>
+                                        </p:tgtEl>
+                                        <p:attrNameLst>
+                                          <p:attrName>ppt_x</p:attrName>
+                                        </p:attrNameLst>
+                                      </p:cBhvr>
+                                      <p:tavLst>
+                                        <p:tav tm="0">
+                                          <p:val>
+                                            <p:strVal val="#ppt_x"/>
+                                          </p:val>
+                                        </p:tav>
+                                        <p:tav tm="100000">
+                                          <p:val>
+                                            <p:strVal val="#ppt_x"/>
+                                          </p:val>
+                                        </p:tav>
+                                      </p:tavLst>
+                                    </p:anim>
+                                    <p:anim calcmode="lin" valueType="num">
+                                      <p:cBhvr additive="base">
+                                        <p:cTn id="20" dur="500" fill="hold"/>
+                                        <p:tgtEl>
+                                          <p:spTgt spid="1028"/>
+                                        </p:tgtEl>
+                                        <p:attrNameLst>
+                                          <p:attrName>ppt_y</p:attrName>
+                                        </p:attrNameLst>
+                                      </p:cBhvr>
+                                      <p:tavLst>
+                                        <p:tav tm="0">
+                                          <p:val>
+                                            <p:strVal val="1+#ppt_h/2"/>
+                                          </p:val>
+                                        </p:tav>
+                                        <p:tav tm="100000">
+                                          <p:val>
+                                            <p:strVal val="#ppt_y"/>
+                                          </p:val>
+                                        </p:tav>
+                                      </p:tavLst>
+                                    </p:anim>
+                                  </p:childTnLst>
+                                </p:cTn>
+                              </p:par>
+                              <p:par>
+                                <p:cTn id="21" presetID="2" presetClass="entr" presetSubtype="4" fill="hold" nodeType="withEffect">
+                                  <p:stCondLst>
+                                    <p:cond delay="0"/>
+                                  </p:stCondLst>
+                                  <p:childTnLst>
+                                    <p:set>
+                                      <p:cBhvr>
+                                        <p:cTn id="22" dur="1" fill="hold">
+                                          <p:stCondLst>
+                                            <p:cond delay="0"/>
+                                          </p:stCondLst>
+                                        </p:cTn>
+                                        <p:tgtEl>
+                                          <p:spTgt spid="1032"/>
+                                        </p:tgtEl>
+                                        <p:attrNameLst>
+                                          <p:attrName>style.visibility</p:attrName>
+                                        </p:attrNameLst>
+                                      </p:cBhvr>
+                                      <p:to>
+                                        <p:strVal val="visible"/>
+                                      </p:to>
+                                    </p:set>
+                                    <p:anim calcmode="lin" valueType="num">
+                                      <p:cBhvr additive="base">
+                                        <p:cTn id="23" dur="500" fill="hold"/>
+                                        <p:tgtEl>
+                                          <p:spTgt spid="1032"/>
+                                        </p:tgtEl>
+                                        <p:attrNameLst>
+                                          <p:attrName>ppt_x</p:attrName>
+                                        </p:attrNameLst>
+                                      </p:cBhvr>
+                                      <p:tavLst>
+                                        <p:tav tm="0">
+                                          <p:val>
+                                            <p:strVal val="#ppt_x"/>
+                                          </p:val>
+                                        </p:tav>
+                                        <p:tav tm="100000">
+                                          <p:val>
+                                            <p:strVal val="#ppt_x"/>
+                                          </p:val>
+                                        </p:tav>
+                                      </p:tavLst>
+                                    </p:anim>
+                                    <p:anim calcmode="lin" valueType="num">
+                                      <p:cBhvr additive="base">
+                                        <p:cTn id="24" dur="500" fill="hold"/>
+                                        <p:tgtEl>
+                                          <p:spTgt spid="1032"/>
+                                        </p:tgtEl>
+                                        <p:attrNameLst>
+                                          <p:attrName>ppt_y</p:attrName>
+                                        </p:attrNameLst>
+                                      </p:cBhvr>
+                                      <p:tavLst>
+                                        <p:tav tm="0">
+                                          <p:val>
+                                            <p:strVal val="1+#ppt_h/2"/>
+                                          </p:val>
+                                        </p:tav>
+                                        <p:tav tm="100000">
+                                          <p:val>
+                                            <p:strVal val="#ppt_y"/>
+                                          </p:val>
+                                        </p:tav>
+                                      </p:tavLst>
+                                    </p:anim>
+                                  </p:childTnLst>
+                                </p:cTn>
+                              </p:par>
+                            </p:childTnLst>
+                          </p:cTn>
+                        </p:par>
+                      </p:childTnLst>
+                    </p:cTn>
+                  </p:par>
+                </p:childTnLst>
+              </p:cTn>
+              <p:prevCondLst>
+                <p:cond evt="onPrev" delay="0">
+                  <p:tgtEl>
+                    <p:sldTgt/>
+                  </p:tgtEl>
+                </p:cond>
+              </p:prevCondLst>
+              <p:nextCondLst>
+                <p:cond evt="onNext" delay="0">
+                  <p:tgtEl>
+                    <p:sldTgt/>
+                  </p:tgtEl>
+                </p:cond>
+              </p:nextCondLst>
+            </p:seq>
+          </p:childTnLst>
+        </p:cTn>
+      </p:par>
+    </p:tnLst>
+    <p:bldLst>
+      <p:bldP spid="2" grpId="0"/>
+      <p:bldP spid="4" grpId="0"/>
+    </p:bldLst>
+  </p:timing>
+</p:sld>
+</file>
+
+<file path=ppt/slides/slide7.xml><?xml version="1.0" encoding="utf-8"?>
+<p:sld xmlns:a="http://schemas.openxmlformats.org/drawingml/2006/main" xmlns:r="http://schemas.openxmlformats.org/officeDocument/2006/relationships" xmlns:p="http://schemas.openxmlformats.org/presentationml/2006/main">
+  <p:cSld>
+    <p:spTree>
+      <p:nvGrpSpPr>
+        <p:cNvPr id="1" name=""/>
+        <p:cNvGrpSpPr/>
+        <p:nvPr/>
+      </p:nvGrpSpPr>
+      <p:grpSpPr>
+        <a:xfrm>
+          <a:off x="0" y="0"/>
+          <a:ext cx="0" cy="0"/>
+          <a:chOff x="0" y="0"/>
+          <a:chExt cx="0" cy="0"/>
+        </a:xfrm>
+      </p:grpSpPr>
+      <p:sp>
+        <p:nvSpPr>
+          <p:cNvPr id="2" name="矩形"/>
+          <p:cNvSpPr/>
+          <p:nvPr/>
+        </p:nvSpPr>
+        <p:spPr>
+          <a:xfrm>
+            <a:off x="2715477" y="431711"/>
+            <a:ext cx="3713582" cy="553998"/>
+          </a:xfrm>
+          <a:prstGeom prst="rect">
+            <a:avLst/>
+          </a:prstGeom>
+          <a:noFill/>
+          <a:ln w="9525" cap="flat" cmpd="sng">
+            <a:noFill/>
+            <a:prstDash val="solid"/>
+            <a:miter/>
+          </a:ln>
+        </p:spPr>
+        <p:txBody>
+          <a:bodyPr vert="horz" wrap="none" lIns="91440" tIns="45720" rIns="91440" bIns="45720" anchor="t" anchorCtr="0">
+            <a:spAutoFit/>
+          </a:bodyPr>
+          <a:lstStyle/>
+          <a:p>
+            <a:pPr marL="0" indent="0" algn="ctr">
+              <a:lnSpc>
+                <a:spcPct val="100000"/>
+              </a:lnSpc>
+              <a:spcBef>
+                <a:spcPts val="0"/>
+              </a:spcBef>
+              <a:spcAft>
+                <a:spcPts val="0"/>
+              </a:spcAft>
+              <a:buNone/>
+            </a:pPr>
+            <a:r>
+              <a:rPr lang="en-US" altLang="zh-CN" sz="3000" b="1" u="none" strike="noStrike" kern="100" cap="none" spc="0" baseline="0" dirty="0" err="1">
+                <a:solidFill>
+                  <a:srgbClr val="C9394A"/>
+                </a:solidFill>
+                <a:latin typeface="微软雅黑" panose="020B0503020204020204" charset="-122"/>
+                <a:ea typeface="微软雅黑" panose="020B0503020204020204" charset="-122"/>
+                <a:cs typeface="Times New Roman" panose="02020603050405020304" charset="0"/>
+              </a:rPr>
+              <a:t>ArtistNFT</a:t>
+            </a:r>
+            <a:r>
+              <a:rPr lang="zh-CN" altLang="en-US" sz="3000" b="1" u="none" strike="noStrike" kern="100" cap="none" spc="0" baseline="0" dirty="0">
+                <a:solidFill>
+                  <a:srgbClr val="C9394A"/>
+                </a:solidFill>
+                <a:latin typeface="微软雅黑" panose="020B0503020204020204" charset="-122"/>
+                <a:ea typeface="微软雅黑" panose="020B0503020204020204" charset="-122"/>
+                <a:cs typeface="Times New Roman" panose="02020603050405020304" charset="0"/>
+              </a:rPr>
+              <a:t>合约扩充</a:t>
+            </a:r>
+            <a:endParaRPr lang="en-US" altLang="zh-CN" sz="3000" b="1" u="none" strike="noStrike" kern="100" cap="none" spc="0" baseline="0" dirty="0">
+              <a:solidFill>
+                <a:srgbClr val="C9394A"/>
+              </a:solidFill>
+              <a:latin typeface="微软雅黑" panose="020B0503020204020204" charset="-122"/>
+              <a:ea typeface="微软雅黑" panose="020B0503020204020204" charset="-122"/>
+              <a:cs typeface="Times New Roman" panose="02020603050405020304" charset="0"/>
+            </a:endParaRPr>
+          </a:p>
+        </p:txBody>
+      </p:sp>
+      <p:pic>
+        <p:nvPicPr>
+          <p:cNvPr id="14" name="图片 13">
+            <a:extLst>
+              <a:ext uri="{FF2B5EF4-FFF2-40B4-BE49-F238E27FC236}">
+                <a16:creationId xmlns:a16="http://schemas.microsoft.com/office/drawing/2014/main" id="{6453E0A0-E7B4-1903-C1D7-29990D5955E6}"/>
+              </a:ext>
+            </a:extLst>
+          </p:cNvPr>
+          <p:cNvPicPr>
+            <a:picLocks noChangeAspect="1"/>
+          </p:cNvPicPr>
+          <p:nvPr/>
+        </p:nvPicPr>
+        <p:blipFill>
+          <a:blip r:embed="rId4"/>
+          <a:stretch>
+            <a:fillRect/>
+          </a:stretch>
+        </p:blipFill>
+        <p:spPr>
+          <a:xfrm>
+            <a:off x="1331550" y="1779640"/>
+            <a:ext cx="6386113" cy="2347163"/>
+          </a:xfrm>
+          <a:prstGeom prst="rect">
+            <a:avLst/>
+          </a:prstGeom>
+        </p:spPr>
+      </p:pic>
+    </p:spTree>
+    <p:custDataLst>
+      <p:tags r:id="rId1"/>
+    </p:custDataLst>
+    <p:extLst>
+      <p:ext uri="{BB962C8B-B14F-4D97-AF65-F5344CB8AC3E}">
+        <p14:creationId xmlns:p14="http://schemas.microsoft.com/office/powerpoint/2010/main" val="441520508"/>
+      </p:ext>
+    </p:extLst>
+  </p:cSld>
+  <p:clrMapOvr>
+    <a:masterClrMapping/>
+  </p:clrMapOvr>
+  <mc:AlternateContent xmlns:mc="http://schemas.openxmlformats.org/markup-compatibility/2006" xmlns:p14="http://schemas.microsoft.com/office/powerpoint/2010/main">
+    <mc:Choice Requires="p14">
+      <p:transition spd="slow" p14:dur="2000" advTm="146497"/>
+    </mc:Choice>
+    <mc:Fallback xmlns="">
+      <p:transition spd="slow" advTm="146497"/>
+    </mc:Fallback>
+  </mc:AlternateContent>
+</p:sld>
+</file>
+
+<file path=ppt/slides/slide8.xml><?xml version="1.0" encoding="utf-8"?>
+<p:sld xmlns:a="http://schemas.openxmlformats.org/drawingml/2006/main" xmlns:r="http://schemas.openxmlformats.org/officeDocument/2006/relationships" xmlns:p="http://schemas.openxmlformats.org/presentationml/2006/main">
+  <p:cSld>
+    <p:spTree>
+      <p:nvGrpSpPr>
+        <p:cNvPr id="1" name=""/>
+        <p:cNvGrpSpPr/>
+        <p:nvPr/>
+      </p:nvGrpSpPr>
+      <p:grpSpPr>
+        <a:xfrm>
+          <a:off x="0" y="0"/>
+          <a:ext cx="0" cy="0"/>
+          <a:chOff x="0" y="0"/>
+          <a:chExt cx="0" cy="0"/>
+        </a:xfrm>
+      </p:grpSpPr>
+      <p:sp>
+        <p:nvSpPr>
+          <p:cNvPr id="2" name="矩形"/>
+          <p:cNvSpPr/>
+          <p:nvPr/>
+        </p:nvSpPr>
+        <p:spPr>
+          <a:xfrm>
+            <a:off x="2715477" y="431711"/>
+            <a:ext cx="3713582" cy="553998"/>
+          </a:xfrm>
+          <a:prstGeom prst="rect">
+            <a:avLst/>
+          </a:prstGeom>
+          <a:noFill/>
+          <a:ln w="9525" cap="flat" cmpd="sng">
+            <a:noFill/>
+            <a:prstDash val="solid"/>
+            <a:miter/>
+          </a:ln>
+        </p:spPr>
+        <p:txBody>
+          <a:bodyPr vert="horz" wrap="none" lIns="91440" tIns="45720" rIns="91440" bIns="45720" anchor="t" anchorCtr="0">
+            <a:spAutoFit/>
+          </a:bodyPr>
+          <a:lstStyle/>
+          <a:p>
+            <a:pPr marL="0" indent="0" algn="ctr">
+              <a:lnSpc>
+                <a:spcPct val="100000"/>
+              </a:lnSpc>
+              <a:spcBef>
+                <a:spcPts val="0"/>
+              </a:spcBef>
+              <a:spcAft>
+                <a:spcPts val="0"/>
+              </a:spcAft>
+              <a:buNone/>
+            </a:pPr>
+            <a:r>
+              <a:rPr lang="en-US" altLang="zh-CN" sz="3000" b="1" u="none" strike="noStrike" kern="100" cap="none" spc="0" baseline="0" dirty="0" err="1">
+                <a:solidFill>
+                  <a:srgbClr val="C9394A"/>
+                </a:solidFill>
+                <a:latin typeface="微软雅黑" panose="020B0503020204020204" charset="-122"/>
+                <a:ea typeface="微软雅黑" panose="020B0503020204020204" charset="-122"/>
+                <a:cs typeface="Times New Roman" panose="02020603050405020304" charset="0"/>
+              </a:rPr>
+              <a:t>ArtistNFT</a:t>
+            </a:r>
+            <a:r>
+              <a:rPr lang="zh-CN" altLang="en-US" sz="3000" b="1" u="none" strike="noStrike" kern="100" cap="none" spc="0" baseline="0" dirty="0">
+                <a:solidFill>
+                  <a:srgbClr val="C9394A"/>
+                </a:solidFill>
+                <a:latin typeface="微软雅黑" panose="020B0503020204020204" charset="-122"/>
+                <a:ea typeface="微软雅黑" panose="020B0503020204020204" charset="-122"/>
+                <a:cs typeface="Times New Roman" panose="02020603050405020304" charset="0"/>
+              </a:rPr>
+              <a:t>合约扩充</a:t>
+            </a:r>
+            <a:endParaRPr lang="en-US" altLang="zh-CN" sz="3000" b="1" u="none" strike="noStrike" kern="100" cap="none" spc="0" baseline="0" dirty="0">
+              <a:solidFill>
+                <a:srgbClr val="C9394A"/>
+              </a:solidFill>
+              <a:latin typeface="微软雅黑" panose="020B0503020204020204" charset="-122"/>
+              <a:ea typeface="微软雅黑" panose="020B0503020204020204" charset="-122"/>
+              <a:cs typeface="Times New Roman" panose="02020603050405020304" charset="0"/>
+            </a:endParaRPr>
+          </a:p>
+        </p:txBody>
+      </p:sp>
+      <p:grpSp>
+        <p:nvGrpSpPr>
+          <p:cNvPr id="3" name="组合 2">
+            <a:extLst>
+              <a:ext uri="{FF2B5EF4-FFF2-40B4-BE49-F238E27FC236}">
+                <a16:creationId xmlns:a16="http://schemas.microsoft.com/office/drawing/2014/main" id="{0F373946-2970-DFB4-54D1-E4B35F955ED4}"/>
+              </a:ext>
+            </a:extLst>
+          </p:cNvPr>
+          <p:cNvGrpSpPr/>
+          <p:nvPr/>
+        </p:nvGrpSpPr>
+        <p:grpSpPr>
+          <a:xfrm>
+            <a:off x="755470" y="1419590"/>
+            <a:ext cx="6768940" cy="2802250"/>
+            <a:chOff x="2074837" y="1609725"/>
+            <a:chExt cx="8922593" cy="4124325"/>
+          </a:xfrm>
+        </p:grpSpPr>
+        <p:sp>
+          <p:nvSpPr>
+            <p:cNvPr id="5" name="椭圆 4">
+              <a:extLst>
+                <a:ext uri="{FF2B5EF4-FFF2-40B4-BE49-F238E27FC236}">
+                  <a16:creationId xmlns:a16="http://schemas.microsoft.com/office/drawing/2014/main" id="{4D079418-284A-B4F7-D405-FE3D46DC0077}"/>
+                </a:ext>
+              </a:extLst>
+            </p:cNvPr>
+            <p:cNvSpPr/>
+            <p:nvPr/>
+          </p:nvSpPr>
+          <p:spPr>
+            <a:xfrm>
+              <a:off x="4629150" y="1609725"/>
+              <a:ext cx="1676400" cy="647700"/>
+            </a:xfrm>
+            <a:prstGeom prst="ellipse">
+              <a:avLst/>
+            </a:prstGeom>
+            <a:ln>
+              <a:solidFill>
+                <a:schemeClr val="accent1"/>
+              </a:solidFill>
+            </a:ln>
+          </p:spPr>
+          <p:style>
+            <a:lnRef idx="2">
+              <a:schemeClr val="accent1">
+                <a:shade val="50000"/>
+              </a:schemeClr>
+            </a:lnRef>
+            <a:fillRef idx="1">
+              <a:schemeClr val="accent1"/>
+            </a:fillRef>
+            <a:effectRef idx="0">
+              <a:schemeClr val="accent1"/>
+            </a:effectRef>
+            <a:fontRef idx="minor">
+              <a:schemeClr val="lt1"/>
+            </a:fontRef>
+          </p:style>
+          <p:txBody>
+            <a:bodyPr rtlCol="0" anchor="ctr"/>
+            <a:lstStyle/>
+            <a:p>
+              <a:pPr algn="ctr"/>
+              <a:r>
+                <a:rPr lang="en-US" altLang="zh-CN" sz="1400" dirty="0"/>
+                <a:t>ERC721</a:t>
+              </a:r>
+            </a:p>
+            <a:p>
+              <a:pPr algn="ctr"/>
+              <a:r>
+                <a:rPr lang="en-US" sz="1400" dirty="0"/>
+                <a:t>+</a:t>
+              </a:r>
+            </a:p>
+          </p:txBody>
+        </p:sp>
+        <p:sp>
+          <p:nvSpPr>
+            <p:cNvPr id="6" name="椭圆 5">
+              <a:extLst>
+                <a:ext uri="{FF2B5EF4-FFF2-40B4-BE49-F238E27FC236}">
+                  <a16:creationId xmlns:a16="http://schemas.microsoft.com/office/drawing/2014/main" id="{7D32951B-5214-1FE0-BD4C-75A586F1EF88}"/>
+                </a:ext>
+              </a:extLst>
+            </p:cNvPr>
+            <p:cNvSpPr/>
+            <p:nvPr/>
+          </p:nvSpPr>
+          <p:spPr>
+            <a:xfrm>
+              <a:off x="2074837" y="2962673"/>
+              <a:ext cx="2837240" cy="647701"/>
+            </a:xfrm>
+            <a:prstGeom prst="ellipse">
+              <a:avLst/>
+            </a:prstGeom>
+            <a:ln>
+              <a:solidFill>
+                <a:schemeClr val="accent1"/>
+              </a:solidFill>
+            </a:ln>
+          </p:spPr>
+          <p:style>
+            <a:lnRef idx="2">
+              <a:schemeClr val="accent1">
+                <a:shade val="50000"/>
+              </a:schemeClr>
+            </a:lnRef>
+            <a:fillRef idx="1">
+              <a:schemeClr val="accent1"/>
+            </a:fillRef>
+            <a:effectRef idx="0">
+              <a:schemeClr val="accent1"/>
+            </a:effectRef>
+            <a:fontRef idx="minor">
+              <a:schemeClr val="lt1"/>
+            </a:fontRef>
+          </p:style>
+          <p:txBody>
+            <a:bodyPr rtlCol="0" anchor="ctr"/>
+            <a:lstStyle/>
+            <a:p>
+              <a:pPr algn="ctr"/>
+              <a:r>
+                <a:rPr lang="en-US" altLang="zh-CN" sz="1100" dirty="0"/>
+                <a:t>ERC721UriStorage</a:t>
+              </a:r>
+              <a:endParaRPr lang="en-US" sz="1100" dirty="0"/>
+            </a:p>
+          </p:txBody>
+        </p:sp>
+        <p:sp>
+          <p:nvSpPr>
+            <p:cNvPr id="7" name="椭圆 6">
+              <a:extLst>
+                <a:ext uri="{FF2B5EF4-FFF2-40B4-BE49-F238E27FC236}">
+                  <a16:creationId xmlns:a16="http://schemas.microsoft.com/office/drawing/2014/main" id="{E25551AC-2197-1F5B-C40C-5EA1603341F5}"/>
+                </a:ext>
+              </a:extLst>
+            </p:cNvPr>
+            <p:cNvSpPr/>
+            <p:nvPr/>
+          </p:nvSpPr>
+          <p:spPr>
+            <a:xfrm>
+              <a:off x="8203267" y="3105151"/>
+              <a:ext cx="2794163" cy="647700"/>
+            </a:xfrm>
+            <a:prstGeom prst="ellipse">
+              <a:avLst/>
+            </a:prstGeom>
+            <a:solidFill>
+              <a:srgbClr val="00B050"/>
+            </a:solidFill>
+            <a:ln>
+              <a:solidFill>
+                <a:schemeClr val="accent1"/>
+              </a:solidFill>
+            </a:ln>
+          </p:spPr>
+          <p:style>
+            <a:lnRef idx="2">
+              <a:schemeClr val="accent1">
+                <a:shade val="50000"/>
+              </a:schemeClr>
+            </a:lnRef>
+            <a:fillRef idx="1">
+              <a:schemeClr val="accent1"/>
+            </a:fillRef>
+            <a:effectRef idx="0">
+              <a:schemeClr val="accent1"/>
+            </a:effectRef>
+            <a:fontRef idx="minor">
+              <a:schemeClr val="lt1"/>
+            </a:fontRef>
+          </p:style>
+          <p:txBody>
+            <a:bodyPr rtlCol="0" anchor="ctr"/>
+            <a:lstStyle/>
+            <a:p>
+              <a:r>
+                <a:rPr lang="en-US" sz="1400" b="0" dirty="0">
+                  <a:solidFill>
+                    <a:srgbClr val="BABBCC"/>
+                  </a:solidFill>
+                  <a:effectLst/>
+                  <a:latin typeface="Consolas" panose="020B0609020204030204" pitchFamily="49" charset="0"/>
+                </a:rPr>
+                <a:t>ERC721Royalty</a:t>
+              </a:r>
+            </a:p>
+          </p:txBody>
+        </p:sp>
+        <p:cxnSp>
+          <p:nvCxnSpPr>
+            <p:cNvPr id="8" name="直接箭头连接符 7">
+              <a:extLst>
+                <a:ext uri="{FF2B5EF4-FFF2-40B4-BE49-F238E27FC236}">
+                  <a16:creationId xmlns:a16="http://schemas.microsoft.com/office/drawing/2014/main" id="{4960AA35-EC03-6718-A0F7-96C6BFCF1671}"/>
+                </a:ext>
+              </a:extLst>
+            </p:cNvPr>
+            <p:cNvCxnSpPr>
+              <a:cxnSpLocks/>
+              <a:stCxn id="6" idx="0"/>
+              <a:endCxn id="5" idx="3"/>
+            </p:cNvCxnSpPr>
+            <p:nvPr/>
+          </p:nvCxnSpPr>
+          <p:spPr>
+            <a:xfrm flipV="1">
+              <a:off x="3493458" y="2162571"/>
+              <a:ext cx="1381195" cy="800102"/>
+            </a:xfrm>
+            <a:prstGeom prst="straightConnector1">
+              <a:avLst/>
+            </a:prstGeom>
+            <a:ln>
+              <a:solidFill>
+                <a:schemeClr val="accent1"/>
+              </a:solidFill>
+              <a:tailEnd type="triangle"/>
+            </a:ln>
+          </p:spPr>
+          <p:style>
+            <a:lnRef idx="1">
+              <a:schemeClr val="accent1"/>
+            </a:lnRef>
+            <a:fillRef idx="0">
+              <a:schemeClr val="accent1"/>
+            </a:fillRef>
+            <a:effectRef idx="0">
+              <a:schemeClr val="accent1"/>
+            </a:effectRef>
+            <a:fontRef idx="minor">
+              <a:schemeClr val="tx1"/>
+            </a:fontRef>
+          </p:style>
+        </p:cxnSp>
+        <p:sp>
+          <p:nvSpPr>
+            <p:cNvPr id="9" name="椭圆 8">
+              <a:extLst>
+                <a:ext uri="{FF2B5EF4-FFF2-40B4-BE49-F238E27FC236}">
+                  <a16:creationId xmlns:a16="http://schemas.microsoft.com/office/drawing/2014/main" id="{720A3B65-776B-A7CC-54F0-C03F8F545B14}"/>
+                </a:ext>
+              </a:extLst>
+            </p:cNvPr>
+            <p:cNvSpPr/>
+            <p:nvPr/>
+          </p:nvSpPr>
+          <p:spPr>
+            <a:xfrm>
+              <a:off x="4314825" y="5086350"/>
+              <a:ext cx="2224556" cy="647700"/>
+            </a:xfrm>
+            <a:prstGeom prst="ellipse">
+              <a:avLst/>
+            </a:prstGeom>
+            <a:ln>
+              <a:solidFill>
+                <a:schemeClr val="accent1"/>
+              </a:solidFill>
+            </a:ln>
+          </p:spPr>
+          <p:style>
+            <a:lnRef idx="2">
+              <a:schemeClr val="accent1">
+                <a:shade val="50000"/>
+              </a:schemeClr>
+            </a:lnRef>
+            <a:fillRef idx="1">
+              <a:schemeClr val="accent1"/>
+            </a:fillRef>
+            <a:effectRef idx="0">
+              <a:schemeClr val="accent1"/>
+            </a:effectRef>
+            <a:fontRef idx="minor">
+              <a:schemeClr val="lt1"/>
+            </a:fontRef>
+          </p:style>
+          <p:txBody>
+            <a:bodyPr rtlCol="0" anchor="ctr"/>
+            <a:lstStyle/>
+            <a:p>
+              <a:pPr algn="ctr"/>
+              <a:r>
+                <a:rPr lang="en-US" altLang="zh-CN" sz="1400" dirty="0" err="1"/>
+                <a:t>ArtistNFT</a:t>
+              </a:r>
+              <a:endParaRPr lang="en-US" sz="1400" dirty="0"/>
+            </a:p>
+          </p:txBody>
+        </p:sp>
+        <p:cxnSp>
+          <p:nvCxnSpPr>
+            <p:cNvPr id="10" name="直接箭头连接符 9">
+              <a:extLst>
+                <a:ext uri="{FF2B5EF4-FFF2-40B4-BE49-F238E27FC236}">
+                  <a16:creationId xmlns:a16="http://schemas.microsoft.com/office/drawing/2014/main" id="{36718A4E-B014-62AD-F821-1836E0FF5C53}"/>
+                </a:ext>
+              </a:extLst>
+            </p:cNvPr>
+            <p:cNvCxnSpPr>
+              <a:cxnSpLocks/>
+              <a:stCxn id="9" idx="0"/>
+              <a:endCxn id="6" idx="4"/>
+            </p:cNvCxnSpPr>
+            <p:nvPr/>
+          </p:nvCxnSpPr>
+          <p:spPr>
+            <a:xfrm flipH="1" flipV="1">
+              <a:off x="3493458" y="3610374"/>
+              <a:ext cx="1933646" cy="1475976"/>
+            </a:xfrm>
+            <a:prstGeom prst="straightConnector1">
+              <a:avLst/>
+            </a:prstGeom>
+            <a:ln>
+              <a:solidFill>
+                <a:schemeClr val="accent1"/>
+              </a:solidFill>
+              <a:tailEnd type="triangle"/>
+            </a:ln>
+          </p:spPr>
+          <p:style>
+            <a:lnRef idx="1">
+              <a:schemeClr val="accent1"/>
+            </a:lnRef>
+            <a:fillRef idx="0">
+              <a:schemeClr val="accent1"/>
+            </a:fillRef>
+            <a:effectRef idx="0">
+              <a:schemeClr val="accent1"/>
+            </a:effectRef>
+            <a:fontRef idx="minor">
+              <a:schemeClr val="tx1"/>
+            </a:fontRef>
+          </p:style>
+        </p:cxnSp>
+        <p:cxnSp>
+          <p:nvCxnSpPr>
+            <p:cNvPr id="11" name="直接箭头连接符 10">
+              <a:extLst>
+                <a:ext uri="{FF2B5EF4-FFF2-40B4-BE49-F238E27FC236}">
+                  <a16:creationId xmlns:a16="http://schemas.microsoft.com/office/drawing/2014/main" id="{8451C6D1-D4D1-8D56-CA58-18A4EA160A19}"/>
+                </a:ext>
+              </a:extLst>
+            </p:cNvPr>
+            <p:cNvCxnSpPr>
+              <a:cxnSpLocks/>
+              <a:stCxn id="7" idx="0"/>
+              <a:endCxn id="5" idx="5"/>
+            </p:cNvCxnSpPr>
+            <p:nvPr/>
+          </p:nvCxnSpPr>
+          <p:spPr>
+            <a:xfrm flipH="1" flipV="1">
+              <a:off x="6060047" y="2162571"/>
+              <a:ext cx="3540301" cy="942580"/>
+            </a:xfrm>
+            <a:prstGeom prst="straightConnector1">
+              <a:avLst/>
+            </a:prstGeom>
+            <a:ln>
+              <a:solidFill>
+                <a:schemeClr val="accent1"/>
+              </a:solidFill>
+              <a:tailEnd type="triangle"/>
+            </a:ln>
+          </p:spPr>
+          <p:style>
+            <a:lnRef idx="1">
+              <a:schemeClr val="accent1"/>
+            </a:lnRef>
+            <a:fillRef idx="0">
+              <a:schemeClr val="accent1"/>
+            </a:fillRef>
+            <a:effectRef idx="0">
+              <a:schemeClr val="accent1"/>
+            </a:effectRef>
+            <a:fontRef idx="minor">
+              <a:schemeClr val="tx1"/>
+            </a:fontRef>
+          </p:style>
+        </p:cxnSp>
+        <p:cxnSp>
+          <p:nvCxnSpPr>
+            <p:cNvPr id="12" name="直接箭头连接符 11">
+              <a:extLst>
+                <a:ext uri="{FF2B5EF4-FFF2-40B4-BE49-F238E27FC236}">
+                  <a16:creationId xmlns:a16="http://schemas.microsoft.com/office/drawing/2014/main" id="{61E77652-84F3-E8B3-B524-E1A517B56DC9}"/>
+                </a:ext>
+              </a:extLst>
+            </p:cNvPr>
+            <p:cNvCxnSpPr>
+              <a:cxnSpLocks/>
+              <a:stCxn id="9" idx="0"/>
+              <a:endCxn id="7" idx="4"/>
+            </p:cNvCxnSpPr>
+            <p:nvPr/>
+          </p:nvCxnSpPr>
+          <p:spPr>
+            <a:xfrm flipV="1">
+              <a:off x="5427103" y="3752851"/>
+              <a:ext cx="4173245" cy="1333500"/>
+            </a:xfrm>
+            <a:prstGeom prst="straightConnector1">
+              <a:avLst/>
+            </a:prstGeom>
+            <a:ln>
+              <a:solidFill>
+                <a:schemeClr val="accent1"/>
+              </a:solidFill>
+              <a:tailEnd type="triangle"/>
+            </a:ln>
+          </p:spPr>
+          <p:style>
+            <a:lnRef idx="1">
+              <a:schemeClr val="accent1"/>
+            </a:lnRef>
+            <a:fillRef idx="0">
+              <a:schemeClr val="accent1"/>
+            </a:fillRef>
+            <a:effectRef idx="0">
+              <a:schemeClr val="accent1"/>
+            </a:effectRef>
+            <a:fontRef idx="minor">
+              <a:schemeClr val="tx1"/>
+            </a:fontRef>
+          </p:style>
+        </p:cxnSp>
+      </p:grpSp>
+      <p:sp>
+        <p:nvSpPr>
+          <p:cNvPr id="13" name="椭圆 12">
+            <a:extLst>
+              <a:ext uri="{FF2B5EF4-FFF2-40B4-BE49-F238E27FC236}">
+                <a16:creationId xmlns:a16="http://schemas.microsoft.com/office/drawing/2014/main" id="{6EC76F0C-F8F9-B524-8A32-CE2A13B98419}"/>
+              </a:ext>
+            </a:extLst>
+          </p:cNvPr>
+          <p:cNvSpPr/>
+          <p:nvPr/>
+        </p:nvSpPr>
+        <p:spPr>
+          <a:xfrm>
+            <a:off x="3160985" y="2371201"/>
+            <a:ext cx="1907648" cy="440076"/>
+          </a:xfrm>
+          <a:prstGeom prst="ellipse">
+            <a:avLst/>
+          </a:prstGeom>
+          <a:ln>
+            <a:solidFill>
+              <a:schemeClr val="accent1"/>
+            </a:solidFill>
+          </a:ln>
+        </p:spPr>
+        <p:style>
+          <a:lnRef idx="2">
+            <a:schemeClr val="accent1">
+              <a:shade val="50000"/>
+            </a:schemeClr>
+          </a:lnRef>
+          <a:fillRef idx="1">
+            <a:schemeClr val="accent1"/>
+          </a:fillRef>
+          <a:effectRef idx="0">
+            <a:schemeClr val="accent1"/>
+          </a:effectRef>
+          <a:fontRef idx="minor">
+            <a:schemeClr val="lt1"/>
+          </a:fontRef>
+        </p:style>
+        <p:txBody>
+          <a:bodyPr rtlCol="0" anchor="ctr"/>
+          <a:lstStyle/>
+          <a:p>
+            <a:pPr algn="ctr"/>
+            <a:r>
+              <a:rPr lang="en-US" altLang="zh-CN" sz="1400" dirty="0"/>
+              <a:t>Enumerable</a:t>
+            </a:r>
+          </a:p>
+          <a:p>
+            <a:pPr algn="ctr"/>
+            <a:r>
+              <a:rPr lang="en-US" sz="1400" baseline="-25000" dirty="0"/>
+              <a:t>+</a:t>
+            </a:r>
+          </a:p>
+        </p:txBody>
+      </p:sp>
+      <p:cxnSp>
+        <p:nvCxnSpPr>
+          <p:cNvPr id="18" name="直接箭头连接符 17">
+            <a:extLst>
+              <a:ext uri="{FF2B5EF4-FFF2-40B4-BE49-F238E27FC236}">
+                <a16:creationId xmlns:a16="http://schemas.microsoft.com/office/drawing/2014/main" id="{A764E76E-28C4-1DCA-85E2-AF53C1297278}"/>
+              </a:ext>
+            </a:extLst>
+          </p:cNvPr>
+          <p:cNvCxnSpPr>
+            <a:cxnSpLocks/>
+            <a:stCxn id="13" idx="0"/>
+            <a:endCxn id="5" idx="4"/>
+          </p:cNvCxnSpPr>
+          <p:nvPr/>
+        </p:nvCxnSpPr>
+        <p:spPr>
+          <a:xfrm flipH="1" flipV="1">
+            <a:off x="3329130" y="1859666"/>
+            <a:ext cx="785679" cy="511535"/>
+          </a:xfrm>
+          <a:prstGeom prst="straightConnector1">
+            <a:avLst/>
+          </a:prstGeom>
+          <a:ln>
+            <a:solidFill>
+              <a:schemeClr val="accent1"/>
+            </a:solidFill>
+            <a:tailEnd type="triangle"/>
+          </a:ln>
+        </p:spPr>
+        <p:style>
+          <a:lnRef idx="1">
+            <a:schemeClr val="accent1"/>
+          </a:lnRef>
+          <a:fillRef idx="0">
+            <a:schemeClr val="accent1"/>
+          </a:fillRef>
+          <a:effectRef idx="0">
+            <a:schemeClr val="accent1"/>
+          </a:effectRef>
+          <a:fontRef idx="minor">
+            <a:schemeClr val="tx1"/>
+          </a:fontRef>
+        </p:style>
+      </p:cxnSp>
+      <p:cxnSp>
+        <p:nvCxnSpPr>
+          <p:cNvPr id="21" name="直接箭头连接符 20">
+            <a:extLst>
+              <a:ext uri="{FF2B5EF4-FFF2-40B4-BE49-F238E27FC236}">
+                <a16:creationId xmlns:a16="http://schemas.microsoft.com/office/drawing/2014/main" id="{6EDC7566-6167-1319-AD5E-363714159F3D}"/>
+              </a:ext>
+            </a:extLst>
+          </p:cNvPr>
+          <p:cNvCxnSpPr>
+            <a:cxnSpLocks/>
+            <a:stCxn id="9" idx="0"/>
+            <a:endCxn id="13" idx="4"/>
+          </p:cNvCxnSpPr>
+          <p:nvPr/>
+        </p:nvCxnSpPr>
+        <p:spPr>
+          <a:xfrm flipV="1">
+            <a:off x="3298597" y="2811277"/>
+            <a:ext cx="816212" cy="970487"/>
+          </a:xfrm>
+          <a:prstGeom prst="straightConnector1">
+            <a:avLst/>
+          </a:prstGeom>
+          <a:ln>
+            <a:solidFill>
+              <a:schemeClr val="accent1"/>
+            </a:solidFill>
+            <a:tailEnd type="triangle"/>
+          </a:ln>
+        </p:spPr>
+        <p:style>
+          <a:lnRef idx="1">
+            <a:schemeClr val="accent1"/>
+          </a:lnRef>
+          <a:fillRef idx="0">
+            <a:schemeClr val="accent1"/>
+          </a:fillRef>
+          <a:effectRef idx="0">
+            <a:schemeClr val="accent1"/>
+          </a:effectRef>
+          <a:fontRef idx="minor">
+            <a:schemeClr val="tx1"/>
+          </a:fontRef>
+        </p:style>
+      </p:cxnSp>
+    </p:spTree>
+    <p:custDataLst>
+      <p:tags r:id="rId1"/>
+    </p:custDataLst>
+    <p:extLst>
+      <p:ext uri="{BB962C8B-B14F-4D97-AF65-F5344CB8AC3E}">
+        <p14:creationId xmlns:p14="http://schemas.microsoft.com/office/powerpoint/2010/main" val="1139760799"/>
+      </p:ext>
+    </p:extLst>
+  </p:cSld>
+  <p:clrMapOvr>
+    <a:masterClrMapping/>
+  </p:clrMapOvr>
+  <mc:AlternateContent xmlns:mc="http://schemas.openxmlformats.org/markup-compatibility/2006" xmlns:p14="http://schemas.microsoft.com/office/powerpoint/2010/main">
+    <mc:Choice Requires="p14">
+      <p:transition spd="slow" p14:dur="2000" advTm="146497"/>
+    </mc:Choice>
+    <mc:Fallback xmlns="">
+      <p:transition spd="slow" advTm="146497"/>
+    </mc:Fallback>
+  </mc:AlternateContent>
+</p:sld>
+</file>
+
+<file path=ppt/slides/slide9.xml><?xml version="1.0" encoding="utf-8"?>
+<p:sld xmlns:a="http://schemas.openxmlformats.org/drawingml/2006/main" xmlns:r="http://schemas.openxmlformats.org/officeDocument/2006/relationships" xmlns:p="http://schemas.openxmlformats.org/presentationml/2006/main">
+  <p:cSld>
+    <p:spTree>
+      <p:nvGrpSpPr>
+        <p:cNvPr id="1" name=""/>
+        <p:cNvGrpSpPr/>
+        <p:nvPr/>
+      </p:nvGrpSpPr>
+      <p:grpSpPr>
+        <a:xfrm>
+          <a:off x="0" y="0"/>
+          <a:ext cx="0" cy="0"/>
+          <a:chOff x="0" y="0"/>
+          <a:chExt cx="0" cy="0"/>
+        </a:xfrm>
+      </p:grpSpPr>
+      <p:sp>
+        <p:nvSpPr>
+          <p:cNvPr id="22" name="矩形 21"/>
+          <p:cNvSpPr/>
+          <p:nvPr/>
+        </p:nvSpPr>
+        <p:spPr>
+          <a:xfrm>
+            <a:off x="-8946" y="3330810"/>
+            <a:ext cx="9142810" cy="686903"/>
+          </a:xfrm>
+          <a:prstGeom prst="rect">
+            <a:avLst/>
+          </a:prstGeom>
+          <a:solidFill>
+            <a:srgbClr val="C00000"/>
+          </a:solidFill>
+          <a:ln>
+            <a:noFill/>
+          </a:ln>
+        </p:spPr>
+        <p:style>
+          <a:lnRef idx="2">
+            <a:schemeClr val="accent1">
+              <a:shade val="50000"/>
+            </a:schemeClr>
+          </a:lnRef>
+          <a:fillRef idx="1">
+            <a:schemeClr val="accent1"/>
+          </a:fillRef>
+          <a:effectRef idx="0">
+            <a:schemeClr val="accent1"/>
+          </a:effectRef>
+          <a:fontRef idx="minor">
+            <a:schemeClr val="lt1"/>
+          </a:fontRef>
+        </p:style>
+        <p:txBody>
+          <a:bodyPr rtlCol="0" anchor="ctr"/>
+          <a:lstStyle/>
+          <a:p>
+            <a:pPr algn="ctr"/>
+            <a:endParaRPr lang="zh-CN" altLang="en-US" sz="1350"/>
+          </a:p>
+        </p:txBody>
+      </p:sp>
+      <p:sp>
+        <p:nvSpPr>
+          <p:cNvPr id="23" name="TextBox 5"/>
+          <p:cNvSpPr>
+            <a:spLocks noChangeArrowheads="1"/>
+          </p:cNvSpPr>
+          <p:nvPr/>
+        </p:nvSpPr>
+        <p:spPr bwMode="auto">
+          <a:xfrm>
+            <a:off x="216506" y="3467784"/>
+            <a:ext cx="3221787" cy="369332"/>
+          </a:xfrm>
+          <a:prstGeom prst="rect">
+            <a:avLst/>
+          </a:prstGeom>
+          <a:noFill/>
+          <a:ln>
+            <a:noFill/>
+          </a:ln>
+          <a:extLst>
+            <a:ext uri="{909E8E84-426E-40DD-AFC4-6F175D3DCCD1}">
+              <a14:hiddenFill xmlns:a14="http://schemas.microsoft.com/office/drawing/2010/main">
+                <a:solidFill>
+                  <a:srgbClr val="FFFFFF"/>
+                </a:solidFill>
+              </a14:hiddenFill>
+            </a:ext>
+            <a:ext uri="{91240B29-F687-4F45-9708-019B960494DF}">
+              <a14:hiddenLine xmlns:a14="http://schemas.microsoft.com/office/drawing/2010/main" w="9525">
+                <a:solidFill>
+                  <a:srgbClr val="000000"/>
+                </a:solidFill>
+                <a:miter lim="800000"/>
+                <a:headEnd/>
+                <a:tailEnd/>
+              </a14:hiddenLine>
+            </a:ext>
+          </a:extLst>
+        </p:spPr>
+        <p:txBody>
+          <a:bodyPr wrap="square">
+            <a:spAutoFit/>
+          </a:bodyPr>
+          <a:lstStyle/>
+          <a:p>
+            <a:pPr algn="ctr"/>
+            <a:r>
+              <a:rPr lang="zh-CN" altLang="en-US" dirty="0">
+                <a:solidFill>
+                  <a:schemeClr val="bg1"/>
+                </a:solidFill>
+                <a:latin typeface="微软雅黑" panose="020B0503020204020204" charset="-122"/>
+                <a:ea typeface="微软雅黑" panose="020B0503020204020204" charset="-122"/>
+              </a:rPr>
+              <a:t>经济学设计</a:t>
+            </a:r>
+            <a:r>
+              <a:rPr lang="en-US" altLang="zh-CN" dirty="0">
+                <a:solidFill>
+                  <a:schemeClr val="bg1"/>
+                </a:solidFill>
+                <a:latin typeface="微软雅黑" panose="020B0503020204020204" charset="-122"/>
+                <a:ea typeface="微软雅黑" panose="020B0503020204020204" charset="-122"/>
+              </a:rPr>
+              <a:t>-</a:t>
+            </a:r>
+            <a:r>
+              <a:rPr lang="zh-CN" altLang="en-US" dirty="0">
+                <a:solidFill>
+                  <a:schemeClr val="bg1"/>
+                </a:solidFill>
+                <a:latin typeface="微软雅黑" panose="020B0503020204020204" charset="-122"/>
+                <a:ea typeface="微软雅黑" panose="020B0503020204020204" charset="-122"/>
+              </a:rPr>
+              <a:t>平台收费与治理</a:t>
+            </a:r>
+          </a:p>
+        </p:txBody>
+      </p:sp>
+      <p:sp>
+        <p:nvSpPr>
+          <p:cNvPr id="24" name="TextBox 5"/>
+          <p:cNvSpPr>
+            <a:spLocks noChangeArrowheads="1"/>
+          </p:cNvSpPr>
+          <p:nvPr/>
+        </p:nvSpPr>
+        <p:spPr bwMode="auto">
+          <a:xfrm>
+            <a:off x="5929979" y="3467784"/>
+            <a:ext cx="3203885" cy="398780"/>
+          </a:xfrm>
+          <a:prstGeom prst="rect">
+            <a:avLst/>
+          </a:prstGeom>
+          <a:noFill/>
+          <a:ln>
+            <a:noFill/>
+          </a:ln>
+          <a:extLst>
+            <a:ext uri="{909E8E84-426E-40DD-AFC4-6F175D3DCCD1}">
+              <a14:hiddenFill xmlns:a14="http://schemas.microsoft.com/office/drawing/2010/main">
+                <a:solidFill>
+                  <a:srgbClr val="FFFFFF"/>
+                </a:solidFill>
+              </a14:hiddenFill>
+            </a:ext>
+            <a:ext uri="{91240B29-F687-4F45-9708-019B960494DF}">
+              <a14:hiddenLine xmlns:a14="http://schemas.microsoft.com/office/drawing/2010/main" w="9525">
+                <a:solidFill>
+                  <a:srgbClr val="000000"/>
+                </a:solidFill>
+                <a:miter lim="800000"/>
+                <a:headEnd/>
+                <a:tailEnd/>
+              </a14:hiddenLine>
+            </a:ext>
+          </a:extLst>
+        </p:spPr>
+        <p:txBody>
+          <a:bodyPr wrap="square">
+            <a:spAutoFit/>
+          </a:bodyPr>
+          <a:lstStyle/>
+          <a:p>
+            <a:r>
+              <a:rPr lang="en-US" altLang="zh-CN" sz="2000" dirty="0">
+                <a:solidFill>
+                  <a:schemeClr val="bg1"/>
+                </a:solidFill>
+                <a:latin typeface="微软雅黑" panose="020B0503020204020204" charset="-122"/>
+                <a:ea typeface="微软雅黑" panose="020B0503020204020204" charset="-122"/>
+              </a:rPr>
+              <a:t>Produced</a:t>
+            </a:r>
+            <a:r>
+              <a:rPr lang="zh-CN" altLang="en-US" sz="2000" dirty="0">
+                <a:solidFill>
+                  <a:schemeClr val="bg1"/>
+                </a:solidFill>
+                <a:latin typeface="微软雅黑" panose="020B0503020204020204" charset="-122"/>
+                <a:ea typeface="微软雅黑" panose="020B0503020204020204" charset="-122"/>
+              </a:rPr>
+              <a:t> </a:t>
+            </a:r>
+            <a:r>
+              <a:rPr lang="en-US" altLang="zh-CN" sz="2000" dirty="0">
+                <a:solidFill>
+                  <a:schemeClr val="bg1"/>
+                </a:solidFill>
+                <a:latin typeface="微软雅黑" panose="020B0503020204020204" charset="-122"/>
+                <a:ea typeface="微软雅黑" panose="020B0503020204020204" charset="-122"/>
+              </a:rPr>
+              <a:t>By</a:t>
+            </a:r>
+            <a:r>
+              <a:rPr lang="zh-CN" altLang="en-US" sz="2000" dirty="0">
+                <a:solidFill>
+                  <a:schemeClr val="bg1"/>
+                </a:solidFill>
+                <a:latin typeface="微软雅黑" panose="020B0503020204020204" charset="-122"/>
+                <a:ea typeface="微软雅黑" panose="020B0503020204020204" charset="-122"/>
+              </a:rPr>
+              <a:t> </a:t>
+            </a:r>
+            <a:r>
+              <a:rPr lang="en-US" altLang="zh-CN" sz="2000" dirty="0">
+                <a:solidFill>
+                  <a:schemeClr val="bg1"/>
+                </a:solidFill>
+                <a:latin typeface="微软雅黑" panose="020B0503020204020204" charset="-122"/>
+                <a:ea typeface="微软雅黑" panose="020B0503020204020204" charset="-122"/>
+              </a:rPr>
+              <a:t>Adams</a:t>
+            </a:r>
+            <a:endParaRPr lang="zh-CN" altLang="en-US" sz="2000" dirty="0">
+              <a:solidFill>
+                <a:schemeClr val="bg1"/>
+              </a:solidFill>
+              <a:latin typeface="微软雅黑" panose="020B0503020204020204" charset="-122"/>
+              <a:ea typeface="微软雅黑" panose="020B0503020204020204" charset="-122"/>
+            </a:endParaRPr>
+          </a:p>
+        </p:txBody>
+      </p:sp>
+      <p:sp>
+        <p:nvSpPr>
+          <p:cNvPr id="25" name="Freeform 5"/>
+          <p:cNvSpPr/>
+          <p:nvPr/>
+        </p:nvSpPr>
+        <p:spPr bwMode="auto">
+          <a:xfrm rot="1855731">
+            <a:off x="3071186" y="756255"/>
+            <a:ext cx="480168" cy="432925"/>
+          </a:xfrm>
+          <a:custGeom>
+            <a:avLst/>
+            <a:gdLst>
+              <a:gd name="T0" fmla="*/ 2151 w 2740"/>
+              <a:gd name="T1" fmla="*/ 2315 h 2446"/>
+              <a:gd name="T2" fmla="*/ 2055 w 2740"/>
+              <a:gd name="T3" fmla="*/ 2410 h 2446"/>
+              <a:gd name="T4" fmla="*/ 1918 w 2740"/>
+              <a:gd name="T5" fmla="*/ 2445 h 2446"/>
+              <a:gd name="T6" fmla="*/ 816 w 2740"/>
+              <a:gd name="T7" fmla="*/ 2445 h 2446"/>
+              <a:gd name="T8" fmla="*/ 685 w 2740"/>
+              <a:gd name="T9" fmla="*/ 2410 h 2446"/>
+              <a:gd name="T10" fmla="*/ 589 w 2740"/>
+              <a:gd name="T11" fmla="*/ 2314 h 2446"/>
+              <a:gd name="T12" fmla="*/ 36 w 2740"/>
+              <a:gd name="T13" fmla="*/ 1356 h 2446"/>
+              <a:gd name="T14" fmla="*/ 0 w 2740"/>
+              <a:gd name="T15" fmla="*/ 1223 h 2446"/>
+              <a:gd name="T16" fmla="*/ 36 w 2740"/>
+              <a:gd name="T17" fmla="*/ 1089 h 2446"/>
+              <a:gd name="T18" fmla="*/ 587 w 2740"/>
+              <a:gd name="T19" fmla="*/ 135 h 2446"/>
+              <a:gd name="T20" fmla="*/ 685 w 2740"/>
+              <a:gd name="T21" fmla="*/ 37 h 2446"/>
+              <a:gd name="T22" fmla="*/ 810 w 2740"/>
+              <a:gd name="T23" fmla="*/ 1 h 2446"/>
+              <a:gd name="T24" fmla="*/ 1916 w 2740"/>
+              <a:gd name="T25" fmla="*/ 1 h 2446"/>
+              <a:gd name="T26" fmla="*/ 2055 w 2740"/>
+              <a:gd name="T27" fmla="*/ 37 h 2446"/>
+              <a:gd name="T28" fmla="*/ 2151 w 2740"/>
+              <a:gd name="T29" fmla="*/ 132 h 2446"/>
+              <a:gd name="T30" fmla="*/ 2702 w 2740"/>
+              <a:gd name="T31" fmla="*/ 1086 h 2446"/>
+              <a:gd name="T32" fmla="*/ 2740 w 2740"/>
+              <a:gd name="T33" fmla="*/ 1223 h 2446"/>
+              <a:gd name="T34" fmla="*/ 2701 w 2740"/>
+              <a:gd name="T35" fmla="*/ 1361 h 2446"/>
+              <a:gd name="T36" fmla="*/ 2151 w 2740"/>
+              <a:gd name="T37" fmla="*/ 2315 h 2446"/>
+            </a:gdLst>
+            <a:ahLst/>
+            <a:cxnLst>
+              <a:cxn ang="0">
+                <a:pos x="T0" y="T1"/>
+              </a:cxn>
+              <a:cxn ang="0">
+                <a:pos x="T2" y="T3"/>
+              </a:cxn>
+              <a:cxn ang="0">
+                <a:pos x="T4" y="T5"/>
+              </a:cxn>
+              <a:cxn ang="0">
+                <a:pos x="T6" y="T7"/>
+              </a:cxn>
+              <a:cxn ang="0">
+                <a:pos x="T8" y="T9"/>
+              </a:cxn>
+              <a:cxn ang="0">
+                <a:pos x="T10" y="T11"/>
+              </a:cxn>
+              <a:cxn ang="0">
+                <a:pos x="T12" y="T13"/>
+              </a:cxn>
+              <a:cxn ang="0">
+                <a:pos x="T14" y="T15"/>
+              </a:cxn>
+              <a:cxn ang="0">
+                <a:pos x="T16" y="T17"/>
+              </a:cxn>
+              <a:cxn ang="0">
+                <a:pos x="T18" y="T19"/>
+              </a:cxn>
+              <a:cxn ang="0">
+                <a:pos x="T20" y="T21"/>
+              </a:cxn>
+              <a:cxn ang="0">
+                <a:pos x="T22" y="T23"/>
+              </a:cxn>
+              <a:cxn ang="0">
+                <a:pos x="T24" y="T25"/>
+              </a:cxn>
+              <a:cxn ang="0">
+                <a:pos x="T26" y="T27"/>
+              </a:cxn>
+              <a:cxn ang="0">
+                <a:pos x="T28" y="T29"/>
+              </a:cxn>
+              <a:cxn ang="0">
+                <a:pos x="T30" y="T31"/>
+              </a:cxn>
+              <a:cxn ang="0">
+                <a:pos x="T32" y="T33"/>
+              </a:cxn>
+              <a:cxn ang="0">
+                <a:pos x="T34" y="T35"/>
+              </a:cxn>
+              <a:cxn ang="0">
+                <a:pos x="T36" y="T37"/>
+              </a:cxn>
+            </a:cxnLst>
+            <a:rect l="0" t="0" r="r" b="b"/>
+            <a:pathLst>
+              <a:path w="2740" h="2446">
+                <a:moveTo>
+                  <a:pt x="2151" y="2315"/>
+                </a:moveTo>
+                <a:cubicBezTo>
+                  <a:pt x="2128" y="2353"/>
+                  <a:pt x="2096" y="2386"/>
+                  <a:pt x="2055" y="2410"/>
+                </a:cubicBezTo>
+                <a:cubicBezTo>
+                  <a:pt x="2012" y="2435"/>
+                  <a:pt x="1965" y="2446"/>
+                  <a:pt x="1918" y="2445"/>
+                </a:cubicBezTo>
+                <a:lnTo>
+                  <a:pt x="816" y="2445"/>
+                </a:lnTo>
+                <a:cubicBezTo>
+                  <a:pt x="772" y="2445"/>
+                  <a:pt x="726" y="2434"/>
+                  <a:pt x="685" y="2410"/>
+                </a:cubicBezTo>
+                <a:cubicBezTo>
+                  <a:pt x="644" y="2386"/>
+                  <a:pt x="611" y="2353"/>
+                  <a:pt x="589" y="2314"/>
+                </a:cubicBezTo>
+                <a:lnTo>
+                  <a:pt x="36" y="1356"/>
+                </a:lnTo>
+                <a:cubicBezTo>
+                  <a:pt x="13" y="1317"/>
+                  <a:pt x="0" y="1272"/>
+                  <a:pt x="0" y="1223"/>
+                </a:cubicBezTo>
+                <a:cubicBezTo>
+                  <a:pt x="0" y="1174"/>
+                  <a:pt x="13" y="1129"/>
+                  <a:pt x="36" y="1089"/>
+                </a:cubicBezTo>
+                <a:lnTo>
+                  <a:pt x="587" y="135"/>
+                </a:lnTo>
+                <a:cubicBezTo>
+                  <a:pt x="610" y="96"/>
+                  <a:pt x="643" y="61"/>
+                  <a:pt x="685" y="37"/>
+                </a:cubicBezTo>
+                <a:cubicBezTo>
+                  <a:pt x="724" y="14"/>
+                  <a:pt x="767" y="2"/>
+                  <a:pt x="810" y="1"/>
+                </a:cubicBezTo>
+                <a:lnTo>
+                  <a:pt x="1916" y="1"/>
+                </a:lnTo>
+                <a:cubicBezTo>
+                  <a:pt x="1963" y="0"/>
+                  <a:pt x="2011" y="11"/>
+                  <a:pt x="2055" y="37"/>
+                </a:cubicBezTo>
+                <a:cubicBezTo>
+                  <a:pt x="2096" y="60"/>
+                  <a:pt x="2129" y="93"/>
+                  <a:pt x="2151" y="132"/>
+                </a:cubicBezTo>
+                <a:lnTo>
+                  <a:pt x="2702" y="1086"/>
+                </a:lnTo>
+                <a:cubicBezTo>
+                  <a:pt x="2726" y="1126"/>
+                  <a:pt x="2740" y="1173"/>
+                  <a:pt x="2740" y="1223"/>
+                </a:cubicBezTo>
+                <a:cubicBezTo>
+                  <a:pt x="2740" y="1274"/>
+                  <a:pt x="2726" y="1321"/>
+                  <a:pt x="2701" y="1361"/>
+                </a:cubicBezTo>
+                <a:lnTo>
+                  <a:pt x="2151" y="2315"/>
+                </a:lnTo>
+                <a:close/>
+              </a:path>
+            </a:pathLst>
+          </a:custGeom>
+          <a:gradFill>
+            <a:gsLst>
+              <a:gs pos="0">
+                <a:srgbClr val="D3D3D3"/>
+              </a:gs>
+              <a:gs pos="100000">
+                <a:srgbClr val="F9F9F9"/>
+              </a:gs>
+            </a:gsLst>
+            <a:lin ang="21594000" scaled="0"/>
+          </a:gradFill>
+          <a:ln w="12700" cap="flat">
+            <a:noFill/>
+            <a:prstDash val="solid"/>
+            <a:miter lim="800000"/>
+          </a:ln>
+          <a:effectLst>
+            <a:outerShdw blurRad="50800" dist="38100" dir="2700000" algn="tl" rotWithShape="0">
+              <a:prstClr val="black">
+                <a:alpha val="40000"/>
+              </a:prstClr>
+            </a:outerShdw>
+          </a:effectLst>
+        </p:spPr>
+        <p:txBody>
+          <a:bodyPr vert="horz" wrap="square" lIns="68580" tIns="34290" rIns="68580" bIns="34290" numCol="1" anchor="t" anchorCtr="0" compatLnSpc="1"/>
+          <a:lstStyle/>
+          <a:p>
+            <a:endParaRPr lang="zh-CN" altLang="en-US" sz="1350">
+              <a:latin typeface="Meiryo" panose="020B0604030504040204" pitchFamily="34" charset="-128"/>
+              <a:ea typeface="方正兰亭黑简体" panose="02000000000000000000" pitchFamily="2" charset="-122"/>
+            </a:endParaRPr>
+          </a:p>
+        </p:txBody>
+      </p:sp>
+      <p:sp>
+        <p:nvSpPr>
+          <p:cNvPr id="26" name="Freeform 5"/>
+          <p:cNvSpPr/>
+          <p:nvPr/>
+        </p:nvSpPr>
+        <p:spPr bwMode="auto">
+          <a:xfrm rot="1855731">
+            <a:off x="4061994" y="706021"/>
+            <a:ext cx="256127" cy="230927"/>
+          </a:xfrm>
+          <a:custGeom>
+            <a:avLst/>
+            <a:gdLst>
+              <a:gd name="T0" fmla="*/ 2151 w 2740"/>
+              <a:gd name="T1" fmla="*/ 2315 h 2446"/>
+              <a:gd name="T2" fmla="*/ 2055 w 2740"/>
+              <a:gd name="T3" fmla="*/ 2410 h 2446"/>
+              <a:gd name="T4" fmla="*/ 1918 w 2740"/>
+              <a:gd name="T5" fmla="*/ 2445 h 2446"/>
+              <a:gd name="T6" fmla="*/ 816 w 2740"/>
+              <a:gd name="T7" fmla="*/ 2445 h 2446"/>
+              <a:gd name="T8" fmla="*/ 685 w 2740"/>
+              <a:gd name="T9" fmla="*/ 2410 h 2446"/>
+              <a:gd name="T10" fmla="*/ 589 w 2740"/>
+              <a:gd name="T11" fmla="*/ 2314 h 2446"/>
+              <a:gd name="T12" fmla="*/ 36 w 2740"/>
+              <a:gd name="T13" fmla="*/ 1356 h 2446"/>
+              <a:gd name="T14" fmla="*/ 0 w 2740"/>
+              <a:gd name="T15" fmla="*/ 1223 h 2446"/>
+              <a:gd name="T16" fmla="*/ 36 w 2740"/>
+              <a:gd name="T17" fmla="*/ 1089 h 2446"/>
+              <a:gd name="T18" fmla="*/ 587 w 2740"/>
+              <a:gd name="T19" fmla="*/ 135 h 2446"/>
+              <a:gd name="T20" fmla="*/ 685 w 2740"/>
+              <a:gd name="T21" fmla="*/ 37 h 2446"/>
+              <a:gd name="T22" fmla="*/ 810 w 2740"/>
+              <a:gd name="T23" fmla="*/ 1 h 2446"/>
+              <a:gd name="T24" fmla="*/ 1916 w 2740"/>
+              <a:gd name="T25" fmla="*/ 1 h 2446"/>
+              <a:gd name="T26" fmla="*/ 2055 w 2740"/>
+              <a:gd name="T27" fmla="*/ 37 h 2446"/>
+              <a:gd name="T28" fmla="*/ 2151 w 2740"/>
+              <a:gd name="T29" fmla="*/ 132 h 2446"/>
+              <a:gd name="T30" fmla="*/ 2702 w 2740"/>
+              <a:gd name="T31" fmla="*/ 1086 h 2446"/>
+              <a:gd name="T32" fmla="*/ 2740 w 2740"/>
+              <a:gd name="T33" fmla="*/ 1223 h 2446"/>
+              <a:gd name="T34" fmla="*/ 2701 w 2740"/>
+              <a:gd name="T35" fmla="*/ 1361 h 2446"/>
+              <a:gd name="T36" fmla="*/ 2151 w 2740"/>
+              <a:gd name="T37" fmla="*/ 2315 h 2446"/>
+            </a:gdLst>
+            <a:ahLst/>
+            <a:cxnLst>
+              <a:cxn ang="0">
+                <a:pos x="T0" y="T1"/>
+              </a:cxn>
+              <a:cxn ang="0">
+                <a:pos x="T2" y="T3"/>
+              </a:cxn>
+              <a:cxn ang="0">
+                <a:pos x="T4" y="T5"/>
+              </a:cxn>
+              <a:cxn ang="0">
+                <a:pos x="T6" y="T7"/>
+              </a:cxn>
+              <a:cxn ang="0">
+                <a:pos x="T8" y="T9"/>
+              </a:cxn>
+              <a:cxn ang="0">
+                <a:pos x="T10" y="T11"/>
+              </a:cxn>
+              <a:cxn ang="0">
+                <a:pos x="T12" y="T13"/>
+              </a:cxn>
+              <a:cxn ang="0">
+                <a:pos x="T14" y="T15"/>
+              </a:cxn>
+              <a:cxn ang="0">
+                <a:pos x="T16" y="T17"/>
+              </a:cxn>
+              <a:cxn ang="0">
+                <a:pos x="T18" y="T19"/>
+              </a:cxn>
+              <a:cxn ang="0">
+                <a:pos x="T20" y="T21"/>
+              </a:cxn>
+              <a:cxn ang="0">
+                <a:pos x="T22" y="T23"/>
+              </a:cxn>
+              <a:cxn ang="0">
+                <a:pos x="T24" y="T25"/>
+              </a:cxn>
+              <a:cxn ang="0">
+                <a:pos x="T26" y="T27"/>
+              </a:cxn>
+              <a:cxn ang="0">
+                <a:pos x="T28" y="T29"/>
+              </a:cxn>
+              <a:cxn ang="0">
+                <a:pos x="T30" y="T31"/>
+              </a:cxn>
+              <a:cxn ang="0">
+                <a:pos x="T32" y="T33"/>
+              </a:cxn>
+              <a:cxn ang="0">
+                <a:pos x="T34" y="T35"/>
+              </a:cxn>
+              <a:cxn ang="0">
+                <a:pos x="T36" y="T37"/>
+              </a:cxn>
+            </a:cxnLst>
+            <a:rect l="0" t="0" r="r" b="b"/>
+            <a:pathLst>
+              <a:path w="2740" h="2446">
+                <a:moveTo>
+                  <a:pt x="2151" y="2315"/>
+                </a:moveTo>
+                <a:cubicBezTo>
+                  <a:pt x="2128" y="2353"/>
+                  <a:pt x="2096" y="2386"/>
+                  <a:pt x="2055" y="2410"/>
+                </a:cubicBezTo>
+                <a:cubicBezTo>
+                  <a:pt x="2012" y="2435"/>
+                  <a:pt x="1965" y="2446"/>
+                  <a:pt x="1918" y="2445"/>
+                </a:cubicBezTo>
+                <a:lnTo>
+                  <a:pt x="816" y="2445"/>
+                </a:lnTo>
+                <a:cubicBezTo>
+                  <a:pt x="772" y="2445"/>
+                  <a:pt x="726" y="2434"/>
+                  <a:pt x="685" y="2410"/>
+                </a:cubicBezTo>
+                <a:cubicBezTo>
+                  <a:pt x="644" y="2386"/>
+                  <a:pt x="611" y="2353"/>
+                  <a:pt x="589" y="2314"/>
+                </a:cubicBezTo>
+                <a:lnTo>
+                  <a:pt x="36" y="1356"/>
+                </a:lnTo>
+                <a:cubicBezTo>
+                  <a:pt x="13" y="1317"/>
+                  <a:pt x="0" y="1272"/>
+                  <a:pt x="0" y="1223"/>
+                </a:cubicBezTo>
+                <a:cubicBezTo>
+                  <a:pt x="0" y="1174"/>
+                  <a:pt x="13" y="1129"/>
+                  <a:pt x="36" y="1089"/>
+                </a:cubicBezTo>
+                <a:lnTo>
+                  <a:pt x="587" y="135"/>
+                </a:lnTo>
+                <a:cubicBezTo>
+                  <a:pt x="610" y="96"/>
+                  <a:pt x="643" y="61"/>
+                  <a:pt x="685" y="37"/>
+                </a:cubicBezTo>
+                <a:cubicBezTo>
+                  <a:pt x="724" y="14"/>
+                  <a:pt x="767" y="2"/>
+                  <a:pt x="810" y="1"/>
+                </a:cubicBezTo>
+                <a:lnTo>
+                  <a:pt x="1916" y="1"/>
+                </a:lnTo>
+                <a:cubicBezTo>
+                  <a:pt x="1963" y="0"/>
+                  <a:pt x="2011" y="11"/>
+                  <a:pt x="2055" y="37"/>
+                </a:cubicBezTo>
+                <a:cubicBezTo>
+                  <a:pt x="2096" y="60"/>
+                  <a:pt x="2129" y="93"/>
+                  <a:pt x="2151" y="132"/>
+                </a:cubicBezTo>
+                <a:lnTo>
+                  <a:pt x="2702" y="1086"/>
+                </a:lnTo>
+                <a:cubicBezTo>
+                  <a:pt x="2726" y="1126"/>
+                  <a:pt x="2740" y="1173"/>
+                  <a:pt x="2740" y="1223"/>
+                </a:cubicBezTo>
+                <a:cubicBezTo>
+                  <a:pt x="2740" y="1274"/>
+                  <a:pt x="2726" y="1321"/>
+                  <a:pt x="2701" y="1361"/>
+                </a:cubicBezTo>
+                <a:lnTo>
+                  <a:pt x="2151" y="2315"/>
+                </a:lnTo>
+                <a:close/>
+              </a:path>
+            </a:pathLst>
+          </a:custGeom>
+          <a:solidFill>
+            <a:srgbClr val="C00000"/>
+          </a:solidFill>
+          <a:ln w="12700" cap="flat">
+            <a:noFill/>
+            <a:prstDash val="solid"/>
+            <a:miter lim="800000"/>
+          </a:ln>
+          <a:effectLst>
+            <a:outerShdw blurRad="50800" dist="38100" dir="2700000" algn="tl" rotWithShape="0">
+              <a:prstClr val="black">
+                <a:alpha val="40000"/>
+              </a:prstClr>
+            </a:outerShdw>
+          </a:effectLst>
+        </p:spPr>
+        <p:txBody>
+          <a:bodyPr vert="horz" wrap="square" lIns="68580" tIns="34290" rIns="68580" bIns="34290" numCol="1" anchor="t" anchorCtr="0" compatLnSpc="1"/>
+          <a:lstStyle/>
+          <a:p>
+            <a:endParaRPr lang="zh-CN" altLang="en-US" sz="1350">
+              <a:latin typeface="Meiryo" panose="020B0604030504040204" pitchFamily="34" charset="-128"/>
+              <a:ea typeface="方正兰亭黑简体" panose="02000000000000000000" pitchFamily="2" charset="-122"/>
+            </a:endParaRPr>
+          </a:p>
+        </p:txBody>
+      </p:sp>
+      <p:sp>
+        <p:nvSpPr>
+          <p:cNvPr id="27" name="Freeform 5"/>
+          <p:cNvSpPr/>
+          <p:nvPr/>
+        </p:nvSpPr>
+        <p:spPr bwMode="auto">
+          <a:xfrm rot="1855731">
+            <a:off x="2331235" y="901917"/>
+            <a:ext cx="254888" cy="229810"/>
+          </a:xfrm>
+          <a:custGeom>
+            <a:avLst/>
+            <a:gdLst>
+              <a:gd name="T0" fmla="*/ 2151 w 2740"/>
+              <a:gd name="T1" fmla="*/ 2315 h 2446"/>
+              <a:gd name="T2" fmla="*/ 2055 w 2740"/>
+              <a:gd name="T3" fmla="*/ 2410 h 2446"/>
+              <a:gd name="T4" fmla="*/ 1918 w 2740"/>
+              <a:gd name="T5" fmla="*/ 2445 h 2446"/>
+              <a:gd name="T6" fmla="*/ 816 w 2740"/>
+              <a:gd name="T7" fmla="*/ 2445 h 2446"/>
+              <a:gd name="T8" fmla="*/ 685 w 2740"/>
+              <a:gd name="T9" fmla="*/ 2410 h 2446"/>
+              <a:gd name="T10" fmla="*/ 589 w 2740"/>
+              <a:gd name="T11" fmla="*/ 2314 h 2446"/>
+              <a:gd name="T12" fmla="*/ 36 w 2740"/>
+              <a:gd name="T13" fmla="*/ 1356 h 2446"/>
+              <a:gd name="T14" fmla="*/ 0 w 2740"/>
+              <a:gd name="T15" fmla="*/ 1223 h 2446"/>
+              <a:gd name="T16" fmla="*/ 36 w 2740"/>
+              <a:gd name="T17" fmla="*/ 1089 h 2446"/>
+              <a:gd name="T18" fmla="*/ 587 w 2740"/>
+              <a:gd name="T19" fmla="*/ 135 h 2446"/>
+              <a:gd name="T20" fmla="*/ 685 w 2740"/>
+              <a:gd name="T21" fmla="*/ 37 h 2446"/>
+              <a:gd name="T22" fmla="*/ 810 w 2740"/>
+              <a:gd name="T23" fmla="*/ 1 h 2446"/>
+              <a:gd name="T24" fmla="*/ 1916 w 2740"/>
+              <a:gd name="T25" fmla="*/ 1 h 2446"/>
+              <a:gd name="T26" fmla="*/ 2055 w 2740"/>
+              <a:gd name="T27" fmla="*/ 37 h 2446"/>
+              <a:gd name="T28" fmla="*/ 2151 w 2740"/>
+              <a:gd name="T29" fmla="*/ 132 h 2446"/>
+              <a:gd name="T30" fmla="*/ 2702 w 2740"/>
+              <a:gd name="T31" fmla="*/ 1086 h 2446"/>
+              <a:gd name="T32" fmla="*/ 2740 w 2740"/>
+              <a:gd name="T33" fmla="*/ 1223 h 2446"/>
+              <a:gd name="T34" fmla="*/ 2701 w 2740"/>
+              <a:gd name="T35" fmla="*/ 1361 h 2446"/>
+              <a:gd name="T36" fmla="*/ 2151 w 2740"/>
+              <a:gd name="T37" fmla="*/ 2315 h 2446"/>
+            </a:gdLst>
+            <a:ahLst/>
+            <a:cxnLst>
+              <a:cxn ang="0">
+                <a:pos x="T0" y="T1"/>
+              </a:cxn>
+              <a:cxn ang="0">
+                <a:pos x="T2" y="T3"/>
+              </a:cxn>
+              <a:cxn ang="0">
+                <a:pos x="T4" y="T5"/>
+              </a:cxn>
+              <a:cxn ang="0">
+                <a:pos x="T6" y="T7"/>
+              </a:cxn>
+              <a:cxn ang="0">
+                <a:pos x="T8" y="T9"/>
+              </a:cxn>
+              <a:cxn ang="0">
+                <a:pos x="T10" y="T11"/>
+              </a:cxn>
+              <a:cxn ang="0">
+                <a:pos x="T12" y="T13"/>
+              </a:cxn>
+              <a:cxn ang="0">
+                <a:pos x="T14" y="T15"/>
+              </a:cxn>
+              <a:cxn ang="0">
+                <a:pos x="T16" y="T17"/>
+              </a:cxn>
+              <a:cxn ang="0">
+                <a:pos x="T18" y="T19"/>
+              </a:cxn>
+              <a:cxn ang="0">
+                <a:pos x="T20" y="T21"/>
+              </a:cxn>
+              <a:cxn ang="0">
+                <a:pos x="T22" y="T23"/>
+              </a:cxn>
+              <a:cxn ang="0">
+                <a:pos x="T24" y="T25"/>
+              </a:cxn>
+              <a:cxn ang="0">
+                <a:pos x="T26" y="T27"/>
+              </a:cxn>
+              <a:cxn ang="0">
+                <a:pos x="T28" y="T29"/>
+              </a:cxn>
+              <a:cxn ang="0">
+                <a:pos x="T30" y="T31"/>
+              </a:cxn>
+              <a:cxn ang="0">
+                <a:pos x="T32" y="T33"/>
+              </a:cxn>
+              <a:cxn ang="0">
+                <a:pos x="T34" y="T35"/>
+              </a:cxn>
+              <a:cxn ang="0">
+                <a:pos x="T36" y="T37"/>
+              </a:cxn>
+            </a:cxnLst>
+            <a:rect l="0" t="0" r="r" b="b"/>
+            <a:pathLst>
+              <a:path w="2740" h="2446">
+                <a:moveTo>
+                  <a:pt x="2151" y="2315"/>
+                </a:moveTo>
+                <a:cubicBezTo>
+                  <a:pt x="2128" y="2353"/>
+                  <a:pt x="2096" y="2386"/>
+                  <a:pt x="2055" y="2410"/>
+                </a:cubicBezTo>
+                <a:cubicBezTo>
+                  <a:pt x="2012" y="2435"/>
+                  <a:pt x="1965" y="2446"/>
+                  <a:pt x="1918" y="2445"/>
+                </a:cubicBezTo>
+                <a:lnTo>
+                  <a:pt x="816" y="2445"/>
+                </a:lnTo>
+                <a:cubicBezTo>
+                  <a:pt x="772" y="2445"/>
+                  <a:pt x="726" y="2434"/>
+                  <a:pt x="685" y="2410"/>
+                </a:cubicBezTo>
+                <a:cubicBezTo>
+                  <a:pt x="644" y="2386"/>
+                  <a:pt x="611" y="2353"/>
+                  <a:pt x="589" y="2314"/>
+                </a:cubicBezTo>
+                <a:lnTo>
+                  <a:pt x="36" y="1356"/>
+                </a:lnTo>
+                <a:cubicBezTo>
+                  <a:pt x="13" y="1317"/>
+                  <a:pt x="0" y="1272"/>
+                  <a:pt x="0" y="1223"/>
+                </a:cubicBezTo>
+                <a:cubicBezTo>
+                  <a:pt x="0" y="1174"/>
+                  <a:pt x="13" y="1129"/>
+                  <a:pt x="36" y="1089"/>
+                </a:cubicBezTo>
+                <a:lnTo>
+                  <a:pt x="587" y="135"/>
+                </a:lnTo>
+                <a:cubicBezTo>
+                  <a:pt x="610" y="96"/>
+                  <a:pt x="643" y="61"/>
+                  <a:pt x="685" y="37"/>
+                </a:cubicBezTo>
+                <a:cubicBezTo>
+                  <a:pt x="724" y="14"/>
+                  <a:pt x="767" y="2"/>
+                  <a:pt x="810" y="1"/>
+                </a:cubicBezTo>
+                <a:lnTo>
+                  <a:pt x="1916" y="1"/>
+                </a:lnTo>
+                <a:cubicBezTo>
+                  <a:pt x="1963" y="0"/>
+                  <a:pt x="2011" y="11"/>
+                  <a:pt x="2055" y="37"/>
+                </a:cubicBezTo>
+                <a:cubicBezTo>
+                  <a:pt x="2096" y="60"/>
+                  <a:pt x="2129" y="93"/>
+                  <a:pt x="2151" y="132"/>
+                </a:cubicBezTo>
+                <a:lnTo>
+                  <a:pt x="2702" y="1086"/>
+                </a:lnTo>
+                <a:cubicBezTo>
+                  <a:pt x="2726" y="1126"/>
+                  <a:pt x="2740" y="1173"/>
+                  <a:pt x="2740" y="1223"/>
+                </a:cubicBezTo>
+                <a:cubicBezTo>
+                  <a:pt x="2740" y="1274"/>
+                  <a:pt x="2726" y="1321"/>
+                  <a:pt x="2701" y="1361"/>
+                </a:cubicBezTo>
+                <a:lnTo>
+                  <a:pt x="2151" y="2315"/>
+                </a:lnTo>
+                <a:close/>
+              </a:path>
+            </a:pathLst>
+          </a:custGeom>
+          <a:solidFill>
+            <a:srgbClr val="C00000"/>
+          </a:solidFill>
+          <a:ln w="12700" cap="flat">
+            <a:noFill/>
+            <a:prstDash val="solid"/>
+            <a:miter lim="800000"/>
+          </a:ln>
+          <a:effectLst>
+            <a:outerShdw blurRad="50800" dist="38100" dir="2700000" algn="tl" rotWithShape="0">
+              <a:prstClr val="black">
+                <a:alpha val="40000"/>
+              </a:prstClr>
+            </a:outerShdw>
+          </a:effectLst>
+        </p:spPr>
+        <p:txBody>
+          <a:bodyPr vert="horz" wrap="square" lIns="68580" tIns="34290" rIns="68580" bIns="34290" numCol="1" anchor="t" anchorCtr="0" compatLnSpc="1"/>
+          <a:lstStyle/>
+          <a:p>
+            <a:endParaRPr lang="zh-CN" altLang="en-US" sz="1350">
+              <a:latin typeface="Meiryo" panose="020B0604030504040204" pitchFamily="34" charset="-128"/>
+              <a:ea typeface="方正兰亭黑简体" panose="02000000000000000000" pitchFamily="2" charset="-122"/>
+            </a:endParaRPr>
+          </a:p>
+        </p:txBody>
+      </p:sp>
+      <p:sp>
+        <p:nvSpPr>
+          <p:cNvPr id="28" name="Freeform 5"/>
+          <p:cNvSpPr/>
+          <p:nvPr/>
+        </p:nvSpPr>
+        <p:spPr bwMode="auto">
+          <a:xfrm rot="1855731">
+            <a:off x="4769497" y="871661"/>
+            <a:ext cx="341132" cy="307569"/>
+          </a:xfrm>
+          <a:custGeom>
+            <a:avLst/>
+            <a:gdLst>
+              <a:gd name="T0" fmla="*/ 2151 w 2740"/>
+              <a:gd name="T1" fmla="*/ 2315 h 2446"/>
+              <a:gd name="T2" fmla="*/ 2055 w 2740"/>
+              <a:gd name="T3" fmla="*/ 2410 h 2446"/>
+              <a:gd name="T4" fmla="*/ 1918 w 2740"/>
+              <a:gd name="T5" fmla="*/ 2445 h 2446"/>
+              <a:gd name="T6" fmla="*/ 816 w 2740"/>
+              <a:gd name="T7" fmla="*/ 2445 h 2446"/>
+              <a:gd name="T8" fmla="*/ 685 w 2740"/>
+              <a:gd name="T9" fmla="*/ 2410 h 2446"/>
+              <a:gd name="T10" fmla="*/ 589 w 2740"/>
+              <a:gd name="T11" fmla="*/ 2314 h 2446"/>
+              <a:gd name="T12" fmla="*/ 36 w 2740"/>
+              <a:gd name="T13" fmla="*/ 1356 h 2446"/>
+              <a:gd name="T14" fmla="*/ 0 w 2740"/>
+              <a:gd name="T15" fmla="*/ 1223 h 2446"/>
+              <a:gd name="T16" fmla="*/ 36 w 2740"/>
+              <a:gd name="T17" fmla="*/ 1089 h 2446"/>
+              <a:gd name="T18" fmla="*/ 587 w 2740"/>
+              <a:gd name="T19" fmla="*/ 135 h 2446"/>
+              <a:gd name="T20" fmla="*/ 685 w 2740"/>
+              <a:gd name="T21" fmla="*/ 37 h 2446"/>
+              <a:gd name="T22" fmla="*/ 810 w 2740"/>
+              <a:gd name="T23" fmla="*/ 1 h 2446"/>
+              <a:gd name="T24" fmla="*/ 1916 w 2740"/>
+              <a:gd name="T25" fmla="*/ 1 h 2446"/>
+              <a:gd name="T26" fmla="*/ 2055 w 2740"/>
+              <a:gd name="T27" fmla="*/ 37 h 2446"/>
+              <a:gd name="T28" fmla="*/ 2151 w 2740"/>
+              <a:gd name="T29" fmla="*/ 132 h 2446"/>
+              <a:gd name="T30" fmla="*/ 2702 w 2740"/>
+              <a:gd name="T31" fmla="*/ 1086 h 2446"/>
+              <a:gd name="T32" fmla="*/ 2740 w 2740"/>
+              <a:gd name="T33" fmla="*/ 1223 h 2446"/>
+              <a:gd name="T34" fmla="*/ 2701 w 2740"/>
+              <a:gd name="T35" fmla="*/ 1361 h 2446"/>
+              <a:gd name="T36" fmla="*/ 2151 w 2740"/>
+              <a:gd name="T37" fmla="*/ 2315 h 2446"/>
+            </a:gdLst>
+            <a:ahLst/>
+            <a:cxnLst>
+              <a:cxn ang="0">
+                <a:pos x="T0" y="T1"/>
+              </a:cxn>
+              <a:cxn ang="0">
+                <a:pos x="T2" y="T3"/>
+              </a:cxn>
+              <a:cxn ang="0">
+                <a:pos x="T4" y="T5"/>
+              </a:cxn>
+              <a:cxn ang="0">
+                <a:pos x="T6" y="T7"/>
+              </a:cxn>
+              <a:cxn ang="0">
+                <a:pos x="T8" y="T9"/>
+              </a:cxn>
+              <a:cxn ang="0">
+                <a:pos x="T10" y="T11"/>
+              </a:cxn>
+              <a:cxn ang="0">
+                <a:pos x="T12" y="T13"/>
+              </a:cxn>
+              <a:cxn ang="0">
+                <a:pos x="T14" y="T15"/>
+              </a:cxn>
+              <a:cxn ang="0">
+                <a:pos x="T16" y="T17"/>
+              </a:cxn>
+              <a:cxn ang="0">
+                <a:pos x="T18" y="T19"/>
+              </a:cxn>
+              <a:cxn ang="0">
+                <a:pos x="T20" y="T21"/>
+              </a:cxn>
+              <a:cxn ang="0">
+                <a:pos x="T22" y="T23"/>
+              </a:cxn>
+              <a:cxn ang="0">
+                <a:pos x="T24" y="T25"/>
+              </a:cxn>
+              <a:cxn ang="0">
+                <a:pos x="T26" y="T27"/>
+              </a:cxn>
+              <a:cxn ang="0">
+                <a:pos x="T28" y="T29"/>
+              </a:cxn>
+              <a:cxn ang="0">
+                <a:pos x="T30" y="T31"/>
+              </a:cxn>
+              <a:cxn ang="0">
+                <a:pos x="T32" y="T33"/>
+              </a:cxn>
+              <a:cxn ang="0">
+                <a:pos x="T34" y="T35"/>
+              </a:cxn>
+              <a:cxn ang="0">
+                <a:pos x="T36" y="T37"/>
+              </a:cxn>
+            </a:cxnLst>
+            <a:rect l="0" t="0" r="r" b="b"/>
+            <a:pathLst>
+              <a:path w="2740" h="2446">
+                <a:moveTo>
+                  <a:pt x="2151" y="2315"/>
+                </a:moveTo>
+                <a:cubicBezTo>
+                  <a:pt x="2128" y="2353"/>
+                  <a:pt x="2096" y="2386"/>
+                  <a:pt x="2055" y="2410"/>
+                </a:cubicBezTo>
+                <a:cubicBezTo>
+                  <a:pt x="2012" y="2435"/>
+                  <a:pt x="1965" y="2446"/>
+                  <a:pt x="1918" y="2445"/>
+                </a:cubicBezTo>
+                <a:lnTo>
+                  <a:pt x="816" y="2445"/>
+                </a:lnTo>
+                <a:cubicBezTo>
+                  <a:pt x="772" y="2445"/>
+                  <a:pt x="726" y="2434"/>
+                  <a:pt x="685" y="2410"/>
+                </a:cubicBezTo>
+                <a:cubicBezTo>
+                  <a:pt x="644" y="2386"/>
+                  <a:pt x="611" y="2353"/>
+                  <a:pt x="589" y="2314"/>
+                </a:cubicBezTo>
+                <a:lnTo>
+                  <a:pt x="36" y="1356"/>
+                </a:lnTo>
+                <a:cubicBezTo>
+                  <a:pt x="13" y="1317"/>
+                  <a:pt x="0" y="1272"/>
+                  <a:pt x="0" y="1223"/>
+                </a:cubicBezTo>
+                <a:cubicBezTo>
+                  <a:pt x="0" y="1174"/>
+                  <a:pt x="13" y="1129"/>
+                  <a:pt x="36" y="1089"/>
+                </a:cubicBezTo>
+                <a:lnTo>
+                  <a:pt x="587" y="135"/>
+                </a:lnTo>
+                <a:cubicBezTo>
+                  <a:pt x="610" y="96"/>
+                  <a:pt x="643" y="61"/>
+                  <a:pt x="685" y="37"/>
+                </a:cubicBezTo>
+                <a:cubicBezTo>
+                  <a:pt x="724" y="14"/>
+                  <a:pt x="767" y="2"/>
+                  <a:pt x="810" y="1"/>
+                </a:cubicBezTo>
+                <a:lnTo>
+                  <a:pt x="1916" y="1"/>
+                </a:lnTo>
+                <a:cubicBezTo>
+                  <a:pt x="1963" y="0"/>
+                  <a:pt x="2011" y="11"/>
+                  <a:pt x="2055" y="37"/>
+                </a:cubicBezTo>
+                <a:cubicBezTo>
+                  <a:pt x="2096" y="60"/>
+                  <a:pt x="2129" y="93"/>
+                  <a:pt x="2151" y="132"/>
+                </a:cubicBezTo>
+                <a:lnTo>
+                  <a:pt x="2702" y="1086"/>
+                </a:lnTo>
+                <a:cubicBezTo>
+                  <a:pt x="2726" y="1126"/>
+                  <a:pt x="2740" y="1173"/>
+                  <a:pt x="2740" y="1223"/>
+                </a:cubicBezTo>
+                <a:cubicBezTo>
+                  <a:pt x="2740" y="1274"/>
+                  <a:pt x="2726" y="1321"/>
+                  <a:pt x="2701" y="1361"/>
+                </a:cubicBezTo>
+                <a:lnTo>
+                  <a:pt x="2151" y="2315"/>
+                </a:lnTo>
+                <a:close/>
+              </a:path>
+            </a:pathLst>
+          </a:custGeom>
+          <a:gradFill>
+            <a:gsLst>
+              <a:gs pos="0">
+                <a:srgbClr val="D3D3D3"/>
+              </a:gs>
+              <a:gs pos="100000">
+                <a:srgbClr val="F9F9F9"/>
+              </a:gs>
+            </a:gsLst>
+            <a:lin ang="21594000" scaled="0"/>
+          </a:gradFill>
+          <a:ln w="12700" cap="flat">
+            <a:noFill/>
+            <a:prstDash val="solid"/>
+            <a:miter lim="800000"/>
+          </a:ln>
+          <a:effectLst>
+            <a:outerShdw blurRad="50800" dist="38100" dir="2700000" algn="tl" rotWithShape="0">
+              <a:prstClr val="black">
+                <a:alpha val="40000"/>
+              </a:prstClr>
+            </a:outerShdw>
+          </a:effectLst>
+        </p:spPr>
+        <p:txBody>
+          <a:bodyPr vert="horz" wrap="square" lIns="68580" tIns="34290" rIns="68580" bIns="34290" numCol="1" anchor="t" anchorCtr="0" compatLnSpc="1"/>
+          <a:lstStyle/>
+          <a:p>
+            <a:endParaRPr lang="zh-CN" altLang="en-US" sz="1350">
+              <a:latin typeface="Meiryo" panose="020B0604030504040204" pitchFamily="34" charset="-128"/>
+              <a:ea typeface="方正兰亭黑简体" panose="02000000000000000000" pitchFamily="2" charset="-122"/>
+            </a:endParaRPr>
+          </a:p>
+        </p:txBody>
+      </p:sp>
+      <p:sp>
+        <p:nvSpPr>
+          <p:cNvPr id="29" name="Freeform 5"/>
+          <p:cNvSpPr/>
+          <p:nvPr/>
+        </p:nvSpPr>
+        <p:spPr bwMode="auto">
+          <a:xfrm rot="1855731">
+            <a:off x="5615878" y="774997"/>
+            <a:ext cx="173846" cy="156742"/>
+          </a:xfrm>
+          <a:custGeom>
+            <a:avLst/>
+            <a:gdLst>
+              <a:gd name="T0" fmla="*/ 2151 w 2740"/>
+              <a:gd name="T1" fmla="*/ 2315 h 2446"/>
+              <a:gd name="T2" fmla="*/ 2055 w 2740"/>
+              <a:gd name="T3" fmla="*/ 2410 h 2446"/>
+              <a:gd name="T4" fmla="*/ 1918 w 2740"/>
+              <a:gd name="T5" fmla="*/ 2445 h 2446"/>
+              <a:gd name="T6" fmla="*/ 816 w 2740"/>
+              <a:gd name="T7" fmla="*/ 2445 h 2446"/>
+              <a:gd name="T8" fmla="*/ 685 w 2740"/>
+              <a:gd name="T9" fmla="*/ 2410 h 2446"/>
+              <a:gd name="T10" fmla="*/ 589 w 2740"/>
+              <a:gd name="T11" fmla="*/ 2314 h 2446"/>
+              <a:gd name="T12" fmla="*/ 36 w 2740"/>
+              <a:gd name="T13" fmla="*/ 1356 h 2446"/>
+              <a:gd name="T14" fmla="*/ 0 w 2740"/>
+              <a:gd name="T15" fmla="*/ 1223 h 2446"/>
+              <a:gd name="T16" fmla="*/ 36 w 2740"/>
+              <a:gd name="T17" fmla="*/ 1089 h 2446"/>
+              <a:gd name="T18" fmla="*/ 587 w 2740"/>
+              <a:gd name="T19" fmla="*/ 135 h 2446"/>
+              <a:gd name="T20" fmla="*/ 685 w 2740"/>
+              <a:gd name="T21" fmla="*/ 37 h 2446"/>
+              <a:gd name="T22" fmla="*/ 810 w 2740"/>
+              <a:gd name="T23" fmla="*/ 1 h 2446"/>
+              <a:gd name="T24" fmla="*/ 1916 w 2740"/>
+              <a:gd name="T25" fmla="*/ 1 h 2446"/>
+              <a:gd name="T26" fmla="*/ 2055 w 2740"/>
+              <a:gd name="T27" fmla="*/ 37 h 2446"/>
+              <a:gd name="T28" fmla="*/ 2151 w 2740"/>
+              <a:gd name="T29" fmla="*/ 132 h 2446"/>
+              <a:gd name="T30" fmla="*/ 2702 w 2740"/>
+              <a:gd name="T31" fmla="*/ 1086 h 2446"/>
+              <a:gd name="T32" fmla="*/ 2740 w 2740"/>
+              <a:gd name="T33" fmla="*/ 1223 h 2446"/>
+              <a:gd name="T34" fmla="*/ 2701 w 2740"/>
+              <a:gd name="T35" fmla="*/ 1361 h 2446"/>
+              <a:gd name="T36" fmla="*/ 2151 w 2740"/>
+              <a:gd name="T37" fmla="*/ 2315 h 2446"/>
+            </a:gdLst>
+            <a:ahLst/>
+            <a:cxnLst>
+              <a:cxn ang="0">
+                <a:pos x="T0" y="T1"/>
+              </a:cxn>
+              <a:cxn ang="0">
+                <a:pos x="T2" y="T3"/>
+              </a:cxn>
+              <a:cxn ang="0">
+                <a:pos x="T4" y="T5"/>
+              </a:cxn>
+              <a:cxn ang="0">
+                <a:pos x="T6" y="T7"/>
+              </a:cxn>
+              <a:cxn ang="0">
+                <a:pos x="T8" y="T9"/>
+              </a:cxn>
+              <a:cxn ang="0">
+                <a:pos x="T10" y="T11"/>
+              </a:cxn>
+              <a:cxn ang="0">
+                <a:pos x="T12" y="T13"/>
+              </a:cxn>
+              <a:cxn ang="0">
+                <a:pos x="T14" y="T15"/>
+              </a:cxn>
+              <a:cxn ang="0">
+                <a:pos x="T16" y="T17"/>
+              </a:cxn>
+              <a:cxn ang="0">
+                <a:pos x="T18" y="T19"/>
+              </a:cxn>
+              <a:cxn ang="0">
+                <a:pos x="T20" y="T21"/>
+              </a:cxn>
+              <a:cxn ang="0">
+                <a:pos x="T22" y="T23"/>
+              </a:cxn>
+              <a:cxn ang="0">
+                <a:pos x="T24" y="T25"/>
+              </a:cxn>
+              <a:cxn ang="0">
+                <a:pos x="T26" y="T27"/>
+              </a:cxn>
+              <a:cxn ang="0">
+                <a:pos x="T28" y="T29"/>
+              </a:cxn>
+              <a:cxn ang="0">
+                <a:pos x="T30" y="T31"/>
+              </a:cxn>
+              <a:cxn ang="0">
+                <a:pos x="T32" y="T33"/>
+              </a:cxn>
+              <a:cxn ang="0">
+                <a:pos x="T34" y="T35"/>
+              </a:cxn>
+              <a:cxn ang="0">
+                <a:pos x="T36" y="T37"/>
+              </a:cxn>
+            </a:cxnLst>
+            <a:rect l="0" t="0" r="r" b="b"/>
+            <a:pathLst>
+              <a:path w="2740" h="2446">
+                <a:moveTo>
+                  <a:pt x="2151" y="2315"/>
+                </a:moveTo>
+                <a:cubicBezTo>
+                  <a:pt x="2128" y="2353"/>
+                  <a:pt x="2096" y="2386"/>
+                  <a:pt x="2055" y="2410"/>
+                </a:cubicBezTo>
+                <a:cubicBezTo>
+                  <a:pt x="2012" y="2435"/>
+                  <a:pt x="1965" y="2446"/>
+                  <a:pt x="1918" y="2445"/>
+                </a:cubicBezTo>
+                <a:lnTo>
+                  <a:pt x="816" y="2445"/>
+                </a:lnTo>
+                <a:cubicBezTo>
+                  <a:pt x="772" y="2445"/>
+                  <a:pt x="726" y="2434"/>
+                  <a:pt x="685" y="2410"/>
+                </a:cubicBezTo>
+                <a:cubicBezTo>
+                  <a:pt x="644" y="2386"/>
+                  <a:pt x="611" y="2353"/>
+                  <a:pt x="589" y="2314"/>
+                </a:cubicBezTo>
+                <a:lnTo>
+                  <a:pt x="36" y="1356"/>
+                </a:lnTo>
+                <a:cubicBezTo>
+                  <a:pt x="13" y="1317"/>
+                  <a:pt x="0" y="1272"/>
+                  <a:pt x="0" y="1223"/>
+                </a:cubicBezTo>
+                <a:cubicBezTo>
+                  <a:pt x="0" y="1174"/>
+                  <a:pt x="13" y="1129"/>
+                  <a:pt x="36" y="1089"/>
+                </a:cubicBezTo>
+                <a:lnTo>
+                  <a:pt x="587" y="135"/>
+                </a:lnTo>
+                <a:cubicBezTo>
+                  <a:pt x="610" y="96"/>
+                  <a:pt x="643" y="61"/>
+                  <a:pt x="685" y="37"/>
+                </a:cubicBezTo>
+                <a:cubicBezTo>
+                  <a:pt x="724" y="14"/>
+                  <a:pt x="767" y="2"/>
+                  <a:pt x="810" y="1"/>
+                </a:cubicBezTo>
+                <a:lnTo>
+                  <a:pt x="1916" y="1"/>
+                </a:lnTo>
+                <a:cubicBezTo>
+                  <a:pt x="1963" y="0"/>
+                  <a:pt x="2011" y="11"/>
+                  <a:pt x="2055" y="37"/>
+                </a:cubicBezTo>
+                <a:cubicBezTo>
+                  <a:pt x="2096" y="60"/>
+                  <a:pt x="2129" y="93"/>
+                  <a:pt x="2151" y="132"/>
+                </a:cubicBezTo>
+                <a:lnTo>
+                  <a:pt x="2702" y="1086"/>
+                </a:lnTo>
+                <a:cubicBezTo>
+                  <a:pt x="2726" y="1126"/>
+                  <a:pt x="2740" y="1173"/>
+                  <a:pt x="2740" y="1223"/>
+                </a:cubicBezTo>
+                <a:cubicBezTo>
+                  <a:pt x="2740" y="1274"/>
+                  <a:pt x="2726" y="1321"/>
+                  <a:pt x="2701" y="1361"/>
+                </a:cubicBezTo>
+                <a:lnTo>
+                  <a:pt x="2151" y="2315"/>
+                </a:lnTo>
+                <a:close/>
+              </a:path>
+            </a:pathLst>
+          </a:custGeom>
+          <a:solidFill>
+            <a:srgbClr val="C00000"/>
+          </a:solidFill>
+          <a:ln w="12700" cap="flat">
+            <a:noFill/>
+            <a:prstDash val="solid"/>
+            <a:miter lim="800000"/>
+          </a:ln>
+          <a:effectLst>
+            <a:outerShdw blurRad="50800" dist="38100" dir="2700000" algn="tl" rotWithShape="0">
+              <a:prstClr val="black">
+                <a:alpha val="40000"/>
+              </a:prstClr>
+            </a:outerShdw>
+          </a:effectLst>
+        </p:spPr>
+        <p:txBody>
+          <a:bodyPr vert="horz" wrap="square" lIns="68580" tIns="34290" rIns="68580" bIns="34290" numCol="1" anchor="t" anchorCtr="0" compatLnSpc="1"/>
+          <a:lstStyle/>
+          <a:p>
+            <a:endParaRPr lang="zh-CN" altLang="en-US" sz="1350">
+              <a:latin typeface="Meiryo" panose="020B0604030504040204" pitchFamily="34" charset="-128"/>
+              <a:ea typeface="方正兰亭黑简体" panose="02000000000000000000" pitchFamily="2" charset="-122"/>
+            </a:endParaRPr>
+          </a:p>
+        </p:txBody>
+      </p:sp>
+      <p:sp>
+        <p:nvSpPr>
+          <p:cNvPr id="30" name="Freeform 5"/>
+          <p:cNvSpPr/>
+          <p:nvPr/>
+        </p:nvSpPr>
+        <p:spPr bwMode="auto">
+          <a:xfrm rot="1855731">
+            <a:off x="6314536" y="807438"/>
+            <a:ext cx="341132" cy="307569"/>
+          </a:xfrm>
+          <a:custGeom>
+            <a:avLst/>
+            <a:gdLst>
+              <a:gd name="T0" fmla="*/ 2151 w 2740"/>
+              <a:gd name="T1" fmla="*/ 2315 h 2446"/>
+              <a:gd name="T2" fmla="*/ 2055 w 2740"/>
+              <a:gd name="T3" fmla="*/ 2410 h 2446"/>
+              <a:gd name="T4" fmla="*/ 1918 w 2740"/>
+              <a:gd name="T5" fmla="*/ 2445 h 2446"/>
+              <a:gd name="T6" fmla="*/ 816 w 2740"/>
+              <a:gd name="T7" fmla="*/ 2445 h 2446"/>
+              <a:gd name="T8" fmla="*/ 685 w 2740"/>
+              <a:gd name="T9" fmla="*/ 2410 h 2446"/>
+              <a:gd name="T10" fmla="*/ 589 w 2740"/>
+              <a:gd name="T11" fmla="*/ 2314 h 2446"/>
+              <a:gd name="T12" fmla="*/ 36 w 2740"/>
+              <a:gd name="T13" fmla="*/ 1356 h 2446"/>
+              <a:gd name="T14" fmla="*/ 0 w 2740"/>
+              <a:gd name="T15" fmla="*/ 1223 h 2446"/>
+              <a:gd name="T16" fmla="*/ 36 w 2740"/>
+              <a:gd name="T17" fmla="*/ 1089 h 2446"/>
+              <a:gd name="T18" fmla="*/ 587 w 2740"/>
+              <a:gd name="T19" fmla="*/ 135 h 2446"/>
+              <a:gd name="T20" fmla="*/ 685 w 2740"/>
+              <a:gd name="T21" fmla="*/ 37 h 2446"/>
+              <a:gd name="T22" fmla="*/ 810 w 2740"/>
+              <a:gd name="T23" fmla="*/ 1 h 2446"/>
+              <a:gd name="T24" fmla="*/ 1916 w 2740"/>
+              <a:gd name="T25" fmla="*/ 1 h 2446"/>
+              <a:gd name="T26" fmla="*/ 2055 w 2740"/>
+              <a:gd name="T27" fmla="*/ 37 h 2446"/>
+              <a:gd name="T28" fmla="*/ 2151 w 2740"/>
+              <a:gd name="T29" fmla="*/ 132 h 2446"/>
+              <a:gd name="T30" fmla="*/ 2702 w 2740"/>
+              <a:gd name="T31" fmla="*/ 1086 h 2446"/>
+              <a:gd name="T32" fmla="*/ 2740 w 2740"/>
+              <a:gd name="T33" fmla="*/ 1223 h 2446"/>
+              <a:gd name="T34" fmla="*/ 2701 w 2740"/>
+              <a:gd name="T35" fmla="*/ 1361 h 2446"/>
+              <a:gd name="T36" fmla="*/ 2151 w 2740"/>
+              <a:gd name="T37" fmla="*/ 2315 h 2446"/>
+            </a:gdLst>
+            <a:ahLst/>
+            <a:cxnLst>
+              <a:cxn ang="0">
+                <a:pos x="T0" y="T1"/>
+              </a:cxn>
+              <a:cxn ang="0">
+                <a:pos x="T2" y="T3"/>
+              </a:cxn>
+              <a:cxn ang="0">
+                <a:pos x="T4" y="T5"/>
+              </a:cxn>
+              <a:cxn ang="0">
+                <a:pos x="T6" y="T7"/>
+              </a:cxn>
+              <a:cxn ang="0">
+                <a:pos x="T8" y="T9"/>
+              </a:cxn>
+              <a:cxn ang="0">
+                <a:pos x="T10" y="T11"/>
+              </a:cxn>
+              <a:cxn ang="0">
+                <a:pos x="T12" y="T13"/>
+              </a:cxn>
+              <a:cxn ang="0">
+                <a:pos x="T14" y="T15"/>
+              </a:cxn>
+              <a:cxn ang="0">
+                <a:pos x="T16" y="T17"/>
+              </a:cxn>
+              <a:cxn ang="0">
+                <a:pos x="T18" y="T19"/>
+              </a:cxn>
+              <a:cxn ang="0">
+                <a:pos x="T20" y="T21"/>
+              </a:cxn>
+              <a:cxn ang="0">
+                <a:pos x="T22" y="T23"/>
+              </a:cxn>
+              <a:cxn ang="0">
+                <a:pos x="T24" y="T25"/>
+              </a:cxn>
+              <a:cxn ang="0">
+                <a:pos x="T26" y="T27"/>
+              </a:cxn>
+              <a:cxn ang="0">
+                <a:pos x="T28" y="T29"/>
+              </a:cxn>
+              <a:cxn ang="0">
+                <a:pos x="T30" y="T31"/>
+              </a:cxn>
+              <a:cxn ang="0">
+                <a:pos x="T32" y="T33"/>
+              </a:cxn>
+              <a:cxn ang="0">
+                <a:pos x="T34" y="T35"/>
+              </a:cxn>
+              <a:cxn ang="0">
+                <a:pos x="T36" y="T37"/>
+              </a:cxn>
+            </a:cxnLst>
+            <a:rect l="0" t="0" r="r" b="b"/>
+            <a:pathLst>
+              <a:path w="2740" h="2446">
+                <a:moveTo>
+                  <a:pt x="2151" y="2315"/>
+                </a:moveTo>
+                <a:cubicBezTo>
+                  <a:pt x="2128" y="2353"/>
+                  <a:pt x="2096" y="2386"/>
+                  <a:pt x="2055" y="2410"/>
+                </a:cubicBezTo>
+                <a:cubicBezTo>
+                  <a:pt x="2012" y="2435"/>
+                  <a:pt x="1965" y="2446"/>
+                  <a:pt x="1918" y="2445"/>
+                </a:cubicBezTo>
+                <a:lnTo>
+                  <a:pt x="816" y="2445"/>
+                </a:lnTo>
+                <a:cubicBezTo>
+                  <a:pt x="772" y="2445"/>
+                  <a:pt x="726" y="2434"/>
+                  <a:pt x="685" y="2410"/>
+                </a:cubicBezTo>
+                <a:cubicBezTo>
+                  <a:pt x="644" y="2386"/>
+                  <a:pt x="611" y="2353"/>
+                  <a:pt x="589" y="2314"/>
+                </a:cubicBezTo>
+                <a:lnTo>
+                  <a:pt x="36" y="1356"/>
+                </a:lnTo>
+                <a:cubicBezTo>
+                  <a:pt x="13" y="1317"/>
+                  <a:pt x="0" y="1272"/>
+                  <a:pt x="0" y="1223"/>
+                </a:cubicBezTo>
+                <a:cubicBezTo>
+                  <a:pt x="0" y="1174"/>
+                  <a:pt x="13" y="1129"/>
+                  <a:pt x="36" y="1089"/>
+                </a:cubicBezTo>
+                <a:lnTo>
+                  <a:pt x="587" y="135"/>
+                </a:lnTo>
+                <a:cubicBezTo>
+                  <a:pt x="610" y="96"/>
+                  <a:pt x="643" y="61"/>
+                  <a:pt x="685" y="37"/>
+                </a:cubicBezTo>
+                <a:cubicBezTo>
+                  <a:pt x="724" y="14"/>
+                  <a:pt x="767" y="2"/>
+                  <a:pt x="810" y="1"/>
+                </a:cubicBezTo>
+                <a:lnTo>
+                  <a:pt x="1916" y="1"/>
+                </a:lnTo>
+                <a:cubicBezTo>
+                  <a:pt x="1963" y="0"/>
+                  <a:pt x="2011" y="11"/>
+                  <a:pt x="2055" y="37"/>
+                </a:cubicBezTo>
+                <a:cubicBezTo>
+                  <a:pt x="2096" y="60"/>
+                  <a:pt x="2129" y="93"/>
+                  <a:pt x="2151" y="132"/>
+                </a:cubicBezTo>
+                <a:lnTo>
+                  <a:pt x="2702" y="1086"/>
+                </a:lnTo>
+                <a:cubicBezTo>
+                  <a:pt x="2726" y="1126"/>
+                  <a:pt x="2740" y="1173"/>
+                  <a:pt x="2740" y="1223"/>
+                </a:cubicBezTo>
+                <a:cubicBezTo>
+                  <a:pt x="2740" y="1274"/>
+                  <a:pt x="2726" y="1321"/>
+                  <a:pt x="2701" y="1361"/>
+                </a:cubicBezTo>
+                <a:lnTo>
+                  <a:pt x="2151" y="2315"/>
+                </a:lnTo>
+                <a:close/>
+              </a:path>
+            </a:pathLst>
+          </a:custGeom>
+          <a:gradFill>
+            <a:gsLst>
+              <a:gs pos="0">
+                <a:srgbClr val="D3D3D3"/>
+              </a:gs>
+              <a:gs pos="100000">
+                <a:srgbClr val="F9F9F9"/>
+              </a:gs>
+            </a:gsLst>
+            <a:lin ang="21594000" scaled="0"/>
+          </a:gradFill>
+          <a:ln w="12700" cap="flat">
+            <a:noFill/>
+            <a:prstDash val="solid"/>
+            <a:miter lim="800000"/>
+          </a:ln>
+          <a:effectLst>
+            <a:outerShdw blurRad="50800" dist="38100" dir="2700000" algn="tl" rotWithShape="0">
+              <a:prstClr val="black">
+                <a:alpha val="40000"/>
+              </a:prstClr>
+            </a:outerShdw>
+          </a:effectLst>
+        </p:spPr>
+        <p:txBody>
+          <a:bodyPr vert="horz" wrap="square" lIns="68580" tIns="34290" rIns="68580" bIns="34290" numCol="1" anchor="t" anchorCtr="0" compatLnSpc="1"/>
+          <a:lstStyle/>
+          <a:p>
+            <a:endParaRPr lang="zh-CN" altLang="en-US" sz="1350">
+              <a:latin typeface="Meiryo" panose="020B0604030504040204" pitchFamily="34" charset="-128"/>
+              <a:ea typeface="方正兰亭黑简体" panose="02000000000000000000" pitchFamily="2" charset="-122"/>
+            </a:endParaRPr>
+          </a:p>
+        </p:txBody>
+      </p:sp>
+      <p:grpSp>
+        <p:nvGrpSpPr>
+          <p:cNvPr id="31" name="组合 30"/>
+          <p:cNvGrpSpPr/>
+          <p:nvPr/>
+        </p:nvGrpSpPr>
+        <p:grpSpPr>
+          <a:xfrm>
+            <a:off x="3481845" y="2703476"/>
+            <a:ext cx="2108646" cy="1901183"/>
+            <a:chOff x="3720691" y="2824413"/>
+            <a:chExt cx="1341120" cy="1209172"/>
+          </a:xfrm>
+        </p:grpSpPr>
+        <p:sp>
+          <p:nvSpPr>
+            <p:cNvPr id="32" name="Freeform 5"/>
+            <p:cNvSpPr/>
+            <p:nvPr/>
+          </p:nvSpPr>
+          <p:spPr bwMode="auto">
+            <a:xfrm rot="1855731">
+              <a:off x="3720691" y="2824413"/>
+              <a:ext cx="1341120" cy="1209172"/>
+            </a:xfrm>
+            <a:custGeom>
+              <a:avLst/>
+              <a:gdLst>
+                <a:gd name="T0" fmla="*/ 2151 w 2740"/>
+                <a:gd name="T1" fmla="*/ 2315 h 2446"/>
+                <a:gd name="T2" fmla="*/ 2055 w 2740"/>
+                <a:gd name="T3" fmla="*/ 2410 h 2446"/>
+                <a:gd name="T4" fmla="*/ 1918 w 2740"/>
+                <a:gd name="T5" fmla="*/ 2445 h 2446"/>
+                <a:gd name="T6" fmla="*/ 816 w 2740"/>
+                <a:gd name="T7" fmla="*/ 2445 h 2446"/>
+                <a:gd name="T8" fmla="*/ 685 w 2740"/>
+                <a:gd name="T9" fmla="*/ 2410 h 2446"/>
+                <a:gd name="T10" fmla="*/ 589 w 2740"/>
+                <a:gd name="T11" fmla="*/ 2314 h 2446"/>
+                <a:gd name="T12" fmla="*/ 36 w 2740"/>
+                <a:gd name="T13" fmla="*/ 1356 h 2446"/>
+                <a:gd name="T14" fmla="*/ 0 w 2740"/>
+                <a:gd name="T15" fmla="*/ 1223 h 2446"/>
+                <a:gd name="T16" fmla="*/ 36 w 2740"/>
+                <a:gd name="T17" fmla="*/ 1089 h 2446"/>
+                <a:gd name="T18" fmla="*/ 587 w 2740"/>
+                <a:gd name="T19" fmla="*/ 135 h 2446"/>
+                <a:gd name="T20" fmla="*/ 685 w 2740"/>
+                <a:gd name="T21" fmla="*/ 37 h 2446"/>
+                <a:gd name="T22" fmla="*/ 810 w 2740"/>
+                <a:gd name="T23" fmla="*/ 1 h 2446"/>
+                <a:gd name="T24" fmla="*/ 1916 w 2740"/>
+                <a:gd name="T25" fmla="*/ 1 h 2446"/>
+                <a:gd name="T26" fmla="*/ 2055 w 2740"/>
+                <a:gd name="T27" fmla="*/ 37 h 2446"/>
+                <a:gd name="T28" fmla="*/ 2151 w 2740"/>
+                <a:gd name="T29" fmla="*/ 132 h 2446"/>
+                <a:gd name="T30" fmla="*/ 2702 w 2740"/>
+                <a:gd name="T31" fmla="*/ 1086 h 2446"/>
+                <a:gd name="T32" fmla="*/ 2740 w 2740"/>
+                <a:gd name="T33" fmla="*/ 1223 h 2446"/>
+                <a:gd name="T34" fmla="*/ 2701 w 2740"/>
+                <a:gd name="T35" fmla="*/ 1361 h 2446"/>
+                <a:gd name="T36" fmla="*/ 2151 w 2740"/>
+                <a:gd name="T37" fmla="*/ 2315 h 2446"/>
+              </a:gdLst>
+              <a:ahLst/>
+              <a:cxnLst>
+                <a:cxn ang="0">
+                  <a:pos x="T0" y="T1"/>
+                </a:cxn>
+                <a:cxn ang="0">
+                  <a:pos x="T2" y="T3"/>
+                </a:cxn>
+                <a:cxn ang="0">
+                  <a:pos x="T4" y="T5"/>
+                </a:cxn>
+                <a:cxn ang="0">
+                  <a:pos x="T6" y="T7"/>
+                </a:cxn>
+                <a:cxn ang="0">
+                  <a:pos x="T8" y="T9"/>
+                </a:cxn>
+                <a:cxn ang="0">
+                  <a:pos x="T10" y="T11"/>
+                </a:cxn>
+                <a:cxn ang="0">
+                  <a:pos x="T12" y="T13"/>
+                </a:cxn>
+                <a:cxn ang="0">
+                  <a:pos x="T14" y="T15"/>
+                </a:cxn>
+                <a:cxn ang="0">
+                  <a:pos x="T16" y="T17"/>
+                </a:cxn>
+                <a:cxn ang="0">
+                  <a:pos x="T18" y="T19"/>
+                </a:cxn>
+                <a:cxn ang="0">
+                  <a:pos x="T20" y="T21"/>
+                </a:cxn>
+                <a:cxn ang="0">
+                  <a:pos x="T22" y="T23"/>
+                </a:cxn>
+                <a:cxn ang="0">
+                  <a:pos x="T24" y="T25"/>
+                </a:cxn>
+                <a:cxn ang="0">
+                  <a:pos x="T26" y="T27"/>
+                </a:cxn>
+                <a:cxn ang="0">
+                  <a:pos x="T28" y="T29"/>
+                </a:cxn>
+                <a:cxn ang="0">
+                  <a:pos x="T30" y="T31"/>
+                </a:cxn>
+                <a:cxn ang="0">
+                  <a:pos x="T32" y="T33"/>
+                </a:cxn>
+                <a:cxn ang="0">
+                  <a:pos x="T34" y="T35"/>
+                </a:cxn>
+                <a:cxn ang="0">
+                  <a:pos x="T36" y="T37"/>
+                </a:cxn>
+              </a:cxnLst>
+              <a:rect l="0" t="0" r="r" b="b"/>
+              <a:pathLst>
+                <a:path w="2740" h="2446">
+                  <a:moveTo>
+                    <a:pt x="2151" y="2315"/>
+                  </a:moveTo>
+                  <a:cubicBezTo>
+                    <a:pt x="2128" y="2353"/>
+                    <a:pt x="2096" y="2386"/>
+                    <a:pt x="2055" y="2410"/>
+                  </a:cubicBezTo>
+                  <a:cubicBezTo>
+                    <a:pt x="2012" y="2435"/>
+                    <a:pt x="1965" y="2446"/>
+                    <a:pt x="1918" y="2445"/>
+                  </a:cubicBezTo>
+                  <a:lnTo>
+                    <a:pt x="816" y="2445"/>
+                  </a:lnTo>
+                  <a:cubicBezTo>
+                    <a:pt x="772" y="2445"/>
+                    <a:pt x="726" y="2434"/>
+                    <a:pt x="685" y="2410"/>
+                  </a:cubicBezTo>
+                  <a:cubicBezTo>
+                    <a:pt x="644" y="2386"/>
+                    <a:pt x="611" y="2353"/>
+                    <a:pt x="589" y="2314"/>
+                  </a:cubicBezTo>
+                  <a:lnTo>
+                    <a:pt x="36" y="1356"/>
+                  </a:lnTo>
+                  <a:cubicBezTo>
+                    <a:pt x="13" y="1317"/>
+                    <a:pt x="0" y="1272"/>
+                    <a:pt x="0" y="1223"/>
+                  </a:cubicBezTo>
+                  <a:cubicBezTo>
+                    <a:pt x="0" y="1174"/>
+                    <a:pt x="13" y="1129"/>
+                    <a:pt x="36" y="1089"/>
+                  </a:cubicBezTo>
+                  <a:lnTo>
+                    <a:pt x="587" y="135"/>
+                  </a:lnTo>
+                  <a:cubicBezTo>
+                    <a:pt x="610" y="96"/>
+                    <a:pt x="643" y="61"/>
+                    <a:pt x="685" y="37"/>
+                  </a:cubicBezTo>
+                  <a:cubicBezTo>
+                    <a:pt x="724" y="14"/>
+                    <a:pt x="767" y="2"/>
+                    <a:pt x="810" y="1"/>
+                  </a:cubicBezTo>
+                  <a:lnTo>
+                    <a:pt x="1916" y="1"/>
+                  </a:lnTo>
+                  <a:cubicBezTo>
+                    <a:pt x="1963" y="0"/>
+                    <a:pt x="2011" y="11"/>
+                    <a:pt x="2055" y="37"/>
+                  </a:cubicBezTo>
+                  <a:cubicBezTo>
+                    <a:pt x="2096" y="60"/>
+                    <a:pt x="2129" y="93"/>
+                    <a:pt x="2151" y="132"/>
+                  </a:cubicBezTo>
+                  <a:lnTo>
+                    <a:pt x="2702" y="1086"/>
+                  </a:lnTo>
+                  <a:cubicBezTo>
+                    <a:pt x="2726" y="1126"/>
+                    <a:pt x="2740" y="1173"/>
+                    <a:pt x="2740" y="1223"/>
+                  </a:cubicBezTo>
+                  <a:cubicBezTo>
+                    <a:pt x="2740" y="1274"/>
+                    <a:pt x="2726" y="1321"/>
+                    <a:pt x="2701" y="1361"/>
+                  </a:cubicBezTo>
+                  <a:lnTo>
+                    <a:pt x="2151" y="2315"/>
+                  </a:lnTo>
+                  <a:close/>
+                </a:path>
+              </a:pathLst>
+            </a:custGeom>
+            <a:gradFill>
+              <a:gsLst>
+                <a:gs pos="0">
+                  <a:srgbClr val="D3D3D3"/>
+                </a:gs>
+                <a:gs pos="100000">
+                  <a:srgbClr val="F9F9F9"/>
+                </a:gs>
+              </a:gsLst>
+              <a:lin ang="16200000" scaled="0"/>
+            </a:gradFill>
+            <a:ln w="12700" cap="flat">
+              <a:noFill/>
+              <a:prstDash val="solid"/>
+              <a:miter lim="800000"/>
+            </a:ln>
+            <a:effectLst>
+              <a:outerShdw blurRad="190500" dist="114300" dir="2700000" algn="tl" rotWithShape="0">
+                <a:prstClr val="black">
+                  <a:alpha val="40000"/>
+                </a:prstClr>
+              </a:outerShdw>
+            </a:effectLst>
+          </p:spPr>
+          <p:txBody>
+            <a:bodyPr vert="horz" wrap="square" lIns="68580" tIns="34290" rIns="68580" bIns="34290" numCol="1" anchor="t" anchorCtr="0" compatLnSpc="1"/>
+            <a:lstStyle/>
+            <a:p>
+              <a:endParaRPr lang="zh-CN" altLang="en-US" sz="1350" dirty="0"/>
+            </a:p>
+          </p:txBody>
+        </p:sp>
+        <p:sp>
+          <p:nvSpPr>
+            <p:cNvPr id="33" name="Freeform 5"/>
+            <p:cNvSpPr/>
+            <p:nvPr/>
+          </p:nvSpPr>
+          <p:spPr bwMode="auto">
+            <a:xfrm rot="1855731">
+              <a:off x="3764581" y="2863367"/>
+              <a:ext cx="1264630" cy="1140208"/>
+            </a:xfrm>
+            <a:custGeom>
+              <a:avLst/>
+              <a:gdLst>
+                <a:gd name="T0" fmla="*/ 2151 w 2740"/>
+                <a:gd name="T1" fmla="*/ 2315 h 2446"/>
+                <a:gd name="T2" fmla="*/ 2055 w 2740"/>
+                <a:gd name="T3" fmla="*/ 2410 h 2446"/>
+                <a:gd name="T4" fmla="*/ 1918 w 2740"/>
+                <a:gd name="T5" fmla="*/ 2445 h 2446"/>
+                <a:gd name="T6" fmla="*/ 816 w 2740"/>
+                <a:gd name="T7" fmla="*/ 2445 h 2446"/>
+                <a:gd name="T8" fmla="*/ 685 w 2740"/>
+                <a:gd name="T9" fmla="*/ 2410 h 2446"/>
+                <a:gd name="T10" fmla="*/ 589 w 2740"/>
+                <a:gd name="T11" fmla="*/ 2314 h 2446"/>
+                <a:gd name="T12" fmla="*/ 36 w 2740"/>
+                <a:gd name="T13" fmla="*/ 1356 h 2446"/>
+                <a:gd name="T14" fmla="*/ 0 w 2740"/>
+                <a:gd name="T15" fmla="*/ 1223 h 2446"/>
+                <a:gd name="T16" fmla="*/ 36 w 2740"/>
+                <a:gd name="T17" fmla="*/ 1089 h 2446"/>
+                <a:gd name="T18" fmla="*/ 587 w 2740"/>
+                <a:gd name="T19" fmla="*/ 135 h 2446"/>
+                <a:gd name="T20" fmla="*/ 685 w 2740"/>
+                <a:gd name="T21" fmla="*/ 37 h 2446"/>
+                <a:gd name="T22" fmla="*/ 810 w 2740"/>
+                <a:gd name="T23" fmla="*/ 1 h 2446"/>
+                <a:gd name="T24" fmla="*/ 1916 w 2740"/>
+                <a:gd name="T25" fmla="*/ 1 h 2446"/>
+                <a:gd name="T26" fmla="*/ 2055 w 2740"/>
+                <a:gd name="T27" fmla="*/ 37 h 2446"/>
+                <a:gd name="T28" fmla="*/ 2151 w 2740"/>
+                <a:gd name="T29" fmla="*/ 132 h 2446"/>
+                <a:gd name="T30" fmla="*/ 2702 w 2740"/>
+                <a:gd name="T31" fmla="*/ 1086 h 2446"/>
+                <a:gd name="T32" fmla="*/ 2740 w 2740"/>
+                <a:gd name="T33" fmla="*/ 1223 h 2446"/>
+                <a:gd name="T34" fmla="*/ 2701 w 2740"/>
+                <a:gd name="T35" fmla="*/ 1361 h 2446"/>
+                <a:gd name="T36" fmla="*/ 2151 w 2740"/>
+                <a:gd name="T37" fmla="*/ 2315 h 2446"/>
+              </a:gdLst>
+              <a:ahLst/>
+              <a:cxnLst>
+                <a:cxn ang="0">
+                  <a:pos x="T0" y="T1"/>
+                </a:cxn>
+                <a:cxn ang="0">
+                  <a:pos x="T2" y="T3"/>
+                </a:cxn>
+                <a:cxn ang="0">
+                  <a:pos x="T4" y="T5"/>
+                </a:cxn>
+                <a:cxn ang="0">
+                  <a:pos x="T6" y="T7"/>
+                </a:cxn>
+                <a:cxn ang="0">
+                  <a:pos x="T8" y="T9"/>
+                </a:cxn>
+                <a:cxn ang="0">
+                  <a:pos x="T10" y="T11"/>
+                </a:cxn>
+                <a:cxn ang="0">
+                  <a:pos x="T12" y="T13"/>
+                </a:cxn>
+                <a:cxn ang="0">
+                  <a:pos x="T14" y="T15"/>
+                </a:cxn>
+                <a:cxn ang="0">
+                  <a:pos x="T16" y="T17"/>
+                </a:cxn>
+                <a:cxn ang="0">
+                  <a:pos x="T18" y="T19"/>
+                </a:cxn>
+                <a:cxn ang="0">
+                  <a:pos x="T20" y="T21"/>
+                </a:cxn>
+                <a:cxn ang="0">
+                  <a:pos x="T22" y="T23"/>
+                </a:cxn>
+                <a:cxn ang="0">
+                  <a:pos x="T24" y="T25"/>
+                </a:cxn>
+                <a:cxn ang="0">
+                  <a:pos x="T26" y="T27"/>
+                </a:cxn>
+                <a:cxn ang="0">
+                  <a:pos x="T28" y="T29"/>
+                </a:cxn>
+                <a:cxn ang="0">
+                  <a:pos x="T30" y="T31"/>
+                </a:cxn>
+                <a:cxn ang="0">
+                  <a:pos x="T32" y="T33"/>
+                </a:cxn>
+                <a:cxn ang="0">
+                  <a:pos x="T34" y="T35"/>
+                </a:cxn>
+                <a:cxn ang="0">
+                  <a:pos x="T36" y="T37"/>
+                </a:cxn>
+              </a:cxnLst>
+              <a:rect l="0" t="0" r="r" b="b"/>
+              <a:pathLst>
+                <a:path w="2740" h="2446">
+                  <a:moveTo>
+                    <a:pt x="2151" y="2315"/>
+                  </a:moveTo>
+                  <a:cubicBezTo>
+                    <a:pt x="2128" y="2353"/>
+                    <a:pt x="2096" y="2386"/>
+                    <a:pt x="2055" y="2410"/>
+                  </a:cubicBezTo>
+                  <a:cubicBezTo>
+                    <a:pt x="2012" y="2435"/>
+                    <a:pt x="1965" y="2446"/>
+                    <a:pt x="1918" y="2445"/>
+                  </a:cubicBezTo>
+                  <a:lnTo>
+                    <a:pt x="816" y="2445"/>
+                  </a:lnTo>
+                  <a:cubicBezTo>
+                    <a:pt x="772" y="2445"/>
+                    <a:pt x="726" y="2434"/>
+                    <a:pt x="685" y="2410"/>
+                  </a:cubicBezTo>
+                  <a:cubicBezTo>
+                    <a:pt x="644" y="2386"/>
+                    <a:pt x="611" y="2353"/>
+                    <a:pt x="589" y="2314"/>
+                  </a:cubicBezTo>
+                  <a:lnTo>
+                    <a:pt x="36" y="1356"/>
+                  </a:lnTo>
+                  <a:cubicBezTo>
+                    <a:pt x="13" y="1317"/>
+                    <a:pt x="0" y="1272"/>
+                    <a:pt x="0" y="1223"/>
+                  </a:cubicBezTo>
+                  <a:cubicBezTo>
+                    <a:pt x="0" y="1174"/>
+                    <a:pt x="13" y="1129"/>
+                    <a:pt x="36" y="1089"/>
+                  </a:cubicBezTo>
+                  <a:lnTo>
+                    <a:pt x="587" y="135"/>
+                  </a:lnTo>
+                  <a:cubicBezTo>
+                    <a:pt x="610" y="96"/>
+                    <a:pt x="643" y="61"/>
+                    <a:pt x="685" y="37"/>
+                  </a:cubicBezTo>
+                  <a:cubicBezTo>
+                    <a:pt x="724" y="14"/>
+                    <a:pt x="767" y="2"/>
+                    <a:pt x="810" y="1"/>
+                  </a:cubicBezTo>
+                  <a:lnTo>
+                    <a:pt x="1916" y="1"/>
+                  </a:lnTo>
+                  <a:cubicBezTo>
+                    <a:pt x="1963" y="0"/>
+                    <a:pt x="2011" y="11"/>
+                    <a:pt x="2055" y="37"/>
+                  </a:cubicBezTo>
+                  <a:cubicBezTo>
+                    <a:pt x="2096" y="60"/>
+                    <a:pt x="2129" y="93"/>
+                    <a:pt x="2151" y="132"/>
+                  </a:cubicBezTo>
+                  <a:lnTo>
+                    <a:pt x="2702" y="1086"/>
+                  </a:lnTo>
+                  <a:cubicBezTo>
+                    <a:pt x="2726" y="1126"/>
+                    <a:pt x="2740" y="1173"/>
+                    <a:pt x="2740" y="1223"/>
+                  </a:cubicBezTo>
+                  <a:cubicBezTo>
+                    <a:pt x="2740" y="1274"/>
+                    <a:pt x="2726" y="1321"/>
+                    <a:pt x="2701" y="1361"/>
+                  </a:cubicBezTo>
+                  <a:lnTo>
+                    <a:pt x="2151" y="2315"/>
+                  </a:lnTo>
+                  <a:close/>
+                </a:path>
+              </a:pathLst>
+            </a:custGeom>
+            <a:gradFill>
+              <a:gsLst>
+                <a:gs pos="0">
+                  <a:srgbClr val="D3D3D3">
+                    <a:lumMod val="50000"/>
+                    <a:lumOff val="50000"/>
+                  </a:srgbClr>
+                </a:gs>
+                <a:gs pos="100000">
+                  <a:srgbClr val="F9F9F9"/>
+                </a:gs>
+              </a:gsLst>
+              <a:lin ang="21594000" scaled="0"/>
+            </a:gradFill>
+            <a:ln w="12700" cap="flat">
+              <a:noFill/>
+              <a:prstDash val="solid"/>
+              <a:miter lim="800000"/>
+            </a:ln>
+            <a:effectLst>
+              <a:outerShdw blurRad="50800" dist="38100" dir="2700000" algn="tl" rotWithShape="0">
+                <a:prstClr val="black">
+                  <a:alpha val="40000"/>
+                </a:prstClr>
+              </a:outerShdw>
+            </a:effectLst>
+          </p:spPr>
+          <p:txBody>
+            <a:bodyPr vert="horz" wrap="square" lIns="68580" tIns="34290" rIns="68580" bIns="34290" numCol="1" anchor="t" anchorCtr="0" compatLnSpc="1"/>
+            <a:lstStyle/>
+            <a:p>
+              <a:endParaRPr lang="zh-CN" altLang="en-US" sz="1350" dirty="0"/>
+            </a:p>
+          </p:txBody>
+        </p:sp>
+      </p:grpSp>
+      <p:grpSp>
+        <p:nvGrpSpPr>
+          <p:cNvPr id="35" name="71"/>
+          <p:cNvGrpSpPr/>
+          <p:nvPr>
+            <p:custDataLst>
+              <p:tags r:id="rId1"/>
+            </p:custDataLst>
+          </p:nvPr>
+        </p:nvGrpSpPr>
+        <p:grpSpPr>
+          <a:xfrm>
+            <a:off x="1985956" y="1558379"/>
+            <a:ext cx="5012537" cy="852800"/>
+            <a:chOff x="4304043" y="1286668"/>
+            <a:chExt cx="3837944" cy="2757793"/>
+          </a:xfrm>
+          <a:effectLst>
+            <a:outerShdw blurRad="203200" dist="152400" dir="8100000" algn="tr" rotWithShape="0">
+              <a:prstClr val="black">
+                <a:alpha val="50000"/>
+              </a:prstClr>
+            </a:outerShdw>
+          </a:effectLst>
+        </p:grpSpPr>
+        <p:sp>
+          <p:nvSpPr>
+            <p:cNvPr id="36" name="72"/>
+            <p:cNvSpPr/>
+            <p:nvPr/>
+          </p:nvSpPr>
+          <p:spPr>
+            <a:xfrm>
+              <a:off x="4304043" y="1286668"/>
+              <a:ext cx="3837944" cy="2757793"/>
+            </a:xfrm>
+            <a:prstGeom prst="roundRect">
+              <a:avLst/>
+            </a:prstGeom>
+            <a:gradFill>
+              <a:gsLst>
+                <a:gs pos="62000">
+                  <a:schemeClr val="bg1">
+                    <a:lumMod val="95000"/>
+                  </a:schemeClr>
+                </a:gs>
+                <a:gs pos="0">
+                  <a:schemeClr val="bg1"/>
+                </a:gs>
+                <a:gs pos="100000">
+                  <a:schemeClr val="bg1">
+                    <a:lumMod val="85000"/>
+                  </a:schemeClr>
+                </a:gs>
+                <a:gs pos="0">
+                  <a:schemeClr val="bg1"/>
+                </a:gs>
+              </a:gsLst>
+              <a:lin ang="8100000" scaled="0"/>
+            </a:gradFill>
+            <a:ln>
+              <a:noFill/>
+            </a:ln>
+          </p:spPr>
+          <p:style>
+            <a:lnRef idx="2">
+              <a:schemeClr val="accent1">
+                <a:shade val="50000"/>
+              </a:schemeClr>
+            </a:lnRef>
+            <a:fillRef idx="1">
+              <a:schemeClr val="accent1"/>
+            </a:fillRef>
+            <a:effectRef idx="0">
+              <a:schemeClr val="accent1"/>
+            </a:effectRef>
+            <a:fontRef idx="minor">
+              <a:schemeClr val="lt1"/>
+            </a:fontRef>
+          </p:style>
+          <p:txBody>
+            <a:bodyPr rtlCol="0" anchor="ctr"/>
+            <a:lstStyle/>
+            <a:p>
+              <a:pPr algn="ctr"/>
+              <a:endParaRPr lang="zh-CN" altLang="en-US" sz="1350"/>
+            </a:p>
+          </p:txBody>
+        </p:sp>
+        <p:sp>
+          <p:nvSpPr>
+            <p:cNvPr id="37" name="73"/>
+            <p:cNvSpPr/>
+            <p:nvPr/>
+          </p:nvSpPr>
+          <p:spPr>
+            <a:xfrm>
+              <a:off x="4351930" y="1373339"/>
+              <a:ext cx="3764602" cy="2584451"/>
+            </a:xfrm>
+            <a:prstGeom prst="roundRect">
+              <a:avLst/>
+            </a:prstGeom>
+            <a:gradFill>
+              <a:gsLst>
+                <a:gs pos="42000">
+                  <a:srgbClr val="F0F0F0"/>
+                </a:gs>
+                <a:gs pos="0">
+                  <a:schemeClr val="bg1"/>
+                </a:gs>
+                <a:gs pos="100000">
+                  <a:schemeClr val="bg1">
+                    <a:lumMod val="85000"/>
+                  </a:schemeClr>
+                </a:gs>
+                <a:gs pos="0">
+                  <a:schemeClr val="bg1"/>
+                </a:gs>
+              </a:gsLst>
+              <a:lin ang="18900000" scaled="0"/>
+            </a:gradFill>
+            <a:ln>
+              <a:noFill/>
+            </a:ln>
+          </p:spPr>
+          <p:style>
+            <a:lnRef idx="2">
+              <a:schemeClr val="accent1">
+                <a:shade val="50000"/>
+              </a:schemeClr>
+            </a:lnRef>
+            <a:fillRef idx="1">
+              <a:schemeClr val="accent1"/>
+            </a:fillRef>
+            <a:effectRef idx="0">
+              <a:schemeClr val="accent1"/>
+            </a:effectRef>
+            <a:fontRef idx="minor">
+              <a:schemeClr val="lt1"/>
+            </a:fontRef>
+          </p:style>
+          <p:txBody>
+            <a:bodyPr rtlCol="0" anchor="ctr"/>
+            <a:lstStyle/>
+            <a:p>
+              <a:pPr algn="ctr"/>
+              <a:endParaRPr lang="zh-CN" altLang="en-US" sz="1350"/>
+            </a:p>
+          </p:txBody>
+        </p:sp>
+      </p:grpSp>
+      <p:sp>
+        <p:nvSpPr>
+          <p:cNvPr id="38" name="9"/>
+          <p:cNvSpPr>
+            <a:spLocks noChangeArrowheads="1"/>
+          </p:cNvSpPr>
+          <p:nvPr>
+            <p:custDataLst>
+              <p:tags r:id="rId2"/>
+            </p:custDataLst>
+          </p:nvPr>
+        </p:nvSpPr>
+        <p:spPr bwMode="auto">
+          <a:xfrm>
+            <a:off x="2055748" y="1741345"/>
+            <a:ext cx="5009587" cy="553085"/>
+          </a:xfrm>
+          <a:prstGeom prst="rect">
+            <a:avLst/>
+          </a:prstGeom>
+          <a:noFill/>
+          <a:ln>
+            <a:noFill/>
+          </a:ln>
+          <a:extLst>
+            <a:ext uri="{91240B29-F687-4F45-9708-019B960494DF}">
+              <a14:hiddenLine xmlns:a14="http://schemas.microsoft.com/office/drawing/2010/main" w="9525">
+                <a:solidFill>
+                  <a:srgbClr val="000000"/>
+                </a:solidFill>
+                <a:miter lim="800000"/>
+                <a:headEnd/>
+                <a:tailEnd/>
+              </a14:hiddenLine>
+            </a:ext>
+          </a:extLst>
+        </p:spPr>
+        <p:txBody>
+          <a:bodyPr wrap="square">
+            <a:spAutoFit/>
+          </a:bodyPr>
+          <a:lstStyle/>
+          <a:p>
+            <a:pPr algn="ctr" fontAlgn="auto">
+              <a:defRPr/>
+            </a:pPr>
+            <a:r>
+              <a:rPr lang="zh-CN" altLang="en-US" sz="3000" b="1" kern="0" dirty="0">
+                <a:solidFill>
+                  <a:srgbClr val="C9394A"/>
+                </a:solidFill>
+                <a:latin typeface="微软雅黑" panose="020B0503020204020204" charset="-122"/>
+                <a:ea typeface="微软雅黑" panose="020B0503020204020204" charset="-122"/>
+              </a:rPr>
+              <a:t>实战项目</a:t>
+            </a:r>
+            <a:r>
+              <a:rPr lang="en-US" altLang="zh-CN" sz="3000" b="1" kern="0" dirty="0">
+                <a:solidFill>
+                  <a:srgbClr val="C9394A"/>
+                </a:solidFill>
+                <a:latin typeface="微软雅黑" panose="020B0503020204020204" charset="-122"/>
+                <a:ea typeface="微软雅黑" panose="020B0503020204020204" charset="-122"/>
+              </a:rPr>
+              <a:t>-</a:t>
+            </a:r>
+            <a:r>
+              <a:rPr lang="zh-CN" altLang="en-US" sz="3000" b="1" kern="0" dirty="0">
+                <a:solidFill>
+                  <a:srgbClr val="C9394A"/>
+                </a:solidFill>
+                <a:latin typeface="微软雅黑" panose="020B0503020204020204" charset="-122"/>
+                <a:ea typeface="微软雅黑" panose="020B0503020204020204" charset="-122"/>
+              </a:rPr>
+              <a:t>扩展开发</a:t>
+            </a:r>
+          </a:p>
+        </p:txBody>
+      </p:sp>
+      <p:sp>
+        <p:nvSpPr>
+          <p:cNvPr id="18" name="圆角矩形"/>
+          <p:cNvSpPr/>
+          <p:nvPr/>
+        </p:nvSpPr>
+        <p:spPr>
+          <a:xfrm>
+            <a:off x="3645079" y="3418964"/>
+            <a:ext cx="1799927" cy="458786"/>
+          </a:xfrm>
+          <a:prstGeom prst="roundRect">
+            <a:avLst>
+              <a:gd name="adj" fmla="val 16666"/>
+            </a:avLst>
+          </a:prstGeom>
+          <a:noFill/>
+          <a:ln w="38100" cap="flat" cmpd="sng">
+            <a:noFill/>
+            <a:prstDash val="solid"/>
+            <a:round/>
+          </a:ln>
+          <a:effectLst>
+            <a:outerShdw blurRad="40000" dist="20000" dir="5400000" rotWithShape="0">
+              <a:srgbClr val="000000">
+                <a:alpha val="37647"/>
+              </a:srgbClr>
+            </a:outerShdw>
+          </a:effectLst>
+        </p:spPr>
+        <p:txBody>
+          <a:bodyPr vert="horz" wrap="square" lIns="91440" tIns="45720" rIns="91440" bIns="45720" anchor="ctr" anchorCtr="0"/>
+          <a:lstStyle/>
+          <a:p>
+            <a:pPr algn="ctr"/>
+            <a:r>
+              <a:rPr lang="zh-CN" altLang="en-US" sz="3000" b="1" dirty="0">
+                <a:solidFill>
+                  <a:srgbClr val="C00000"/>
+                </a:solidFill>
+                <a:latin typeface="微软雅黑" panose="020B0503020204020204" charset="-122"/>
+                <a:ea typeface="微软雅黑" panose="020B0503020204020204" charset="-122"/>
+                <a:cs typeface="微软雅黑" panose="020B0503020204020204" charset="-122"/>
+              </a:rPr>
+              <a:t>治理</a:t>
+            </a:r>
+            <a:endParaRPr lang="zh-CN" altLang="en-US" sz="3000" b="1" u="none" strike="noStrike" kern="1200" cap="none" spc="0" baseline="0" dirty="0">
+              <a:solidFill>
+                <a:srgbClr val="C00000"/>
+              </a:solidFill>
+              <a:latin typeface="微软雅黑" panose="020B0503020204020204" charset="-122"/>
+              <a:ea typeface="微软雅黑" panose="020B0503020204020204" charset="-122"/>
+              <a:cs typeface="微软雅黑" panose="020B0503020204020204" charset="-122"/>
+            </a:endParaRPr>
+          </a:p>
+        </p:txBody>
+      </p:sp>
+    </p:spTree>
+    <p:extLst>
+      <p:ext uri="{BB962C8B-B14F-4D97-AF65-F5344CB8AC3E}">
+        <p14:creationId xmlns:p14="http://schemas.microsoft.com/office/powerpoint/2010/main" val="19920753"/>
+      </p:ext>
+    </p:extLst>
+  </p:cSld>
+  <p:clrMapOvr>
+    <a:masterClrMapping/>
+  </p:clrMapOvr>
+  <mc:AlternateContent xmlns:mc="http://schemas.openxmlformats.org/markup-compatibility/2006" xmlns:p14="http://schemas.microsoft.com/office/powerpoint/2010/main">
+    <mc:Choice Requires="p14">
+      <p:transition spd="slow" p14:dur="1200" advClick="0" advTm="0">
+        <p14:prism/>
+      </p:transition>
+    </mc:Choice>
+    <mc:Fallback xmlns="">
+      <p:transition spd="slow" advClick="0" advTm="0">
+        <p:fade/>
+      </p:transition>
+    </mc:Fallback>
+  </mc:AlternateContent>
+  <p:timing>
+    <p:tnLst>
+      <p:par>
+        <p:cTn id="1" dur="indefinite" restart="never" nodeType="tmRoot">
+          <p:childTnLst>
+            <p:seq concurrent="1" nextAc="seek">
+              <p:cTn id="2" dur="indefinite" nodeType="mainSeq">
+                <p:childTnLst>
+                  <p:par>
+                    <p:cTn id="3" fill="hold">
+                      <p:stCondLst>
+                        <p:cond delay="indefinite"/>
+                      </p:stCondLst>
+                      <p:childTnLst>
+                        <p:par>
+                          <p:cTn id="4" fill="hold">
+                            <p:stCondLst>
+                              <p:cond delay="0"/>
+                            </p:stCondLst>
+                            <p:childTnLst>
+                              <p:par>
+                                <p:cTn id="5" presetID="16" presetClass="entr" presetSubtype="21" fill="hold" grpId="0" nodeType="clickEffect">
+                                  <p:stCondLst>
+                                    <p:cond delay="0"/>
+                                  </p:stCondLst>
+                                  <p:childTnLst>
+                                    <p:set>
+                                      <p:cBhvr>
+                                        <p:cTn id="6" dur="1" fill="hold">
+                                          <p:stCondLst>
+                                            <p:cond delay="0"/>
+                                          </p:stCondLst>
+                                        </p:cTn>
+                                        <p:tgtEl>
+                                          <p:spTgt spid="25"/>
+                                        </p:tgtEl>
+                                        <p:attrNameLst>
+                                          <p:attrName>style.visibility</p:attrName>
+                                        </p:attrNameLst>
+                                      </p:cBhvr>
+                                      <p:to>
+                                        <p:strVal val="visible"/>
+                                      </p:to>
+                                    </p:set>
+                                    <p:animEffect transition="in" filter="barn(inVertical)">
+                                      <p:cBhvr>
+                                        <p:cTn id="7" dur="500"/>
+                                        <p:tgtEl>
+                                          <p:spTgt spid="25"/>
+                                        </p:tgtEl>
+                                      </p:cBhvr>
+                                    </p:animEffect>
+                                  </p:childTnLst>
+                                </p:cTn>
+                              </p:par>
+                              <p:par>
+                                <p:cTn id="8" presetID="16" presetClass="entr" presetSubtype="21" fill="hold" grpId="0" nodeType="withEffect">
+                                  <p:stCondLst>
+                                    <p:cond delay="0"/>
+                                  </p:stCondLst>
+                                  <p:childTnLst>
+                                    <p:set>
+                                      <p:cBhvr>
+                                        <p:cTn id="9" dur="1" fill="hold">
+                                          <p:stCondLst>
+                                            <p:cond delay="0"/>
+                                          </p:stCondLst>
+                                        </p:cTn>
+                                        <p:tgtEl>
+                                          <p:spTgt spid="26"/>
+                                        </p:tgtEl>
+                                        <p:attrNameLst>
+                                          <p:attrName>style.visibility</p:attrName>
+                                        </p:attrNameLst>
+                                      </p:cBhvr>
+                                      <p:to>
+                                        <p:strVal val="visible"/>
+                                      </p:to>
+                                    </p:set>
+                                    <p:animEffect transition="in" filter="barn(inVertical)">
+                                      <p:cBhvr>
+                                        <p:cTn id="10" dur="500"/>
+                                        <p:tgtEl>
+                                          <p:spTgt spid="26"/>
+                                        </p:tgtEl>
+                                      </p:cBhvr>
+                                    </p:animEffect>
+                                  </p:childTnLst>
+                                </p:cTn>
+                              </p:par>
+                              <p:par>
+                                <p:cTn id="11" presetID="16" presetClass="entr" presetSubtype="21" fill="hold" grpId="0" nodeType="withEffect">
+                                  <p:stCondLst>
+                                    <p:cond delay="0"/>
+                                  </p:stCondLst>
+                                  <p:childTnLst>
+                                    <p:set>
+                                      <p:cBhvr>
+                                        <p:cTn id="12" dur="1" fill="hold">
+                                          <p:stCondLst>
+                                            <p:cond delay="0"/>
+                                          </p:stCondLst>
+                                        </p:cTn>
+                                        <p:tgtEl>
+                                          <p:spTgt spid="27"/>
+                                        </p:tgtEl>
+                                        <p:attrNameLst>
+                                          <p:attrName>style.visibility</p:attrName>
+                                        </p:attrNameLst>
+                                      </p:cBhvr>
+                                      <p:to>
+                                        <p:strVal val="visible"/>
+                                      </p:to>
+                                    </p:set>
+                                    <p:animEffect transition="in" filter="barn(inVertical)">
+                                      <p:cBhvr>
+                                        <p:cTn id="13" dur="500"/>
+                                        <p:tgtEl>
+                                          <p:spTgt spid="27"/>
+                                        </p:tgtEl>
+                                      </p:cBhvr>
+                                    </p:animEffect>
+                                  </p:childTnLst>
+                                </p:cTn>
+                              </p:par>
+                              <p:par>
+                                <p:cTn id="14" presetID="16" presetClass="entr" presetSubtype="21" fill="hold" grpId="0" nodeType="withEffect">
+                                  <p:stCondLst>
+                                    <p:cond delay="0"/>
+                                  </p:stCondLst>
+                                  <p:childTnLst>
+                                    <p:set>
+                                      <p:cBhvr>
+                                        <p:cTn id="15" dur="1" fill="hold">
+                                          <p:stCondLst>
+                                            <p:cond delay="0"/>
+                                          </p:stCondLst>
+                                        </p:cTn>
+                                        <p:tgtEl>
+                                          <p:spTgt spid="28"/>
+                                        </p:tgtEl>
+                                        <p:attrNameLst>
+                                          <p:attrName>style.visibility</p:attrName>
+                                        </p:attrNameLst>
+                                      </p:cBhvr>
+                                      <p:to>
+                                        <p:strVal val="visible"/>
+                                      </p:to>
+                                    </p:set>
+                                    <p:animEffect transition="in" filter="barn(inVertical)">
+                                      <p:cBhvr>
+                                        <p:cTn id="16" dur="500"/>
+                                        <p:tgtEl>
+                                          <p:spTgt spid="28"/>
+                                        </p:tgtEl>
+                                      </p:cBhvr>
+                                    </p:animEffect>
+                                  </p:childTnLst>
+                                </p:cTn>
+                              </p:par>
+                              <p:par>
+                                <p:cTn id="17" presetID="16" presetClass="entr" presetSubtype="21" fill="hold" grpId="0" nodeType="withEffect">
+                                  <p:stCondLst>
+                                    <p:cond delay="0"/>
+                                  </p:stCondLst>
+                                  <p:childTnLst>
+                                    <p:set>
+                                      <p:cBhvr>
+                                        <p:cTn id="18" dur="1" fill="hold">
+                                          <p:stCondLst>
+                                            <p:cond delay="0"/>
+                                          </p:stCondLst>
+                                        </p:cTn>
+                                        <p:tgtEl>
+                                          <p:spTgt spid="29"/>
+                                        </p:tgtEl>
+                                        <p:attrNameLst>
+                                          <p:attrName>style.visibility</p:attrName>
+                                        </p:attrNameLst>
+                                      </p:cBhvr>
+                                      <p:to>
+                                        <p:strVal val="visible"/>
+                                      </p:to>
+                                    </p:set>
+                                    <p:animEffect transition="in" filter="barn(inVertical)">
+                                      <p:cBhvr>
+                                        <p:cTn id="19" dur="500"/>
+                                        <p:tgtEl>
+                                          <p:spTgt spid="29"/>
+                                        </p:tgtEl>
+                                      </p:cBhvr>
+                                    </p:animEffect>
+                                  </p:childTnLst>
+                                </p:cTn>
+                              </p:par>
+                              <p:par>
+                                <p:cTn id="20" presetID="16" presetClass="entr" presetSubtype="21" fill="hold" grpId="0" nodeType="withEffect">
+                                  <p:stCondLst>
+                                    <p:cond delay="0"/>
+                                  </p:stCondLst>
+                                  <p:childTnLst>
+                                    <p:set>
+                                      <p:cBhvr>
+                                        <p:cTn id="21" dur="1" fill="hold">
+                                          <p:stCondLst>
+                                            <p:cond delay="0"/>
+                                          </p:stCondLst>
+                                        </p:cTn>
+                                        <p:tgtEl>
+                                          <p:spTgt spid="30"/>
+                                        </p:tgtEl>
+                                        <p:attrNameLst>
+                                          <p:attrName>style.visibility</p:attrName>
+                                        </p:attrNameLst>
+                                      </p:cBhvr>
+                                      <p:to>
+                                        <p:strVal val="visible"/>
+                                      </p:to>
+                                    </p:set>
+                                    <p:animEffect transition="in" filter="barn(inVertical)">
+                                      <p:cBhvr>
+                                        <p:cTn id="22" dur="500"/>
+                                        <p:tgtEl>
+                                          <p:spTgt spid="30"/>
+                                        </p:tgtEl>
+                                      </p:cBhvr>
+                                    </p:animEffect>
+                                  </p:childTnLst>
+                                </p:cTn>
+                              </p:par>
+                              <p:par>
+                                <p:cTn id="23" presetID="16" presetClass="entr" presetSubtype="21" fill="hold" grpId="0" nodeType="withEffect">
+                                  <p:stCondLst>
+                                    <p:cond delay="0"/>
+                                  </p:stCondLst>
+                                  <p:childTnLst>
+                                    <p:set>
+                                      <p:cBhvr>
+                                        <p:cTn id="24" dur="1" fill="hold">
+                                          <p:stCondLst>
+                                            <p:cond delay="0"/>
+                                          </p:stCondLst>
+                                        </p:cTn>
+                                        <p:tgtEl>
+                                          <p:spTgt spid="22"/>
+                                        </p:tgtEl>
+                                        <p:attrNameLst>
+                                          <p:attrName>style.visibility</p:attrName>
+                                        </p:attrNameLst>
+                                      </p:cBhvr>
+                                      <p:to>
+                                        <p:strVal val="visible"/>
+                                      </p:to>
+                                    </p:set>
+                                    <p:animEffect transition="in" filter="barn(inVertical)">
+                                      <p:cBhvr>
+                                        <p:cTn id="25" dur="500"/>
+                                        <p:tgtEl>
+                                          <p:spTgt spid="22"/>
+                                        </p:tgtEl>
+                                      </p:cBhvr>
+                                    </p:animEffect>
+                                  </p:childTnLst>
+                                </p:cTn>
+                              </p:par>
+                              <p:par>
+                                <p:cTn id="26" presetID="16" presetClass="entr" presetSubtype="21" fill="hold" nodeType="withEffect">
+                                  <p:stCondLst>
+                                    <p:cond delay="0"/>
+                                  </p:stCondLst>
+                                  <p:childTnLst>
+                                    <p:set>
+                                      <p:cBhvr>
+                                        <p:cTn id="27" dur="1" fill="hold">
+                                          <p:stCondLst>
+                                            <p:cond delay="0"/>
+                                          </p:stCondLst>
+                                        </p:cTn>
+                                        <p:tgtEl>
+                                          <p:spTgt spid="31"/>
+                                        </p:tgtEl>
+                                        <p:attrNameLst>
+                                          <p:attrName>style.visibility</p:attrName>
+                                        </p:attrNameLst>
+                                      </p:cBhvr>
+                                      <p:to>
+                                        <p:strVal val="visible"/>
+                                      </p:to>
+                                    </p:set>
+                                    <p:animEffect transition="in" filter="barn(inVertical)">
+                                      <p:cBhvr>
+                                        <p:cTn id="28" dur="500"/>
+                                        <p:tgtEl>
+                                          <p:spTgt spid="31"/>
+                                        </p:tgtEl>
+                                      </p:cBhvr>
+                                    </p:animEffect>
+                                  </p:childTnLst>
+                                </p:cTn>
+                              </p:par>
+                              <p:par>
+                                <p:cTn id="29" presetID="16" presetClass="entr" presetSubtype="21" fill="hold" grpId="0" nodeType="withEffect">
+                                  <p:stCondLst>
+                                    <p:cond delay="0"/>
+                                  </p:stCondLst>
+                                  <p:childTnLst>
+                                    <p:set>
+                                      <p:cBhvr>
+                                        <p:cTn id="30" dur="1" fill="hold">
+                                          <p:stCondLst>
+                                            <p:cond delay="0"/>
+                                          </p:stCondLst>
+                                        </p:cTn>
+                                        <p:tgtEl>
+                                          <p:spTgt spid="23"/>
+                                        </p:tgtEl>
+                                        <p:attrNameLst>
+                                          <p:attrName>style.visibility</p:attrName>
+                                        </p:attrNameLst>
+                                      </p:cBhvr>
+                                      <p:to>
+                                        <p:strVal val="visible"/>
+                                      </p:to>
+                                    </p:set>
+                                    <p:animEffect transition="in" filter="barn(inVertical)">
+                                      <p:cBhvr>
+                                        <p:cTn id="31" dur="500"/>
+                                        <p:tgtEl>
+                                          <p:spTgt spid="23"/>
+                                        </p:tgtEl>
+                                      </p:cBhvr>
+                                    </p:animEffect>
+                                  </p:childTnLst>
+                                </p:cTn>
+                              </p:par>
+                              <p:par>
+                                <p:cTn id="32" presetID="16" presetClass="entr" presetSubtype="21" fill="hold" grpId="0" nodeType="withEffect">
+                                  <p:stCondLst>
+                                    <p:cond delay="0"/>
+                                  </p:stCondLst>
+                                  <p:childTnLst>
+                                    <p:set>
+                                      <p:cBhvr>
+                                        <p:cTn id="33" dur="1" fill="hold">
+                                          <p:stCondLst>
+                                            <p:cond delay="0"/>
+                                          </p:stCondLst>
+                                        </p:cTn>
+                                        <p:tgtEl>
+                                          <p:spTgt spid="24"/>
+                                        </p:tgtEl>
+                                        <p:attrNameLst>
+                                          <p:attrName>style.visibility</p:attrName>
+                                        </p:attrNameLst>
+                                      </p:cBhvr>
+                                      <p:to>
+                                        <p:strVal val="visible"/>
+                                      </p:to>
+                                    </p:set>
+                                    <p:animEffect transition="in" filter="barn(inVertical)">
+                                      <p:cBhvr>
+                                        <p:cTn id="34" dur="500"/>
+                                        <p:tgtEl>
+                                          <p:spTgt spid="24"/>
+                                        </p:tgtEl>
+                                      </p:cBhvr>
+                                    </p:animEffect>
+                                  </p:childTnLst>
+                                </p:cTn>
+                              </p:par>
+                              <p:par>
+                                <p:cTn id="35" presetID="16" presetClass="entr" presetSubtype="21" fill="hold" nodeType="withEffect">
+                                  <p:stCondLst>
+                                    <p:cond delay="0"/>
+                                  </p:stCondLst>
+                                  <p:childTnLst>
+                                    <p:set>
+                                      <p:cBhvr>
+                                        <p:cTn id="36" dur="1" fill="hold">
+                                          <p:stCondLst>
+                                            <p:cond delay="0"/>
+                                          </p:stCondLst>
+                                        </p:cTn>
+                                        <p:tgtEl>
+                                          <p:spTgt spid="35"/>
+                                        </p:tgtEl>
+                                        <p:attrNameLst>
+                                          <p:attrName>style.visibility</p:attrName>
+                                        </p:attrNameLst>
+                                      </p:cBhvr>
+                                      <p:to>
+                                        <p:strVal val="visible"/>
+                                      </p:to>
+                                    </p:set>
+                                    <p:animEffect transition="in" filter="barn(inVertical)">
+                                      <p:cBhvr>
+                                        <p:cTn id="37" dur="500"/>
+                                        <p:tgtEl>
+                                          <p:spTgt spid="35"/>
+                                        </p:tgtEl>
+                                      </p:cBhvr>
+                                    </p:animEffect>
+                                  </p:childTnLst>
+                                </p:cTn>
+                              </p:par>
+                              <p:par>
+                                <p:cTn id="38" presetID="16" presetClass="entr" presetSubtype="21" fill="hold" grpId="0" nodeType="withEffect">
+                                  <p:stCondLst>
+                                    <p:cond delay="0"/>
+                                  </p:stCondLst>
+                                  <p:childTnLst>
+                                    <p:set>
+                                      <p:cBhvr>
+                                        <p:cTn id="39" dur="1" fill="hold">
+                                          <p:stCondLst>
+                                            <p:cond delay="0"/>
+                                          </p:stCondLst>
+                                        </p:cTn>
+                                        <p:tgtEl>
+                                          <p:spTgt spid="38"/>
+                                        </p:tgtEl>
+                                        <p:attrNameLst>
+                                          <p:attrName>style.visibility</p:attrName>
+                                        </p:attrNameLst>
+                                      </p:cBhvr>
+                                      <p:to>
+                                        <p:strVal val="visible"/>
+                                      </p:to>
+                                    </p:set>
+                                    <p:animEffect transition="in" filter="barn(inVertical)">
+                                      <p:cBhvr>
+                                        <p:cTn id="40" dur="500"/>
+                                        <p:tgtEl>
+                                          <p:spTgt spid="38"/>
+                                        </p:tgtEl>
+                                      </p:cBhvr>
+                                    </p:animEffect>
+                                  </p:childTnLst>
+                                </p:cTn>
+                              </p:par>
+                              <p:par>
+                                <p:cTn id="41" presetID="16" presetClass="entr" presetSubtype="21" fill="hold" grpId="0" nodeType="withEffect">
+                                  <p:stCondLst>
+                                    <p:cond delay="0"/>
+                                  </p:stCondLst>
+                                  <p:childTnLst>
+                                    <p:set>
+                                      <p:cBhvr>
+                                        <p:cTn id="42" dur="1" fill="hold">
+                                          <p:stCondLst>
+                                            <p:cond delay="0"/>
+                                          </p:stCondLst>
+                                        </p:cTn>
+                                        <p:tgtEl>
+                                          <p:spTgt spid="18"/>
+                                        </p:tgtEl>
+                                        <p:attrNameLst>
+                                          <p:attrName>style.visibility</p:attrName>
+                                        </p:attrNameLst>
+                                      </p:cBhvr>
+                                      <p:to>
+                                        <p:strVal val="visible"/>
+                                      </p:to>
+                                    </p:set>
+                                    <p:animEffect transition="in" filter="barn(inVertical)">
+                                      <p:cBhvr>
+                                        <p:cTn id="43" dur="500"/>
+                                        <p:tgtEl>
+                                          <p:spTgt spid="18"/>
+                                        </p:tgtEl>
+                                      </p:cBhvr>
+                                    </p:animEffect>
+                                  </p:childTnLst>
+                                </p:cTn>
+                              </p:par>
+                            </p:childTnLst>
+                          </p:cTn>
+                        </p:par>
+                      </p:childTnLst>
+                    </p:cTn>
+                  </p:par>
+                </p:childTnLst>
+              </p:cTn>
+              <p:prevCondLst>
+                <p:cond evt="onPrev" delay="0">
+                  <p:tgtEl>
+                    <p:sldTgt/>
+                  </p:tgtEl>
+                </p:cond>
+              </p:prevCondLst>
+              <p:nextCondLst>
+                <p:cond evt="onNext" delay="0">
+                  <p:tgtEl>
+                    <p:sldTgt/>
+                  </p:tgtEl>
+                </p:cond>
+              </p:nextCondLst>
+            </p:seq>
+          </p:childTnLst>
+        </p:cTn>
+      </p:par>
+    </p:tnLst>
+    <p:bldLst>
+      <p:bldP spid="22" grpId="0" animBg="1"/>
+      <p:bldP spid="23" grpId="0"/>
+      <p:bldP spid="24" grpId="0"/>
+      <p:bldP spid="25" grpId="0" animBg="1"/>
+      <p:bldP spid="26" grpId="0" animBg="1"/>
+      <p:bldP spid="27" grpId="0" animBg="1"/>
+      <p:bldP spid="28" grpId="0" animBg="1"/>
+      <p:bldP spid="29" grpId="0" animBg="1"/>
+      <p:bldP spid="30" grpId="0" animBg="1"/>
+      <p:bldP spid="38" grpId="0"/>
+      <p:bldP spid="18" grpId="0"/>
+    </p:bldLst>
+  </p:timing>
+</p:sld>
+</file>
+
 <file path=ppt/tags/tag1.xml><?xml version="1.0" encoding="utf-8"?>
 <p:tagLst xmlns:a="http://schemas.openxmlformats.org/drawingml/2006/main" xmlns:r="http://schemas.openxmlformats.org/officeDocument/2006/relationships" xmlns:p="http://schemas.openxmlformats.org/presentationml/2006/main">
   <p:tag name="PA" val="v3.0.1"/>
@@ -23504,17 +28494,47 @@
 
 <file path=ppt/tags/tag10.xml><?xml version="1.0" encoding="utf-8"?>
 <p:tagLst xmlns:a="http://schemas.openxmlformats.org/drawingml/2006/main" xmlns:r="http://schemas.openxmlformats.org/officeDocument/2006/relationships" xmlns:p="http://schemas.openxmlformats.org/presentationml/2006/main">
-  <p:tag name="PA" val="v3.0.1"/>
+  <p:tag name="TIMING" val="|2"/>
 </p:tagLst>
 </file>
 
 <file path=ppt/tags/tag11.xml><?xml version="1.0" encoding="utf-8"?>
 <p:tagLst xmlns:a="http://schemas.openxmlformats.org/drawingml/2006/main" xmlns:r="http://schemas.openxmlformats.org/officeDocument/2006/relationships" xmlns:p="http://schemas.openxmlformats.org/presentationml/2006/main">
+  <p:tag name="PA" val="v3.0.1"/>
+</p:tagLst>
+</file>
+
+<file path=ppt/tags/tag12.xml><?xml version="1.0" encoding="utf-8"?>
+<p:tagLst xmlns:a="http://schemas.openxmlformats.org/drawingml/2006/main" xmlns:r="http://schemas.openxmlformats.org/officeDocument/2006/relationships" xmlns:p="http://schemas.openxmlformats.org/presentationml/2006/main">
+  <p:tag name="PA" val="v3.0.1"/>
+</p:tagLst>
+</file>
+
+<file path=ppt/tags/tag13.xml><?xml version="1.0" encoding="utf-8"?>
+<p:tagLst xmlns:a="http://schemas.openxmlformats.org/drawingml/2006/main" xmlns:r="http://schemas.openxmlformats.org/officeDocument/2006/relationships" xmlns:p="http://schemas.openxmlformats.org/presentationml/2006/main">
   <p:tag name="TIMING" val="|2"/>
 </p:tagLst>
 </file>
 
-<file path=ppt/tags/tag12.xml><?xml version="1.0" encoding="utf-8"?>
+<file path=ppt/tags/tag14.xml><?xml version="1.0" encoding="utf-8"?>
+<p:tagLst xmlns:a="http://schemas.openxmlformats.org/drawingml/2006/main" xmlns:r="http://schemas.openxmlformats.org/officeDocument/2006/relationships" xmlns:p="http://schemas.openxmlformats.org/presentationml/2006/main">
+  <p:tag name="PA" val="v3.0.1"/>
+</p:tagLst>
+</file>
+
+<file path=ppt/tags/tag15.xml><?xml version="1.0" encoding="utf-8"?>
+<p:tagLst xmlns:a="http://schemas.openxmlformats.org/drawingml/2006/main" xmlns:r="http://schemas.openxmlformats.org/officeDocument/2006/relationships" xmlns:p="http://schemas.openxmlformats.org/presentationml/2006/main">
+  <p:tag name="PA" val="v3.0.1"/>
+</p:tagLst>
+</file>
+
+<file path=ppt/tags/tag16.xml><?xml version="1.0" encoding="utf-8"?>
+<p:tagLst xmlns:a="http://schemas.openxmlformats.org/drawingml/2006/main" xmlns:r="http://schemas.openxmlformats.org/officeDocument/2006/relationships" xmlns:p="http://schemas.openxmlformats.org/presentationml/2006/main">
+  <p:tag name="TIMING" val="|2"/>
+</p:tagLst>
+</file>
+
+<file path=ppt/tags/tag17.xml><?xml version="1.0" encoding="utf-8"?>
 <p:tagLst xmlns:a="http://schemas.openxmlformats.org/drawingml/2006/main" xmlns:r="http://schemas.openxmlformats.org/officeDocument/2006/relationships" xmlns:p="http://schemas.openxmlformats.org/presentationml/2006/main">
   <p:tag name="TIMING" val="|2"/>
 </p:tagLst>
@@ -23534,25 +28554,25 @@
 
 <file path=ppt/tags/tag4.xml><?xml version="1.0" encoding="utf-8"?>
 <p:tagLst xmlns:a="http://schemas.openxmlformats.org/drawingml/2006/main" xmlns:r="http://schemas.openxmlformats.org/officeDocument/2006/relationships" xmlns:p="http://schemas.openxmlformats.org/presentationml/2006/main">
-  <p:tag name="TIMING" val="|2"/>
+  <p:tag name="PA" val="v3.0.1"/>
 </p:tagLst>
 </file>
 
 <file path=ppt/tags/tag5.xml><?xml version="1.0" encoding="utf-8"?>
 <p:tagLst xmlns:a="http://schemas.openxmlformats.org/drawingml/2006/main" xmlns:r="http://schemas.openxmlformats.org/officeDocument/2006/relationships" xmlns:p="http://schemas.openxmlformats.org/presentationml/2006/main">
-  <p:tag name="TIMING" val="|2"/>
+  <p:tag name="PA" val="v3.0.1"/>
 </p:tagLst>
 </file>
 
 <file path=ppt/tags/tag6.xml><?xml version="1.0" encoding="utf-8"?>
 <p:tagLst xmlns:a="http://schemas.openxmlformats.org/drawingml/2006/main" xmlns:r="http://schemas.openxmlformats.org/officeDocument/2006/relationships" xmlns:p="http://schemas.openxmlformats.org/presentationml/2006/main">
-  <p:tag name="PA" val="v3.0.1"/>
+  <p:tag name="TIMING" val="|2"/>
 </p:tagLst>
 </file>
 
 <file path=ppt/tags/tag7.xml><?xml version="1.0" encoding="utf-8"?>
 <p:tagLst xmlns:a="http://schemas.openxmlformats.org/drawingml/2006/main" xmlns:r="http://schemas.openxmlformats.org/officeDocument/2006/relationships" xmlns:p="http://schemas.openxmlformats.org/presentationml/2006/main">
-  <p:tag name="PA" val="v3.0.1"/>
+  <p:tag name="TIMING" val="|2"/>
 </p:tagLst>
 </file>
 
@@ -23564,7 +28584,7 @@
 
 <file path=ppt/tags/tag9.xml><?xml version="1.0" encoding="utf-8"?>
 <p:tagLst xmlns:a="http://schemas.openxmlformats.org/drawingml/2006/main" xmlns:r="http://schemas.openxmlformats.org/officeDocument/2006/relationships" xmlns:p="http://schemas.openxmlformats.org/presentationml/2006/main">
-  <p:tag name="PA" val="v3.0.1"/>
+  <p:tag name="TIMING" val="|2"/>
 </p:tagLst>
 </file>
 
